--- a/documentation/ExpertShop.pptx
+++ b/documentation/ExpertShop.pptx
@@ -5,10 +5,31 @@
     <p:sldMasterId id="2147483648" r:id="rId4"/>
     <p:sldMasterId id="2147483660" r:id="rId5"/>
   </p:sldMasterIdLst>
+  <p:handoutMasterIdLst>
+    <p:handoutMasterId r:id="rId27"/>
+  </p:handoutMasterIdLst>
   <p:sldIdLst>
     <p:sldId id="256" r:id="rId6"/>
     <p:sldId id="257" r:id="rId7"/>
     <p:sldId id="258" r:id="rId8"/>
+    <p:sldId id="260" r:id="rId9"/>
+    <p:sldId id="261" r:id="rId10"/>
+    <p:sldId id="264" r:id="rId11"/>
+    <p:sldId id="265" r:id="rId12"/>
+    <p:sldId id="267" r:id="rId13"/>
+    <p:sldId id="268" r:id="rId14"/>
+    <p:sldId id="269" r:id="rId15"/>
+    <p:sldId id="262" r:id="rId16"/>
+    <p:sldId id="270" r:id="rId17"/>
+    <p:sldId id="271" r:id="rId18"/>
+    <p:sldId id="272" r:id="rId19"/>
+    <p:sldId id="263" r:id="rId20"/>
+    <p:sldId id="273" r:id="rId21"/>
+    <p:sldId id="274" r:id="rId22"/>
+    <p:sldId id="259" r:id="rId23"/>
+    <p:sldId id="275" r:id="rId24"/>
+    <p:sldId id="276" r:id="rId25"/>
+    <p:sldId id="266" r:id="rId26"/>
   </p:sldIdLst>
   <p:sldSz cx="12192000" cy="6858000"/>
   <p:notesSz cx="6858000" cy="9144000"/>
@@ -107,6 +128,14 @@
       </a:defRPr>
     </a:lvl9pPr>
   </p:defaultTextStyle>
+  <p:extLst>
+    <p:ext uri="{EFAFB233-063F-42B5-8137-9DF3F51BA10A}">
+      <p15:sldGuideLst xmlns:p15="http://schemas.microsoft.com/office/powerpoint/2012/main"/>
+    </p:ext>
+    <p:ext uri="{2D200454-40CA-4A62-9FC3-DE9A4176ACB9}">
+      <p15:notesGuideLst xmlns:p15="http://schemas.microsoft.com/office/powerpoint/2012/main"/>
+    </p:ext>
+  </p:extLst>
 </p:presentation>
 </file>
 
@@ -114,20 +143,115 @@
 <pc:chgInfo xmlns:a="http://schemas.openxmlformats.org/drawingml/2006/main" xmlns:r="http://schemas.openxmlformats.org/officeDocument/2006/relationships" xmlns:ac="http://schemas.microsoft.com/office/drawing/2013/main/command" xmlns:pc="http://schemas.microsoft.com/office/powerpoint/2013/main/command">
   <pc:docChgLst>
     <pc:chgData name="Lacle Salvator" userId="589f4613-aa21-4d08-8e11-54cb1a9b6e3e" providerId="ADAL" clId="{E084194F-494C-4A54-9B49-11781442FEBD}"/>
-    <pc:docChg chg="undo custSel modSld">
-      <pc:chgData name="Lacle Salvator" userId="589f4613-aa21-4d08-8e11-54cb1a9b6e3e" providerId="ADAL" clId="{E084194F-494C-4A54-9B49-11781442FEBD}" dt="2025-06-05T05:12:56.662" v="64" actId="404"/>
+    <pc:docChg chg="undo custSel addSld delSld modSld sldOrd modMainMaster">
+      <pc:chgData name="Lacle Salvator" userId="589f4613-aa21-4d08-8e11-54cb1a9b6e3e" providerId="ADAL" clId="{E084194F-494C-4A54-9B49-11781442FEBD}" dt="2025-06-05T09:25:53.742" v="796" actId="1076"/>
       <pc:docMkLst>
         <pc:docMk/>
       </pc:docMkLst>
-      <pc:sldChg chg="modTransition">
-        <pc:chgData name="Lacle Salvator" userId="589f4613-aa21-4d08-8e11-54cb1a9b6e3e" providerId="ADAL" clId="{E084194F-494C-4A54-9B49-11781442FEBD}" dt="2025-06-05T05:08:40.038" v="33"/>
+      <pc:sldChg chg="addSp delSp modSp">
+        <pc:chgData name="Lacle Salvator" userId="589f4613-aa21-4d08-8e11-54cb1a9b6e3e" providerId="ADAL" clId="{E084194F-494C-4A54-9B49-11781442FEBD}" dt="2025-06-05T05:57:36.252" v="453" actId="1076"/>
+        <pc:sldMkLst>
+          <pc:docMk/>
+          <pc:sldMk cId="852136557" sldId="256"/>
+        </pc:sldMkLst>
+        <pc:spChg chg="del">
+          <ac:chgData name="Lacle Salvator" userId="589f4613-aa21-4d08-8e11-54cb1a9b6e3e" providerId="ADAL" clId="{E084194F-494C-4A54-9B49-11781442FEBD}" dt="2025-06-05T05:57:08.864" v="448" actId="478"/>
+          <ac:spMkLst>
+            <pc:docMk/>
+            <pc:sldMk cId="852136557" sldId="256"/>
+            <ac:spMk id="2" creationId="{CB2B2E11-E69A-4A74-A934-C3A6E7959A2C}"/>
+          </ac:spMkLst>
+        </pc:spChg>
+        <pc:spChg chg="del">
+          <ac:chgData name="Lacle Salvator" userId="589f4613-aa21-4d08-8e11-54cb1a9b6e3e" providerId="ADAL" clId="{E084194F-494C-4A54-9B49-11781442FEBD}" dt="2025-06-05T05:57:11.858" v="449" actId="478"/>
+          <ac:spMkLst>
+            <pc:docMk/>
+            <pc:sldMk cId="852136557" sldId="256"/>
+            <ac:spMk id="3" creationId="{804B812D-60FB-4440-BA3C-D65A425FD359}"/>
+          </ac:spMkLst>
+        </pc:spChg>
+        <pc:spChg chg="add mod">
+          <ac:chgData name="Lacle Salvator" userId="589f4613-aa21-4d08-8e11-54cb1a9b6e3e" providerId="ADAL" clId="{E084194F-494C-4A54-9B49-11781442FEBD}" dt="2025-06-05T05:57:05.894" v="447" actId="20577"/>
+          <ac:spMkLst>
+            <pc:docMk/>
+            <pc:sldMk cId="852136557" sldId="256"/>
+            <ac:spMk id="4" creationId="{F6DA6A65-CA7F-4EB5-A53C-3971EEA97DEB}"/>
+          </ac:spMkLst>
+        </pc:spChg>
+        <pc:picChg chg="add mod">
+          <ac:chgData name="Lacle Salvator" userId="589f4613-aa21-4d08-8e11-54cb1a9b6e3e" providerId="ADAL" clId="{E084194F-494C-4A54-9B49-11781442FEBD}" dt="2025-06-05T05:57:36.252" v="453" actId="1076"/>
+          <ac:picMkLst>
+            <pc:docMk/>
+            <pc:sldMk cId="852136557" sldId="256"/>
+            <ac:picMk id="6" creationId="{2197E1CA-9C62-4F21-966A-283CD7FEE6C7}"/>
+          </ac:picMkLst>
+        </pc:picChg>
+      </pc:sldChg>
+      <pc:sldChg chg="addSp delSp modSp modTransition modAnim">
+        <pc:chgData name="Lacle Salvator" userId="589f4613-aa21-4d08-8e11-54cb1a9b6e3e" providerId="ADAL" clId="{E084194F-494C-4A54-9B49-11781442FEBD}" dt="2025-06-05T09:15:18.732" v="689"/>
         <pc:sldMkLst>
           <pc:docMk/>
           <pc:sldMk cId="1996535701" sldId="257"/>
         </pc:sldMkLst>
+        <pc:spChg chg="del">
+          <ac:chgData name="Lacle Salvator" userId="589f4613-aa21-4d08-8e11-54cb1a9b6e3e" providerId="ADAL" clId="{E084194F-494C-4A54-9B49-11781442FEBD}" dt="2025-06-05T08:57:19.230" v="653" actId="478"/>
+          <ac:spMkLst>
+            <pc:docMk/>
+            <pc:sldMk cId="1996535701" sldId="257"/>
+            <ac:spMk id="2" creationId="{59BB30DD-16DD-4955-9FDC-6CE76916E00E}"/>
+          </ac:spMkLst>
+        </pc:spChg>
+        <pc:spChg chg="add mod ord">
+          <ac:chgData name="Lacle Salvator" userId="589f4613-aa21-4d08-8e11-54cb1a9b6e3e" providerId="ADAL" clId="{E084194F-494C-4A54-9B49-11781442FEBD}" dt="2025-06-05T08:57:35.488" v="658" actId="1076"/>
+          <ac:spMkLst>
+            <pc:docMk/>
+            <pc:sldMk cId="1996535701" sldId="257"/>
+            <ac:spMk id="3" creationId="{39D5B40F-8E6F-4092-B176-2DB0F55FA1C3}"/>
+          </ac:spMkLst>
+        </pc:spChg>
+        <pc:spChg chg="del">
+          <ac:chgData name="Lacle Salvator" userId="589f4613-aa21-4d08-8e11-54cb1a9b6e3e" providerId="ADAL" clId="{E084194F-494C-4A54-9B49-11781442FEBD}" dt="2025-06-05T05:55:23.654" v="427" actId="478"/>
+          <ac:spMkLst>
+            <pc:docMk/>
+            <pc:sldMk cId="1996535701" sldId="257"/>
+            <ac:spMk id="10" creationId="{110232AD-3582-4685-B88D-A8BA4C2EFE76}"/>
+          </ac:spMkLst>
+        </pc:spChg>
+        <pc:picChg chg="add del mod ord">
+          <ac:chgData name="Lacle Salvator" userId="589f4613-aa21-4d08-8e11-54cb1a9b6e3e" providerId="ADAL" clId="{E084194F-494C-4A54-9B49-11781442FEBD}" dt="2025-06-05T08:56:10.929" v="633" actId="478"/>
+          <ac:picMkLst>
+            <pc:docMk/>
+            <pc:sldMk cId="1996535701" sldId="257"/>
+            <ac:picMk id="5" creationId="{98258317-DAF5-488B-BC86-336B7DB14A20}"/>
+          </ac:picMkLst>
+        </pc:picChg>
+        <pc:picChg chg="add mod">
+          <ac:chgData name="Lacle Salvator" userId="589f4613-aa21-4d08-8e11-54cb1a9b6e3e" providerId="ADAL" clId="{E084194F-494C-4A54-9B49-11781442FEBD}" dt="2025-06-05T08:57:30.367" v="656" actId="1076"/>
+          <ac:picMkLst>
+            <pc:docMk/>
+            <pc:sldMk cId="1996535701" sldId="257"/>
+            <ac:picMk id="6" creationId="{93E0D6CC-F77C-4B7C-8B8D-3BFE324B843E}"/>
+          </ac:picMkLst>
+        </pc:picChg>
+        <pc:picChg chg="mod">
+          <ac:chgData name="Lacle Salvator" userId="589f4613-aa21-4d08-8e11-54cb1a9b6e3e" providerId="ADAL" clId="{E084194F-494C-4A54-9B49-11781442FEBD}" dt="2025-06-05T05:55:17.413" v="426" actId="1076"/>
+          <ac:picMkLst>
+            <pc:docMk/>
+            <pc:sldMk cId="1996535701" sldId="257"/>
+            <ac:picMk id="7" creationId="{BB1A00F3-6052-4CA9-BADA-8D226AD84DE2}"/>
+          </ac:picMkLst>
+        </pc:picChg>
+        <pc:picChg chg="add mod">
+          <ac:chgData name="Lacle Salvator" userId="589f4613-aa21-4d08-8e11-54cb1a9b6e3e" providerId="ADAL" clId="{E084194F-494C-4A54-9B49-11781442FEBD}" dt="2025-06-05T08:58:08.587" v="661" actId="14826"/>
+          <ac:picMkLst>
+            <pc:docMk/>
+            <pc:sldMk cId="1996535701" sldId="257"/>
+            <ac:picMk id="8" creationId="{F99933B6-A63F-43CF-A794-B078457C2359}"/>
+          </ac:picMkLst>
+        </pc:picChg>
       </pc:sldChg>
-      <pc:sldChg chg="delSp modSp modTransition modAnim">
-        <pc:chgData name="Lacle Salvator" userId="589f4613-aa21-4d08-8e11-54cb1a9b6e3e" providerId="ADAL" clId="{E084194F-494C-4A54-9B49-11781442FEBD}" dt="2025-06-05T05:12:56.662" v="64" actId="404"/>
+      <pc:sldChg chg="addSp delSp modSp modTransition addAnim delAnim modAnim">
+        <pc:chgData name="Lacle Salvator" userId="589f4613-aa21-4d08-8e11-54cb1a9b6e3e" providerId="ADAL" clId="{E084194F-494C-4A54-9B49-11781442FEBD}" dt="2025-06-05T09:15:15.850" v="688"/>
         <pc:sldMkLst>
           <pc:docMk/>
           <pc:sldMk cId="4249933884" sldId="258"/>
@@ -140,6 +264,14 @@
             <ac:spMk id="2" creationId="{9C8139EF-BE7A-45A2-A564-6731B2E904D1}"/>
           </ac:spMkLst>
         </pc:spChg>
+        <pc:spChg chg="add mod">
+          <ac:chgData name="Lacle Salvator" userId="589f4613-aa21-4d08-8e11-54cb1a9b6e3e" providerId="ADAL" clId="{E084194F-494C-4A54-9B49-11781442FEBD}" dt="2025-06-05T05:15:23.220" v="65" actId="767"/>
+          <ac:spMkLst>
+            <pc:docMk/>
+            <pc:sldMk cId="4249933884" sldId="258"/>
+            <ac:spMk id="3" creationId="{58F0BF00-28D5-4E3A-A9BD-248DBBB0C797}"/>
+          </ac:spMkLst>
+        </pc:spChg>
         <pc:spChg chg="del">
           <ac:chgData name="Lacle Salvator" userId="589f4613-aa21-4d08-8e11-54cb1a9b6e3e" providerId="ADAL" clId="{E084194F-494C-4A54-9B49-11781442FEBD}" dt="2025-06-05T05:08:07.140" v="15" actId="478"/>
           <ac:spMkLst>
@@ -148,10 +280,1035 @@
             <ac:spMk id="3" creationId="{B24CBCA9-5D8E-4286-88A4-A8F7754E5832}"/>
           </ac:spMkLst>
         </pc:spChg>
+        <pc:spChg chg="add del mod">
+          <ac:chgData name="Lacle Salvator" userId="589f4613-aa21-4d08-8e11-54cb1a9b6e3e" providerId="ADAL" clId="{E084194F-494C-4A54-9B49-11781442FEBD}" dt="2025-06-05T05:18:14.358" v="68"/>
+          <ac:spMkLst>
+            <pc:docMk/>
+            <pc:sldMk cId="4249933884" sldId="258"/>
+            <ac:spMk id="4" creationId="{8992C18E-6015-4E78-B76E-02BB9BE1339D}"/>
+          </ac:spMkLst>
+        </pc:spChg>
+        <pc:spChg chg="add mod">
+          <ac:chgData name="Lacle Salvator" userId="589f4613-aa21-4d08-8e11-54cb1a9b6e3e" providerId="ADAL" clId="{E084194F-494C-4A54-9B49-11781442FEBD}" dt="2025-06-05T05:32:21.859" v="138" actId="1076"/>
+          <ac:spMkLst>
+            <pc:docMk/>
+            <pc:sldMk cId="4249933884" sldId="258"/>
+            <ac:spMk id="5" creationId="{D13B41AB-DEB6-449C-A5D2-E4EA6E2999EA}"/>
+          </ac:spMkLst>
+        </pc:spChg>
+        <pc:spChg chg="add del mod">
+          <ac:chgData name="Lacle Salvator" userId="589f4613-aa21-4d08-8e11-54cb1a9b6e3e" providerId="ADAL" clId="{E084194F-494C-4A54-9B49-11781442FEBD}" dt="2025-06-05T05:35:24.447" v="159"/>
+          <ac:spMkLst>
+            <pc:docMk/>
+            <pc:sldMk cId="4249933884" sldId="258"/>
+            <ac:spMk id="7" creationId="{3140BF89-F8E1-4DF9-A919-89C800D10077}"/>
+          </ac:spMkLst>
+        </pc:spChg>
+        <pc:spChg chg="add del mod">
+          <ac:chgData name="Lacle Salvator" userId="589f4613-aa21-4d08-8e11-54cb1a9b6e3e" providerId="ADAL" clId="{E084194F-494C-4A54-9B49-11781442FEBD}" dt="2025-06-05T05:37:14.083" v="174" actId="20577"/>
+          <ac:spMkLst>
+            <pc:docMk/>
+            <pc:sldMk cId="4249933884" sldId="258"/>
+            <ac:spMk id="8" creationId="{3C928669-EE78-4AE2-B474-2EA7C60EA26B}"/>
+          </ac:spMkLst>
+        </pc:spChg>
+        <pc:picChg chg="add mod">
+          <ac:chgData name="Lacle Salvator" userId="589f4613-aa21-4d08-8e11-54cb1a9b6e3e" providerId="ADAL" clId="{E084194F-494C-4A54-9B49-11781442FEBD}" dt="2025-06-05T09:11:01.036" v="674" actId="693"/>
+          <ac:picMkLst>
+            <pc:docMk/>
+            <pc:sldMk cId="4249933884" sldId="258"/>
+            <ac:picMk id="6" creationId="{27CF8153-D971-4676-BBDF-24D79AE985A8}"/>
+          </ac:picMkLst>
+        </pc:picChg>
       </pc:sldChg>
+      <pc:sldChg chg="addSp delSp modSp add modTransition modAnim">
+        <pc:chgData name="Lacle Salvator" userId="589f4613-aa21-4d08-8e11-54cb1a9b6e3e" providerId="ADAL" clId="{E084194F-494C-4A54-9B49-11781442FEBD}" dt="2025-06-05T09:23:47.462" v="789"/>
+        <pc:sldMkLst>
+          <pc:docMk/>
+          <pc:sldMk cId="1057737798" sldId="259"/>
+        </pc:sldMkLst>
+        <pc:spChg chg="add del">
+          <ac:chgData name="Lacle Salvator" userId="589f4613-aa21-4d08-8e11-54cb1a9b6e3e" providerId="ADAL" clId="{E084194F-494C-4A54-9B49-11781442FEBD}" dt="2025-06-05T06:08:45.169" v="602" actId="478"/>
+          <ac:spMkLst>
+            <pc:docMk/>
+            <pc:sldMk cId="1057737798" sldId="259"/>
+            <ac:spMk id="5" creationId="{261E14C5-20F4-4218-90E8-A0D2F5036CC8}"/>
+          </ac:spMkLst>
+        </pc:spChg>
+        <pc:spChg chg="add">
+          <ac:chgData name="Lacle Salvator" userId="589f4613-aa21-4d08-8e11-54cb1a9b6e3e" providerId="ADAL" clId="{E084194F-494C-4A54-9B49-11781442FEBD}" dt="2025-06-05T06:08:45.300" v="603"/>
+          <ac:spMkLst>
+            <pc:docMk/>
+            <pc:sldMk cId="1057737798" sldId="259"/>
+            <ac:spMk id="6" creationId="{BC593772-28ED-46F2-921F-5B674ACB074E}"/>
+          </ac:spMkLst>
+        </pc:spChg>
+        <pc:spChg chg="add ord">
+          <ac:chgData name="Lacle Salvator" userId="589f4613-aa21-4d08-8e11-54cb1a9b6e3e" providerId="ADAL" clId="{E084194F-494C-4A54-9B49-11781442FEBD}" dt="2025-06-05T06:14:02.081" v="630" actId="167"/>
+          <ac:spMkLst>
+            <pc:docMk/>
+            <pc:sldMk cId="1057737798" sldId="259"/>
+            <ac:spMk id="7" creationId="{B0054402-C1C0-4370-BEEE-E49A27E27F67}"/>
+          </ac:spMkLst>
+        </pc:spChg>
+        <pc:picChg chg="add mod">
+          <ac:chgData name="Lacle Salvator" userId="589f4613-aa21-4d08-8e11-54cb1a9b6e3e" providerId="ADAL" clId="{E084194F-494C-4A54-9B49-11781442FEBD}" dt="2025-06-05T09:19:47.684" v="766" actId="693"/>
+          <ac:picMkLst>
+            <pc:docMk/>
+            <pc:sldMk cId="1057737798" sldId="259"/>
+            <ac:picMk id="4" creationId="{0B87DCA3-703C-4068-9B7F-C98232957191}"/>
+          </ac:picMkLst>
+        </pc:picChg>
+        <pc:picChg chg="add">
+          <ac:chgData name="Lacle Salvator" userId="589f4613-aa21-4d08-8e11-54cb1a9b6e3e" providerId="ADAL" clId="{E084194F-494C-4A54-9B49-11781442FEBD}" dt="2025-06-05T09:16:55.619" v="720"/>
+          <ac:picMkLst>
+            <pc:docMk/>
+            <pc:sldMk cId="1057737798" sldId="259"/>
+            <ac:picMk id="8" creationId="{15E4AEF1-AD5D-4610-9C72-923133DDA88D}"/>
+          </ac:picMkLst>
+        </pc:picChg>
+      </pc:sldChg>
+      <pc:sldChg chg="addSp delSp modSp add modTransition modAnim">
+        <pc:chgData name="Lacle Salvator" userId="589f4613-aa21-4d08-8e11-54cb1a9b6e3e" providerId="ADAL" clId="{E084194F-494C-4A54-9B49-11781442FEBD}" dt="2025-06-05T09:15:13.427" v="687"/>
+        <pc:sldMkLst>
+          <pc:docMk/>
+          <pc:sldMk cId="3135445990" sldId="260"/>
+        </pc:sldMkLst>
+        <pc:spChg chg="del">
+          <ac:chgData name="Lacle Salvator" userId="589f4613-aa21-4d08-8e11-54cb1a9b6e3e" providerId="ADAL" clId="{E084194F-494C-4A54-9B49-11781442FEBD}" dt="2025-06-05T05:42:09.782" v="244" actId="478"/>
+          <ac:spMkLst>
+            <pc:docMk/>
+            <pc:sldMk cId="3135445990" sldId="260"/>
+            <ac:spMk id="2" creationId="{691AE214-DE1D-4C4C-82FA-129274D037CF}"/>
+          </ac:spMkLst>
+        </pc:spChg>
+        <pc:spChg chg="del">
+          <ac:chgData name="Lacle Salvator" userId="589f4613-aa21-4d08-8e11-54cb1a9b6e3e" providerId="ADAL" clId="{E084194F-494C-4A54-9B49-11781442FEBD}" dt="2025-06-05T05:42:02.811" v="243" actId="478"/>
+          <ac:spMkLst>
+            <pc:docMk/>
+            <pc:sldMk cId="3135445990" sldId="260"/>
+            <ac:spMk id="3" creationId="{369EE0A1-6682-4C96-B3CC-9F5F349DCAFF}"/>
+          </ac:spMkLst>
+        </pc:spChg>
+        <pc:spChg chg="add mod">
+          <ac:chgData name="Lacle Salvator" userId="589f4613-aa21-4d08-8e11-54cb1a9b6e3e" providerId="ADAL" clId="{E084194F-494C-4A54-9B49-11781442FEBD}" dt="2025-06-05T05:41:41.186" v="241" actId="20577"/>
+          <ac:spMkLst>
+            <pc:docMk/>
+            <pc:sldMk cId="3135445990" sldId="260"/>
+            <ac:spMk id="5" creationId="{2301FACF-F5E9-4A31-84C1-FEC4A4453E8A}"/>
+          </ac:spMkLst>
+        </pc:spChg>
+        <pc:picChg chg="add mod ord">
+          <ac:chgData name="Lacle Salvator" userId="589f4613-aa21-4d08-8e11-54cb1a9b6e3e" providerId="ADAL" clId="{E084194F-494C-4A54-9B49-11781442FEBD}" dt="2025-06-05T09:12:01.145" v="682" actId="166"/>
+          <ac:picMkLst>
+            <pc:docMk/>
+            <pc:sldMk cId="3135445990" sldId="260"/>
+            <ac:picMk id="4" creationId="{2E3A1E00-C0E8-4337-9C61-A3502FBF5AE4}"/>
+          </ac:picMkLst>
+        </pc:picChg>
+        <pc:picChg chg="add mod">
+          <ac:chgData name="Lacle Salvator" userId="589f4613-aa21-4d08-8e11-54cb1a9b6e3e" providerId="ADAL" clId="{E084194F-494C-4A54-9B49-11781442FEBD}" dt="2025-06-05T09:11:24.625" v="681" actId="693"/>
+          <ac:picMkLst>
+            <pc:docMk/>
+            <pc:sldMk cId="3135445990" sldId="260"/>
+            <ac:picMk id="7" creationId="{978F0A7A-7AF9-41BD-8226-CA9A9E9791E1}"/>
+          </ac:picMkLst>
+        </pc:picChg>
+      </pc:sldChg>
+      <pc:sldChg chg="addSp delSp modSp add del modTransition delAnim modAnim">
+        <pc:chgData name="Lacle Salvator" userId="589f4613-aa21-4d08-8e11-54cb1a9b6e3e" providerId="ADAL" clId="{E084194F-494C-4A54-9B49-11781442FEBD}" dt="2025-06-05T09:17:25.157" v="725" actId="1582"/>
+        <pc:sldMkLst>
+          <pc:docMk/>
+          <pc:sldMk cId="1346906162" sldId="261"/>
+        </pc:sldMkLst>
+        <pc:spChg chg="add del mod">
+          <ac:chgData name="Lacle Salvator" userId="589f4613-aa21-4d08-8e11-54cb1a9b6e3e" providerId="ADAL" clId="{E084194F-494C-4A54-9B49-11781442FEBD}" dt="2025-06-05T06:08:18.344" v="598" actId="478"/>
+          <ac:spMkLst>
+            <pc:docMk/>
+            <pc:sldMk cId="1346906162" sldId="261"/>
+            <ac:spMk id="6" creationId="{B21A8961-FF23-448A-9C7D-DC340E645364}"/>
+          </ac:spMkLst>
+        </pc:spChg>
+        <pc:spChg chg="add">
+          <ac:chgData name="Lacle Salvator" userId="589f4613-aa21-4d08-8e11-54cb1a9b6e3e" providerId="ADAL" clId="{E084194F-494C-4A54-9B49-11781442FEBD}" dt="2025-06-05T06:08:18.546" v="599"/>
+          <ac:spMkLst>
+            <pc:docMk/>
+            <pc:sldMk cId="1346906162" sldId="261"/>
+            <ac:spMk id="7" creationId="{BCEB8828-32BF-4D2E-8A3F-12252A98B3EE}"/>
+          </ac:spMkLst>
+        </pc:spChg>
+        <pc:spChg chg="add del">
+          <ac:chgData name="Lacle Salvator" userId="589f4613-aa21-4d08-8e11-54cb1a9b6e3e" providerId="ADAL" clId="{E084194F-494C-4A54-9B49-11781442FEBD}" dt="2025-06-05T05:51:12.649" v="311"/>
+          <ac:spMkLst>
+            <pc:docMk/>
+            <pc:sldMk cId="1346906162" sldId="261"/>
+            <ac:spMk id="7" creationId="{F8660636-82A7-44A5-A2CD-116803B7C1C9}"/>
+          </ac:spMkLst>
+        </pc:spChg>
+        <pc:spChg chg="add mod ord">
+          <ac:chgData name="Lacle Salvator" userId="589f4613-aa21-4d08-8e11-54cb1a9b6e3e" providerId="ADAL" clId="{E084194F-494C-4A54-9B49-11781442FEBD}" dt="2025-06-05T05:53:00.471" v="377" actId="171"/>
+          <ac:spMkLst>
+            <pc:docMk/>
+            <pc:sldMk cId="1346906162" sldId="261"/>
+            <ac:spMk id="8" creationId="{88B0FE70-269A-4201-86A8-CB3D24F3AF0D}"/>
+          </ac:spMkLst>
+        </pc:spChg>
+        <pc:picChg chg="add mod ord">
+          <ac:chgData name="Lacle Salvator" userId="589f4613-aa21-4d08-8e11-54cb1a9b6e3e" providerId="ADAL" clId="{E084194F-494C-4A54-9B49-11781442FEBD}" dt="2025-06-05T09:17:25.157" v="725" actId="1582"/>
+          <ac:picMkLst>
+            <pc:docMk/>
+            <pc:sldMk cId="1346906162" sldId="261"/>
+            <ac:picMk id="4" creationId="{0556D1C7-85C4-401F-81EB-1823F719B4C8}"/>
+          </ac:picMkLst>
+        </pc:picChg>
+        <pc:picChg chg="add del mod ord">
+          <ac:chgData name="Lacle Salvator" userId="589f4613-aa21-4d08-8e11-54cb1a9b6e3e" providerId="ADAL" clId="{E084194F-494C-4A54-9B49-11781442FEBD}" dt="2025-06-05T05:51:27.627" v="320" actId="478"/>
+          <ac:picMkLst>
+            <pc:docMk/>
+            <pc:sldMk cId="1346906162" sldId="261"/>
+            <ac:picMk id="5" creationId="{08BA4C9D-F557-414C-8104-D1A6C352FB01}"/>
+          </ac:picMkLst>
+        </pc:picChg>
+      </pc:sldChg>
+      <pc:sldChg chg="addSp delSp modSp add modTransition">
+        <pc:chgData name="Lacle Salvator" userId="589f4613-aa21-4d08-8e11-54cb1a9b6e3e" providerId="ADAL" clId="{E084194F-494C-4A54-9B49-11781442FEBD}" dt="2025-06-05T09:18:21.771" v="743" actId="693"/>
+        <pc:sldMkLst>
+          <pc:docMk/>
+          <pc:sldMk cId="2407941745" sldId="262"/>
+        </pc:sldMkLst>
+        <pc:spChg chg="add del">
+          <ac:chgData name="Lacle Salvator" userId="589f4613-aa21-4d08-8e11-54cb1a9b6e3e" providerId="ADAL" clId="{E084194F-494C-4A54-9B49-11781442FEBD}" dt="2025-06-05T06:07:31.962" v="566" actId="478"/>
+          <ac:spMkLst>
+            <pc:docMk/>
+            <pc:sldMk cId="2407941745" sldId="262"/>
+            <ac:spMk id="6" creationId="{04967BD8-75DC-4E8B-B979-25ED3A34DAB1}"/>
+          </ac:spMkLst>
+        </pc:spChg>
+        <pc:spChg chg="add">
+          <ac:chgData name="Lacle Salvator" userId="589f4613-aa21-4d08-8e11-54cb1a9b6e3e" providerId="ADAL" clId="{E084194F-494C-4A54-9B49-11781442FEBD}" dt="2025-06-05T06:07:32.094" v="567"/>
+          <ac:spMkLst>
+            <pc:docMk/>
+            <pc:sldMk cId="2407941745" sldId="262"/>
+            <ac:spMk id="7" creationId="{F9F1A69C-48D2-4A7C-8A03-14B363CE97D8}"/>
+          </ac:spMkLst>
+        </pc:spChg>
+        <pc:picChg chg="add del">
+          <ac:chgData name="Lacle Salvator" userId="589f4613-aa21-4d08-8e11-54cb1a9b6e3e" providerId="ADAL" clId="{E084194F-494C-4A54-9B49-11781442FEBD}" dt="2025-06-05T06:03:35.933" v="480" actId="478"/>
+          <ac:picMkLst>
+            <pc:docMk/>
+            <pc:sldMk cId="2407941745" sldId="262"/>
+            <ac:picMk id="4" creationId="{44417B06-F636-4EE8-82ED-9B1CC702A994}"/>
+          </ac:picMkLst>
+        </pc:picChg>
+        <pc:picChg chg="add mod">
+          <ac:chgData name="Lacle Salvator" userId="589f4613-aa21-4d08-8e11-54cb1a9b6e3e" providerId="ADAL" clId="{E084194F-494C-4A54-9B49-11781442FEBD}" dt="2025-06-05T09:18:21.771" v="743" actId="693"/>
+          <ac:picMkLst>
+            <pc:docMk/>
+            <pc:sldMk cId="2407941745" sldId="262"/>
+            <ac:picMk id="5" creationId="{AB59F5A6-5E0A-4642-B33C-477618FE9AB2}"/>
+          </ac:picMkLst>
+        </pc:picChg>
+      </pc:sldChg>
+      <pc:sldChg chg="addSp delSp modSp add modTransition modAnim">
+        <pc:chgData name="Lacle Salvator" userId="589f4613-aa21-4d08-8e11-54cb1a9b6e3e" providerId="ADAL" clId="{E084194F-494C-4A54-9B49-11781442FEBD}" dt="2025-06-05T09:23:37.598" v="786"/>
+        <pc:sldMkLst>
+          <pc:docMk/>
+          <pc:sldMk cId="671146192" sldId="263"/>
+        </pc:sldMkLst>
+        <pc:spChg chg="add mod">
+          <ac:chgData name="Lacle Salvator" userId="589f4613-aa21-4d08-8e11-54cb1a9b6e3e" providerId="ADAL" clId="{E084194F-494C-4A54-9B49-11781442FEBD}" dt="2025-06-05T06:06:44.431" v="536" actId="1076"/>
+          <ac:spMkLst>
+            <pc:docMk/>
+            <pc:sldMk cId="671146192" sldId="263"/>
+            <ac:spMk id="5" creationId="{AC81A8B5-2A36-45A4-BB9E-A95FF135AAE7}"/>
+          </ac:spMkLst>
+        </pc:spChg>
+        <pc:spChg chg="add mod ord">
+          <ac:chgData name="Lacle Salvator" userId="589f4613-aa21-4d08-8e11-54cb1a9b6e3e" providerId="ADAL" clId="{E084194F-494C-4A54-9B49-11781442FEBD}" dt="2025-06-05T09:16:15.238" v="708" actId="207"/>
+          <ac:spMkLst>
+            <pc:docMk/>
+            <pc:sldMk cId="671146192" sldId="263"/>
+            <ac:spMk id="7" creationId="{2D272E10-B27C-4DD7-A0DE-E317787F18CC}"/>
+          </ac:spMkLst>
+        </pc:spChg>
+        <pc:picChg chg="add mod ord">
+          <ac:chgData name="Lacle Salvator" userId="589f4613-aa21-4d08-8e11-54cb1a9b6e3e" providerId="ADAL" clId="{E084194F-494C-4A54-9B49-11781442FEBD}" dt="2025-06-05T09:19:13.290" v="757" actId="693"/>
+          <ac:picMkLst>
+            <pc:docMk/>
+            <pc:sldMk cId="671146192" sldId="263"/>
+            <ac:picMk id="4" creationId="{E7CD082C-73F1-47DF-B36B-0B04B1600238}"/>
+          </ac:picMkLst>
+        </pc:picChg>
+        <pc:picChg chg="add del">
+          <ac:chgData name="Lacle Salvator" userId="589f4613-aa21-4d08-8e11-54cb1a9b6e3e" providerId="ADAL" clId="{E084194F-494C-4A54-9B49-11781442FEBD}" dt="2025-06-05T06:06:27.695" v="523"/>
+          <ac:picMkLst>
+            <pc:docMk/>
+            <pc:sldMk cId="671146192" sldId="263"/>
+            <ac:picMk id="6" creationId="{0B1AF920-52F5-46BC-B44C-D3633A5D9428}"/>
+          </ac:picMkLst>
+        </pc:picChg>
+        <pc:picChg chg="add">
+          <ac:chgData name="Lacle Salvator" userId="589f4613-aa21-4d08-8e11-54cb1a9b6e3e" providerId="ADAL" clId="{E084194F-494C-4A54-9B49-11781442FEBD}" dt="2025-06-05T09:16:50.626" v="717"/>
+          <ac:picMkLst>
+            <pc:docMk/>
+            <pc:sldMk cId="671146192" sldId="263"/>
+            <ac:picMk id="8" creationId="{608240FE-31DF-4161-A151-126B63F23EE3}"/>
+          </ac:picMkLst>
+        </pc:picChg>
+      </pc:sldChg>
+      <pc:sldChg chg="addSp delSp modSp add modTransition delAnim">
+        <pc:chgData name="Lacle Salvator" userId="589f4613-aa21-4d08-8e11-54cb1a9b6e3e" providerId="ADAL" clId="{E084194F-494C-4A54-9B49-11781442FEBD}" dt="2025-06-05T09:17:35.972" v="728" actId="693"/>
+        <pc:sldMkLst>
+          <pc:docMk/>
+          <pc:sldMk cId="621854647" sldId="264"/>
+        </pc:sldMkLst>
+        <pc:spChg chg="del">
+          <ac:chgData name="Lacle Salvator" userId="589f4613-aa21-4d08-8e11-54cb1a9b6e3e" providerId="ADAL" clId="{E084194F-494C-4A54-9B49-11781442FEBD}" dt="2025-06-05T06:08:14.635" v="596" actId="478"/>
+          <ac:spMkLst>
+            <pc:docMk/>
+            <pc:sldMk cId="621854647" sldId="264"/>
+            <ac:spMk id="6" creationId="{B21A8961-FF23-448A-9C7D-DC340E645364}"/>
+          </ac:spMkLst>
+        </pc:spChg>
+        <pc:spChg chg="add">
+          <ac:chgData name="Lacle Salvator" userId="589f4613-aa21-4d08-8e11-54cb1a9b6e3e" providerId="ADAL" clId="{E084194F-494C-4A54-9B49-11781442FEBD}" dt="2025-06-05T06:08:14.744" v="597"/>
+          <ac:spMkLst>
+            <pc:docMk/>
+            <pc:sldMk cId="621854647" sldId="264"/>
+            <ac:spMk id="7" creationId="{4122B8C5-1A53-4FC0-9C44-8CFA96C234AB}"/>
+          </ac:spMkLst>
+        </pc:spChg>
+        <pc:picChg chg="mod modCrop">
+          <ac:chgData name="Lacle Salvator" userId="589f4613-aa21-4d08-8e11-54cb1a9b6e3e" providerId="ADAL" clId="{E084194F-494C-4A54-9B49-11781442FEBD}" dt="2025-06-05T09:17:35.972" v="728" actId="693"/>
+          <ac:picMkLst>
+            <pc:docMk/>
+            <pc:sldMk cId="621854647" sldId="264"/>
+            <ac:picMk id="4" creationId="{0556D1C7-85C4-401F-81EB-1823F719B4C8}"/>
+          </ac:picMkLst>
+        </pc:picChg>
+        <pc:picChg chg="del">
+          <ac:chgData name="Lacle Salvator" userId="589f4613-aa21-4d08-8e11-54cb1a9b6e3e" providerId="ADAL" clId="{E084194F-494C-4A54-9B49-11781442FEBD}" dt="2025-06-05T05:51:51.871" v="326" actId="478"/>
+          <ac:picMkLst>
+            <pc:docMk/>
+            <pc:sldMk cId="621854647" sldId="264"/>
+            <ac:picMk id="5" creationId="{08BA4C9D-F557-414C-8104-D1A6C352FB01}"/>
+          </ac:picMkLst>
+        </pc:picChg>
+      </pc:sldChg>
+      <pc:sldChg chg="add del">
+        <pc:chgData name="Lacle Salvator" userId="589f4613-aa21-4d08-8e11-54cb1a9b6e3e" providerId="ADAL" clId="{E084194F-494C-4A54-9B49-11781442FEBD}" dt="2025-06-05T05:51:19.326" v="315"/>
+        <pc:sldMkLst>
+          <pc:docMk/>
+          <pc:sldMk cId="3537938768" sldId="264"/>
+        </pc:sldMkLst>
+      </pc:sldChg>
+      <pc:sldChg chg="delSp modSp add modTransition modAnim">
+        <pc:chgData name="Lacle Salvator" userId="589f4613-aa21-4d08-8e11-54cb1a9b6e3e" providerId="ADAL" clId="{E084194F-494C-4A54-9B49-11781442FEBD}" dt="2025-06-05T09:17:47.646" v="733" actId="1582"/>
+        <pc:sldMkLst>
+          <pc:docMk/>
+          <pc:sldMk cId="1114305640" sldId="265"/>
+        </pc:sldMkLst>
+        <pc:spChg chg="mod">
+          <ac:chgData name="Lacle Salvator" userId="589f4613-aa21-4d08-8e11-54cb1a9b6e3e" providerId="ADAL" clId="{E084194F-494C-4A54-9B49-11781442FEBD}" dt="2025-06-05T06:08:09.105" v="595" actId="1076"/>
+          <ac:spMkLst>
+            <pc:docMk/>
+            <pc:sldMk cId="1114305640" sldId="265"/>
+            <ac:spMk id="6" creationId="{B21A8961-FF23-448A-9C7D-DC340E645364}"/>
+          </ac:spMkLst>
+        </pc:spChg>
+        <pc:picChg chg="del">
+          <ac:chgData name="Lacle Salvator" userId="589f4613-aa21-4d08-8e11-54cb1a9b6e3e" providerId="ADAL" clId="{E084194F-494C-4A54-9B49-11781442FEBD}" dt="2025-06-05T05:51:34.885" v="322" actId="478"/>
+          <ac:picMkLst>
+            <pc:docMk/>
+            <pc:sldMk cId="1114305640" sldId="265"/>
+            <ac:picMk id="4" creationId="{0556D1C7-85C4-401F-81EB-1823F719B4C8}"/>
+          </ac:picMkLst>
+        </pc:picChg>
+        <pc:picChg chg="mod">
+          <ac:chgData name="Lacle Salvator" userId="589f4613-aa21-4d08-8e11-54cb1a9b6e3e" providerId="ADAL" clId="{E084194F-494C-4A54-9B49-11781442FEBD}" dt="2025-06-05T09:17:47.646" v="733" actId="1582"/>
+          <ac:picMkLst>
+            <pc:docMk/>
+            <pc:sldMk cId="1114305640" sldId="265"/>
+            <ac:picMk id="5" creationId="{08BA4C9D-F557-414C-8104-D1A6C352FB01}"/>
+          </ac:picMkLst>
+        </pc:picChg>
+      </pc:sldChg>
+      <pc:sldChg chg="addSp modSp add modTransition modAnim">
+        <pc:chgData name="Lacle Salvator" userId="589f4613-aa21-4d08-8e11-54cb1a9b6e3e" providerId="ADAL" clId="{E084194F-494C-4A54-9B49-11781442FEBD}" dt="2025-06-05T09:21:28.515" v="783"/>
+        <pc:sldMkLst>
+          <pc:docMk/>
+          <pc:sldMk cId="1998753507" sldId="266"/>
+        </pc:sldMkLst>
+        <pc:spChg chg="add mod">
+          <ac:chgData name="Lacle Salvator" userId="589f4613-aa21-4d08-8e11-54cb1a9b6e3e" providerId="ADAL" clId="{E084194F-494C-4A54-9B49-11781442FEBD}" dt="2025-06-05T05:55:05.602" v="424" actId="1076"/>
+          <ac:spMkLst>
+            <pc:docMk/>
+            <pc:sldMk cId="1998753507" sldId="266"/>
+            <ac:spMk id="4" creationId="{9BBC7ACC-756A-42AE-8BA4-93C3DBE69ADF}"/>
+          </ac:spMkLst>
+        </pc:spChg>
+        <pc:picChg chg="add mod">
+          <ac:chgData name="Lacle Salvator" userId="589f4613-aa21-4d08-8e11-54cb1a9b6e3e" providerId="ADAL" clId="{E084194F-494C-4A54-9B49-11781442FEBD}" dt="2025-06-05T09:17:08.169" v="722" actId="14826"/>
+          <ac:picMkLst>
+            <pc:docMk/>
+            <pc:sldMk cId="1998753507" sldId="266"/>
+            <ac:picMk id="5" creationId="{73E77841-8A7B-4550-88E7-5B640DE7E352}"/>
+          </ac:picMkLst>
+        </pc:picChg>
+      </pc:sldChg>
+      <pc:sldChg chg="addSp delSp modSp add ord modTransition">
+        <pc:chgData name="Lacle Salvator" userId="589f4613-aa21-4d08-8e11-54cb1a9b6e3e" providerId="ADAL" clId="{E084194F-494C-4A54-9B49-11781442FEBD}" dt="2025-06-05T09:21:57.236" v="785"/>
+        <pc:sldMkLst>
+          <pc:docMk/>
+          <pc:sldMk cId="2396812421" sldId="267"/>
+        </pc:sldMkLst>
+        <pc:spChg chg="del">
+          <ac:chgData name="Lacle Salvator" userId="589f4613-aa21-4d08-8e11-54cb1a9b6e3e" providerId="ADAL" clId="{E084194F-494C-4A54-9B49-11781442FEBD}" dt="2025-06-05T06:07:44.604" v="572" actId="478"/>
+          <ac:spMkLst>
+            <pc:docMk/>
+            <pc:sldMk cId="2396812421" sldId="267"/>
+            <ac:spMk id="6" creationId="{04967BD8-75DC-4E8B-B979-25ED3A34DAB1}"/>
+          </ac:spMkLst>
+        </pc:spChg>
+        <pc:spChg chg="add">
+          <ac:chgData name="Lacle Salvator" userId="589f4613-aa21-4d08-8e11-54cb1a9b6e3e" providerId="ADAL" clId="{E084194F-494C-4A54-9B49-11781442FEBD}" dt="2025-06-05T06:07:44.732" v="573"/>
+          <ac:spMkLst>
+            <pc:docMk/>
+            <pc:sldMk cId="2396812421" sldId="267"/>
+            <ac:spMk id="8" creationId="{1B5843C5-2FBB-441A-ABCB-A97594B14B45}"/>
+          </ac:spMkLst>
+        </pc:spChg>
+        <pc:picChg chg="mod">
+          <ac:chgData name="Lacle Salvator" userId="589f4613-aa21-4d08-8e11-54cb1a9b6e3e" providerId="ADAL" clId="{E084194F-494C-4A54-9B49-11781442FEBD}" dt="2025-06-05T09:17:59.622" v="737" actId="693"/>
+          <ac:picMkLst>
+            <pc:docMk/>
+            <pc:sldMk cId="2396812421" sldId="267"/>
+            <ac:picMk id="4" creationId="{44417B06-F636-4EE8-82ED-9B1CC702A994}"/>
+          </ac:picMkLst>
+        </pc:picChg>
+        <pc:picChg chg="del">
+          <ac:chgData name="Lacle Salvator" userId="589f4613-aa21-4d08-8e11-54cb1a9b6e3e" providerId="ADAL" clId="{E084194F-494C-4A54-9B49-11781442FEBD}" dt="2025-06-05T06:03:31.312" v="479" actId="478"/>
+          <ac:picMkLst>
+            <pc:docMk/>
+            <pc:sldMk cId="2396812421" sldId="267"/>
+            <ac:picMk id="5" creationId="{AB59F5A6-5E0A-4642-B33C-477618FE9AB2}"/>
+          </ac:picMkLst>
+        </pc:picChg>
+        <pc:picChg chg="add del">
+          <ac:chgData name="Lacle Salvator" userId="589f4613-aa21-4d08-8e11-54cb1a9b6e3e" providerId="ADAL" clId="{E084194F-494C-4A54-9B49-11781442FEBD}" dt="2025-06-05T06:03:56.191" v="486"/>
+          <ac:picMkLst>
+            <pc:docMk/>
+            <pc:sldMk cId="2396812421" sldId="267"/>
+            <ac:picMk id="7" creationId="{57DE5AD5-D5AF-4596-B6C6-F79211DE6DB7}"/>
+          </ac:picMkLst>
+        </pc:picChg>
+      </pc:sldChg>
+      <pc:sldChg chg="addSp delSp modSp add modTransition">
+        <pc:chgData name="Lacle Salvator" userId="589f4613-aa21-4d08-8e11-54cb1a9b6e3e" providerId="ADAL" clId="{E084194F-494C-4A54-9B49-11781442FEBD}" dt="2025-06-05T09:15:22.573" v="690"/>
+        <pc:sldMkLst>
+          <pc:docMk/>
+          <pc:sldMk cId="1724887587" sldId="268"/>
+        </pc:sldMkLst>
+        <pc:spChg chg="del">
+          <ac:chgData name="Lacle Salvator" userId="589f4613-aa21-4d08-8e11-54cb1a9b6e3e" providerId="ADAL" clId="{E084194F-494C-4A54-9B49-11781442FEBD}" dt="2025-06-05T06:07:39.800" v="570" actId="478"/>
+          <ac:spMkLst>
+            <pc:docMk/>
+            <pc:sldMk cId="1724887587" sldId="268"/>
+            <ac:spMk id="6" creationId="{04967BD8-75DC-4E8B-B979-25ED3A34DAB1}"/>
+          </ac:spMkLst>
+        </pc:spChg>
+        <pc:spChg chg="add">
+          <ac:chgData name="Lacle Salvator" userId="589f4613-aa21-4d08-8e11-54cb1a9b6e3e" providerId="ADAL" clId="{E084194F-494C-4A54-9B49-11781442FEBD}" dt="2025-06-05T06:07:39.980" v="571"/>
+          <ac:spMkLst>
+            <pc:docMk/>
+            <pc:sldMk cId="1724887587" sldId="268"/>
+            <ac:spMk id="7" creationId="{D679B8C9-834F-4F71-8DB0-7F36D383470C}"/>
+          </ac:spMkLst>
+        </pc:spChg>
+        <pc:picChg chg="mod modCrop">
+          <ac:chgData name="Lacle Salvator" userId="589f4613-aa21-4d08-8e11-54cb1a9b6e3e" providerId="ADAL" clId="{E084194F-494C-4A54-9B49-11781442FEBD}" dt="2025-06-05T09:10:15.931" v="671" actId="1582"/>
+          <ac:picMkLst>
+            <pc:docMk/>
+            <pc:sldMk cId="1724887587" sldId="268"/>
+            <ac:picMk id="4" creationId="{44417B06-F636-4EE8-82ED-9B1CC702A994}"/>
+          </ac:picMkLst>
+        </pc:picChg>
+      </pc:sldChg>
+      <pc:sldChg chg="addSp delSp modSp add ord modTransition">
+        <pc:chgData name="Lacle Salvator" userId="589f4613-aa21-4d08-8e11-54cb1a9b6e3e" providerId="ADAL" clId="{E084194F-494C-4A54-9B49-11781442FEBD}" dt="2025-06-05T09:18:11.278" v="740" actId="693"/>
+        <pc:sldMkLst>
+          <pc:docMk/>
+          <pc:sldMk cId="967523055" sldId="269"/>
+        </pc:sldMkLst>
+        <pc:spChg chg="del">
+          <ac:chgData name="Lacle Salvator" userId="589f4613-aa21-4d08-8e11-54cb1a9b6e3e" providerId="ADAL" clId="{E084194F-494C-4A54-9B49-11781442FEBD}" dt="2025-06-05T06:07:36.136" v="568" actId="478"/>
+          <ac:spMkLst>
+            <pc:docMk/>
+            <pc:sldMk cId="967523055" sldId="269"/>
+            <ac:spMk id="6" creationId="{04967BD8-75DC-4E8B-B979-25ED3A34DAB1}"/>
+          </ac:spMkLst>
+        </pc:spChg>
+        <pc:spChg chg="add">
+          <ac:chgData name="Lacle Salvator" userId="589f4613-aa21-4d08-8e11-54cb1a9b6e3e" providerId="ADAL" clId="{E084194F-494C-4A54-9B49-11781442FEBD}" dt="2025-06-05T06:07:36.439" v="569"/>
+          <ac:spMkLst>
+            <pc:docMk/>
+            <pc:sldMk cId="967523055" sldId="269"/>
+            <ac:spMk id="7" creationId="{AB1D655F-F941-4694-8B0B-B8D342C2C837}"/>
+          </ac:spMkLst>
+        </pc:spChg>
+        <pc:picChg chg="mod modCrop">
+          <ac:chgData name="Lacle Salvator" userId="589f4613-aa21-4d08-8e11-54cb1a9b6e3e" providerId="ADAL" clId="{E084194F-494C-4A54-9B49-11781442FEBD}" dt="2025-06-05T09:18:11.278" v="740" actId="693"/>
+          <ac:picMkLst>
+            <pc:docMk/>
+            <pc:sldMk cId="967523055" sldId="269"/>
+            <ac:picMk id="4" creationId="{44417B06-F636-4EE8-82ED-9B1CC702A994}"/>
+          </ac:picMkLst>
+        </pc:picChg>
+      </pc:sldChg>
+      <pc:sldChg chg="addSp delSp modSp add modTransition">
+        <pc:chgData name="Lacle Salvator" userId="589f4613-aa21-4d08-8e11-54cb1a9b6e3e" providerId="ADAL" clId="{E084194F-494C-4A54-9B49-11781442FEBD}" dt="2025-06-05T09:18:30.399" v="746" actId="693"/>
+        <pc:sldMkLst>
+          <pc:docMk/>
+          <pc:sldMk cId="3865694166" sldId="270"/>
+        </pc:sldMkLst>
+        <pc:spChg chg="del">
+          <ac:chgData name="Lacle Salvator" userId="589f4613-aa21-4d08-8e11-54cb1a9b6e3e" providerId="ADAL" clId="{E084194F-494C-4A54-9B49-11781442FEBD}" dt="2025-06-05T06:07:27.649" v="564" actId="478"/>
+          <ac:spMkLst>
+            <pc:docMk/>
+            <pc:sldMk cId="3865694166" sldId="270"/>
+            <ac:spMk id="6" creationId="{04967BD8-75DC-4E8B-B979-25ED3A34DAB1}"/>
+          </ac:spMkLst>
+        </pc:spChg>
+        <pc:spChg chg="add">
+          <ac:chgData name="Lacle Salvator" userId="589f4613-aa21-4d08-8e11-54cb1a9b6e3e" providerId="ADAL" clId="{E084194F-494C-4A54-9B49-11781442FEBD}" dt="2025-06-05T06:07:27.787" v="565"/>
+          <ac:spMkLst>
+            <pc:docMk/>
+            <pc:sldMk cId="3865694166" sldId="270"/>
+            <ac:spMk id="7" creationId="{9640BD20-6644-44B3-B1A6-0DE5CD111FAC}"/>
+          </ac:spMkLst>
+        </pc:spChg>
+        <pc:picChg chg="mod modCrop">
+          <ac:chgData name="Lacle Salvator" userId="589f4613-aa21-4d08-8e11-54cb1a9b6e3e" providerId="ADAL" clId="{E084194F-494C-4A54-9B49-11781442FEBD}" dt="2025-06-05T09:18:30.399" v="746" actId="693"/>
+          <ac:picMkLst>
+            <pc:docMk/>
+            <pc:sldMk cId="3865694166" sldId="270"/>
+            <ac:picMk id="5" creationId="{AB59F5A6-5E0A-4642-B33C-477618FE9AB2}"/>
+          </ac:picMkLst>
+        </pc:picChg>
+      </pc:sldChg>
+      <pc:sldChg chg="addSp delSp modSp add modTransition">
+        <pc:chgData name="Lacle Salvator" userId="589f4613-aa21-4d08-8e11-54cb1a9b6e3e" providerId="ADAL" clId="{E084194F-494C-4A54-9B49-11781442FEBD}" dt="2025-06-05T09:18:42.068" v="749" actId="693"/>
+        <pc:sldMkLst>
+          <pc:docMk/>
+          <pc:sldMk cId="766113663" sldId="271"/>
+        </pc:sldMkLst>
+        <pc:spChg chg="del">
+          <ac:chgData name="Lacle Salvator" userId="589f4613-aa21-4d08-8e11-54cb1a9b6e3e" providerId="ADAL" clId="{E084194F-494C-4A54-9B49-11781442FEBD}" dt="2025-06-05T06:07:23.222" v="562" actId="478"/>
+          <ac:spMkLst>
+            <pc:docMk/>
+            <pc:sldMk cId="766113663" sldId="271"/>
+            <ac:spMk id="6" creationId="{04967BD8-75DC-4E8B-B979-25ED3A34DAB1}"/>
+          </ac:spMkLst>
+        </pc:spChg>
+        <pc:spChg chg="add">
+          <ac:chgData name="Lacle Salvator" userId="589f4613-aa21-4d08-8e11-54cb1a9b6e3e" providerId="ADAL" clId="{E084194F-494C-4A54-9B49-11781442FEBD}" dt="2025-06-05T06:07:23.422" v="563"/>
+          <ac:spMkLst>
+            <pc:docMk/>
+            <pc:sldMk cId="766113663" sldId="271"/>
+            <ac:spMk id="7" creationId="{3EFABA68-D8F4-4EF9-91BB-7EFB4E5FFC9D}"/>
+          </ac:spMkLst>
+        </pc:spChg>
+        <pc:picChg chg="mod modCrop">
+          <ac:chgData name="Lacle Salvator" userId="589f4613-aa21-4d08-8e11-54cb1a9b6e3e" providerId="ADAL" clId="{E084194F-494C-4A54-9B49-11781442FEBD}" dt="2025-06-05T09:18:42.068" v="749" actId="693"/>
+          <ac:picMkLst>
+            <pc:docMk/>
+            <pc:sldMk cId="766113663" sldId="271"/>
+            <ac:picMk id="5" creationId="{AB59F5A6-5E0A-4642-B33C-477618FE9AB2}"/>
+          </ac:picMkLst>
+        </pc:picChg>
+      </pc:sldChg>
+      <pc:sldChg chg="addSp delSp modSp add modTransition">
+        <pc:chgData name="Lacle Salvator" userId="589f4613-aa21-4d08-8e11-54cb1a9b6e3e" providerId="ADAL" clId="{E084194F-494C-4A54-9B49-11781442FEBD}" dt="2025-06-05T09:18:55.318" v="753" actId="693"/>
+        <pc:sldMkLst>
+          <pc:docMk/>
+          <pc:sldMk cId="4013685498" sldId="272"/>
+        </pc:sldMkLst>
+        <pc:spChg chg="del">
+          <ac:chgData name="Lacle Salvator" userId="589f4613-aa21-4d08-8e11-54cb1a9b6e3e" providerId="ADAL" clId="{E084194F-494C-4A54-9B49-11781442FEBD}" dt="2025-06-05T06:07:02.085" v="539" actId="478"/>
+          <ac:spMkLst>
+            <pc:docMk/>
+            <pc:sldMk cId="4013685498" sldId="272"/>
+            <ac:spMk id="6" creationId="{04967BD8-75DC-4E8B-B979-25ED3A34DAB1}"/>
+          </ac:spMkLst>
+        </pc:spChg>
+        <pc:spChg chg="add mod">
+          <ac:chgData name="Lacle Salvator" userId="589f4613-aa21-4d08-8e11-54cb1a9b6e3e" providerId="ADAL" clId="{E084194F-494C-4A54-9B49-11781442FEBD}" dt="2025-06-05T06:07:16.335" v="561" actId="403"/>
+          <ac:spMkLst>
+            <pc:docMk/>
+            <pc:sldMk cId="4013685498" sldId="272"/>
+            <ac:spMk id="7" creationId="{C43742F2-AD42-4564-95D6-581447AAEE0B}"/>
+          </ac:spMkLst>
+        </pc:spChg>
+        <pc:picChg chg="mod modCrop">
+          <ac:chgData name="Lacle Salvator" userId="589f4613-aa21-4d08-8e11-54cb1a9b6e3e" providerId="ADAL" clId="{E084194F-494C-4A54-9B49-11781442FEBD}" dt="2025-06-05T09:18:55.318" v="753" actId="693"/>
+          <ac:picMkLst>
+            <pc:docMk/>
+            <pc:sldMk cId="4013685498" sldId="272"/>
+            <ac:picMk id="5" creationId="{AB59F5A6-5E0A-4642-B33C-477618FE9AB2}"/>
+          </ac:picMkLst>
+        </pc:picChg>
+      </pc:sldChg>
+      <pc:sldChg chg="addSp delSp modSp add modTransition modAnim">
+        <pc:chgData name="Lacle Salvator" userId="589f4613-aa21-4d08-8e11-54cb1a9b6e3e" providerId="ADAL" clId="{E084194F-494C-4A54-9B49-11781442FEBD}" dt="2025-06-05T09:23:40.939" v="787"/>
+        <pc:sldMkLst>
+          <pc:docMk/>
+          <pc:sldMk cId="3703028841" sldId="273"/>
+        </pc:sldMkLst>
+        <pc:spChg chg="del">
+          <ac:chgData name="Lacle Salvator" userId="589f4613-aa21-4d08-8e11-54cb1a9b6e3e" providerId="ADAL" clId="{E084194F-494C-4A54-9B49-11781442FEBD}" dt="2025-06-05T06:06:54.275" v="537" actId="478"/>
+          <ac:spMkLst>
+            <pc:docMk/>
+            <pc:sldMk cId="3703028841" sldId="273"/>
+            <ac:spMk id="5" creationId="{AC81A8B5-2A36-45A4-BB9E-A95FF135AAE7}"/>
+          </ac:spMkLst>
+        </pc:spChg>
+        <pc:spChg chg="add">
+          <ac:chgData name="Lacle Salvator" userId="589f4613-aa21-4d08-8e11-54cb1a9b6e3e" providerId="ADAL" clId="{E084194F-494C-4A54-9B49-11781442FEBD}" dt="2025-06-05T06:06:54.514" v="538"/>
+          <ac:spMkLst>
+            <pc:docMk/>
+            <pc:sldMk cId="3703028841" sldId="273"/>
+            <ac:spMk id="6" creationId="{CE22B6C2-FA94-46CA-801C-87713B361404}"/>
+          </ac:spMkLst>
+        </pc:spChg>
+        <pc:spChg chg="add del ord">
+          <ac:chgData name="Lacle Salvator" userId="589f4613-aa21-4d08-8e11-54cb1a9b6e3e" providerId="ADAL" clId="{E084194F-494C-4A54-9B49-11781442FEBD}" dt="2025-06-05T09:16:23.415" v="709" actId="478"/>
+          <ac:spMkLst>
+            <pc:docMk/>
+            <pc:sldMk cId="3703028841" sldId="273"/>
+            <ac:spMk id="7" creationId="{D19DE59F-BF5A-4FDF-AB32-A92604EEEAE1}"/>
+          </ac:spMkLst>
+        </pc:spChg>
+        <pc:spChg chg="add ord">
+          <ac:chgData name="Lacle Salvator" userId="589f4613-aa21-4d08-8e11-54cb1a9b6e3e" providerId="ADAL" clId="{E084194F-494C-4A54-9B49-11781442FEBD}" dt="2025-06-05T09:16:34.351" v="713" actId="167"/>
+          <ac:spMkLst>
+            <pc:docMk/>
+            <pc:sldMk cId="3703028841" sldId="273"/>
+            <ac:spMk id="9" creationId="{2E343AD2-282B-4291-B9DC-DFB1B363B681}"/>
+          </ac:spMkLst>
+        </pc:spChg>
+        <pc:picChg chg="mod modCrop">
+          <ac:chgData name="Lacle Salvator" userId="589f4613-aa21-4d08-8e11-54cb1a9b6e3e" providerId="ADAL" clId="{E084194F-494C-4A54-9B49-11781442FEBD}" dt="2025-06-05T09:19:25.204" v="760" actId="1582"/>
+          <ac:picMkLst>
+            <pc:docMk/>
+            <pc:sldMk cId="3703028841" sldId="273"/>
+            <ac:picMk id="4" creationId="{E7CD082C-73F1-47DF-B36B-0B04B1600238}"/>
+          </ac:picMkLst>
+        </pc:picChg>
+        <pc:picChg chg="add del">
+          <ac:chgData name="Lacle Salvator" userId="589f4613-aa21-4d08-8e11-54cb1a9b6e3e" providerId="ADAL" clId="{E084194F-494C-4A54-9B49-11781442FEBD}" dt="2025-06-05T09:16:25.016" v="711"/>
+          <ac:picMkLst>
+            <pc:docMk/>
+            <pc:sldMk cId="3703028841" sldId="273"/>
+            <ac:picMk id="8" creationId="{93C53ED0-8503-48DA-BE67-0463A5CCEACE}"/>
+          </ac:picMkLst>
+        </pc:picChg>
+        <pc:picChg chg="add">
+          <ac:chgData name="Lacle Salvator" userId="589f4613-aa21-4d08-8e11-54cb1a9b6e3e" providerId="ADAL" clId="{E084194F-494C-4A54-9B49-11781442FEBD}" dt="2025-06-05T09:16:52.544" v="718"/>
+          <ac:picMkLst>
+            <pc:docMk/>
+            <pc:sldMk cId="3703028841" sldId="273"/>
+            <ac:picMk id="10" creationId="{B9BFCE2C-EEB1-44BB-B8E8-D72B16DC0004}"/>
+          </ac:picMkLst>
+        </pc:picChg>
+      </pc:sldChg>
+      <pc:sldChg chg="addSp delSp modSp add ord modTransition modAnim">
+        <pc:chgData name="Lacle Salvator" userId="589f4613-aa21-4d08-8e11-54cb1a9b6e3e" providerId="ADAL" clId="{E084194F-494C-4A54-9B49-11781442FEBD}" dt="2025-06-05T09:25:53.742" v="796" actId="1076"/>
+        <pc:sldMkLst>
+          <pc:docMk/>
+          <pc:sldMk cId="4230776087" sldId="274"/>
+        </pc:sldMkLst>
+        <pc:spChg chg="add del ord">
+          <ac:chgData name="Lacle Salvator" userId="589f4613-aa21-4d08-8e11-54cb1a9b6e3e" providerId="ADAL" clId="{E084194F-494C-4A54-9B49-11781442FEBD}" dt="2025-06-05T09:16:37.112" v="714" actId="478"/>
+          <ac:spMkLst>
+            <pc:docMk/>
+            <pc:sldMk cId="4230776087" sldId="274"/>
+            <ac:spMk id="6" creationId="{0098D9A3-FD56-47F3-B441-8B78A328E344}"/>
+          </ac:spMkLst>
+        </pc:spChg>
+        <pc:spChg chg="add ord">
+          <ac:chgData name="Lacle Salvator" userId="589f4613-aa21-4d08-8e11-54cb1a9b6e3e" providerId="ADAL" clId="{E084194F-494C-4A54-9B49-11781442FEBD}" dt="2025-06-05T09:16:41.996" v="716" actId="167"/>
+          <ac:spMkLst>
+            <pc:docMk/>
+            <pc:sldMk cId="4230776087" sldId="274"/>
+            <ac:spMk id="7" creationId="{8DB2228E-1E05-4B66-B340-73E4DE07E718}"/>
+          </ac:spMkLst>
+        </pc:spChg>
+        <pc:picChg chg="mod modCrop">
+          <ac:chgData name="Lacle Salvator" userId="589f4613-aa21-4d08-8e11-54cb1a9b6e3e" providerId="ADAL" clId="{E084194F-494C-4A54-9B49-11781442FEBD}" dt="2025-06-05T09:25:53.742" v="796" actId="1076"/>
+          <ac:picMkLst>
+            <pc:docMk/>
+            <pc:sldMk cId="4230776087" sldId="274"/>
+            <ac:picMk id="4" creationId="{E7CD082C-73F1-47DF-B36B-0B04B1600238}"/>
+          </ac:picMkLst>
+        </pc:picChg>
+        <pc:picChg chg="add">
+          <ac:chgData name="Lacle Salvator" userId="589f4613-aa21-4d08-8e11-54cb1a9b6e3e" providerId="ADAL" clId="{E084194F-494C-4A54-9B49-11781442FEBD}" dt="2025-06-05T09:16:54.028" v="719"/>
+          <ac:picMkLst>
+            <pc:docMk/>
+            <pc:sldMk cId="4230776087" sldId="274"/>
+            <ac:picMk id="8" creationId="{D660D849-8178-4F81-AA4C-84E002CCAD9D}"/>
+          </ac:picMkLst>
+        </pc:picChg>
+      </pc:sldChg>
+      <pc:sldChg chg="modSp add modTransition modAnim">
+        <pc:chgData name="Lacle Salvator" userId="589f4613-aa21-4d08-8e11-54cb1a9b6e3e" providerId="ADAL" clId="{E084194F-494C-4A54-9B49-11781442FEBD}" dt="2025-06-05T09:23:49.722" v="790"/>
+        <pc:sldMkLst>
+          <pc:docMk/>
+          <pc:sldMk cId="4283346361" sldId="275"/>
+        </pc:sldMkLst>
+        <pc:picChg chg="mod modCrop">
+          <ac:chgData name="Lacle Salvator" userId="589f4613-aa21-4d08-8e11-54cb1a9b6e3e" providerId="ADAL" clId="{E084194F-494C-4A54-9B49-11781442FEBD}" dt="2025-06-05T09:20:29.286" v="770" actId="1076"/>
+          <ac:picMkLst>
+            <pc:docMk/>
+            <pc:sldMk cId="4283346361" sldId="275"/>
+            <ac:picMk id="4" creationId="{0B87DCA3-703C-4068-9B7F-C98232957191}"/>
+          </ac:picMkLst>
+        </pc:picChg>
+      </pc:sldChg>
+      <pc:sldChg chg="modSp add ord modTransition modAnim">
+        <pc:chgData name="Lacle Salvator" userId="589f4613-aa21-4d08-8e11-54cb1a9b6e3e" providerId="ADAL" clId="{E084194F-494C-4A54-9B49-11781442FEBD}" dt="2025-06-05T09:23:54.056" v="791"/>
+        <pc:sldMkLst>
+          <pc:docMk/>
+          <pc:sldMk cId="1079529144" sldId="276"/>
+        </pc:sldMkLst>
+        <pc:picChg chg="mod modCrop">
+          <ac:chgData name="Lacle Salvator" userId="589f4613-aa21-4d08-8e11-54cb1a9b6e3e" providerId="ADAL" clId="{E084194F-494C-4A54-9B49-11781442FEBD}" dt="2025-06-05T09:21:00.092" v="776" actId="1076"/>
+          <ac:picMkLst>
+            <pc:docMk/>
+            <pc:sldMk cId="1079529144" sldId="276"/>
+            <ac:picMk id="4" creationId="{0B87DCA3-703C-4068-9B7F-C98232957191}"/>
+          </ac:picMkLst>
+        </pc:picChg>
+      </pc:sldChg>
+      <pc:sldMasterChg chg="addSp delSp modSp modSldLayout">
+        <pc:chgData name="Lacle Salvator" userId="589f4613-aa21-4d08-8e11-54cb1a9b6e3e" providerId="ADAL" clId="{E084194F-494C-4A54-9B49-11781442FEBD}" dt="2025-06-05T05:58:09.535" v="467" actId="1076"/>
+        <pc:sldMasterMkLst>
+          <pc:docMk/>
+          <pc:sldMasterMk cId="1701657744" sldId="2147483648"/>
+        </pc:sldMasterMkLst>
+        <pc:spChg chg="mod">
+          <ac:chgData name="Lacle Salvator" userId="589f4613-aa21-4d08-8e11-54cb1a9b6e3e" providerId="ADAL" clId="{E084194F-494C-4A54-9B49-11781442FEBD}" dt="2025-06-05T05:40:59.732" v="234" actId="14100"/>
+          <ac:spMkLst>
+            <pc:docMk/>
+            <pc:sldMasterMk cId="1701657744" sldId="2147483648"/>
+            <ac:spMk id="8" creationId="{26327BF3-0E34-4845-8BB7-B7509AE32B0B}"/>
+          </ac:spMkLst>
+        </pc:spChg>
+        <pc:picChg chg="add del mod">
+          <ac:chgData name="Lacle Salvator" userId="589f4613-aa21-4d08-8e11-54cb1a9b6e3e" providerId="ADAL" clId="{E084194F-494C-4A54-9B49-11781442FEBD}" dt="2025-06-05T05:37:49.964" v="176"/>
+          <ac:picMkLst>
+            <pc:docMk/>
+            <pc:sldMasterMk cId="1701657744" sldId="2147483648"/>
+            <ac:picMk id="9" creationId="{AF2A7FD6-2BF1-4989-8D91-2DA09B6E9BF8}"/>
+          </ac:picMkLst>
+        </pc:picChg>
+        <pc:picChg chg="add mod ord">
+          <ac:chgData name="Lacle Salvator" userId="589f4613-aa21-4d08-8e11-54cb1a9b6e3e" providerId="ADAL" clId="{E084194F-494C-4A54-9B49-11781442FEBD}" dt="2025-06-05T05:42:33.197" v="246" actId="14100"/>
+          <ac:picMkLst>
+            <pc:docMk/>
+            <pc:sldMasterMk cId="1701657744" sldId="2147483648"/>
+            <ac:picMk id="11" creationId="{C1459411-D869-4A0B-906D-A95E81EA8237}"/>
+          </ac:picMkLst>
+        </pc:picChg>
+        <pc:picChg chg="add mod ord">
+          <ac:chgData name="Lacle Salvator" userId="589f4613-aa21-4d08-8e11-54cb1a9b6e3e" providerId="ADAL" clId="{E084194F-494C-4A54-9B49-11781442FEBD}" dt="2025-06-05T05:42:46.959" v="250" actId="167"/>
+          <ac:picMkLst>
+            <pc:docMk/>
+            <pc:sldMasterMk cId="1701657744" sldId="2147483648"/>
+            <ac:picMk id="12" creationId="{928F702E-86D3-4D13-9F78-2EC52DE649A9}"/>
+          </ac:picMkLst>
+        </pc:picChg>
+        <pc:picChg chg="add mod ord">
+          <ac:chgData name="Lacle Salvator" userId="589f4613-aa21-4d08-8e11-54cb1a9b6e3e" providerId="ADAL" clId="{E084194F-494C-4A54-9B49-11781442FEBD}" dt="2025-06-05T05:42:54.255" v="253" actId="167"/>
+          <ac:picMkLst>
+            <pc:docMk/>
+            <pc:sldMasterMk cId="1701657744" sldId="2147483648"/>
+            <ac:picMk id="13" creationId="{D125B2AE-FAC8-4287-A310-5CAE80B450AF}"/>
+          </ac:picMkLst>
+        </pc:picChg>
+        <pc:picChg chg="add mod ord">
+          <ac:chgData name="Lacle Salvator" userId="589f4613-aa21-4d08-8e11-54cb1a9b6e3e" providerId="ADAL" clId="{E084194F-494C-4A54-9B49-11781442FEBD}" dt="2025-06-05T05:43:21.264" v="258" actId="1076"/>
+          <ac:picMkLst>
+            <pc:docMk/>
+            <pc:sldMasterMk cId="1701657744" sldId="2147483648"/>
+            <ac:picMk id="14" creationId="{06AA530C-C01C-4D62-BD9E-C683A97B6E40}"/>
+          </ac:picMkLst>
+        </pc:picChg>
+        <pc:picChg chg="add del mod">
+          <ac:chgData name="Lacle Salvator" userId="589f4613-aa21-4d08-8e11-54cb1a9b6e3e" providerId="ADAL" clId="{E084194F-494C-4A54-9B49-11781442FEBD}" dt="2025-06-05T05:58:02.227" v="463"/>
+          <ac:picMkLst>
+            <pc:docMk/>
+            <pc:sldMasterMk cId="1701657744" sldId="2147483648"/>
+            <ac:picMk id="15" creationId="{C1E61AF4-5544-4946-B27A-49C4E0FB8B72}"/>
+          </ac:picMkLst>
+        </pc:picChg>
+        <pc:sldLayoutChg chg="addSp modSp">
+          <pc:chgData name="Lacle Salvator" userId="589f4613-aa21-4d08-8e11-54cb1a9b6e3e" providerId="ADAL" clId="{E084194F-494C-4A54-9B49-11781442FEBD}" dt="2025-06-05T05:58:09.535" v="467" actId="1076"/>
+          <pc:sldLayoutMkLst>
+            <pc:docMk/>
+            <pc:sldMasterMk cId="1701657744" sldId="2147483648"/>
+            <pc:sldLayoutMk cId="3002190554" sldId="2147483650"/>
+          </pc:sldLayoutMkLst>
+          <pc:picChg chg="add mod">
+            <ac:chgData name="Lacle Salvator" userId="589f4613-aa21-4d08-8e11-54cb1a9b6e3e" providerId="ADAL" clId="{E084194F-494C-4A54-9B49-11781442FEBD}" dt="2025-06-05T05:58:09.535" v="467" actId="1076"/>
+            <ac:picMkLst>
+              <pc:docMk/>
+              <pc:sldMasterMk cId="1701657744" sldId="2147483648"/>
+              <pc:sldLayoutMk cId="3002190554" sldId="2147483650"/>
+              <ac:picMk id="7" creationId="{4292EE72-E778-43CB-942F-73E2718FA4EA}"/>
+            </ac:picMkLst>
+          </pc:picChg>
+        </pc:sldLayoutChg>
+      </pc:sldMasterChg>
+      <pc:sldMasterChg chg="addSp modSp">
+        <pc:chgData name="Lacle Salvator" userId="589f4613-aa21-4d08-8e11-54cb1a9b6e3e" providerId="ADAL" clId="{E084194F-494C-4A54-9B49-11781442FEBD}" dt="2025-06-05T09:09:40.847" v="667"/>
+        <pc:sldMasterMkLst>
+          <pc:docMk/>
+          <pc:sldMasterMk cId="3220645470" sldId="2147483672"/>
+        </pc:sldMasterMkLst>
+        <pc:spChg chg="add mod">
+          <ac:chgData name="Lacle Salvator" userId="589f4613-aa21-4d08-8e11-54cb1a9b6e3e" providerId="ADAL" clId="{E084194F-494C-4A54-9B49-11781442FEBD}" dt="2025-06-05T09:09:40.847" v="667"/>
+          <ac:spMkLst>
+            <pc:docMk/>
+            <pc:sldMasterMk cId="3220645470" sldId="2147483672"/>
+            <ac:spMk id="2" creationId="{4AD34A8D-A89A-453C-99C7-493892E9DE3F}"/>
+          </ac:spMkLst>
+        </pc:spChg>
+        <pc:spChg chg="add mod">
+          <ac:chgData name="Lacle Salvator" userId="589f4613-aa21-4d08-8e11-54cb1a9b6e3e" providerId="ADAL" clId="{E084194F-494C-4A54-9B49-11781442FEBD}" dt="2025-06-05T09:09:40.847" v="667"/>
+          <ac:spMkLst>
+            <pc:docMk/>
+            <pc:sldMasterMk cId="3220645470" sldId="2147483672"/>
+            <ac:spMk id="3" creationId="{8DFFC352-E659-4EC6-86A4-3D89A1161F2D}"/>
+          </ac:spMkLst>
+        </pc:spChg>
+        <pc:spChg chg="add mod">
+          <ac:chgData name="Lacle Salvator" userId="589f4613-aa21-4d08-8e11-54cb1a9b6e3e" providerId="ADAL" clId="{E084194F-494C-4A54-9B49-11781442FEBD}" dt="2025-06-05T09:09:40.847" v="667"/>
+          <ac:spMkLst>
+            <pc:docMk/>
+            <pc:sldMasterMk cId="3220645470" sldId="2147483672"/>
+            <ac:spMk id="4" creationId="{9A7EAA26-22D1-406A-90EE-A613862F7A18}"/>
+          </ac:spMkLst>
+        </pc:spChg>
+        <pc:spChg chg="add mod">
+          <ac:chgData name="Lacle Salvator" userId="589f4613-aa21-4d08-8e11-54cb1a9b6e3e" providerId="ADAL" clId="{E084194F-494C-4A54-9B49-11781442FEBD}" dt="2025-06-05T09:09:40.847" v="667"/>
+          <ac:spMkLst>
+            <pc:docMk/>
+            <pc:sldMasterMk cId="3220645470" sldId="2147483672"/>
+            <ac:spMk id="5" creationId="{821EE668-FDB8-468F-B175-904CC1C35FE0}"/>
+          </ac:spMkLst>
+        </pc:spChg>
+        <pc:spChg chg="add mod">
+          <ac:chgData name="Lacle Salvator" userId="589f4613-aa21-4d08-8e11-54cb1a9b6e3e" providerId="ADAL" clId="{E084194F-494C-4A54-9B49-11781442FEBD}" dt="2025-06-05T09:09:40.847" v="667"/>
+          <ac:spMkLst>
+            <pc:docMk/>
+            <pc:sldMasterMk cId="3220645470" sldId="2147483672"/>
+            <ac:spMk id="6" creationId="{097ADEA6-E618-4499-B780-9B0175959501}"/>
+          </ac:spMkLst>
+        </pc:spChg>
+      </pc:sldMasterChg>
     </pc:docChg>
   </pc:docChgLst>
 </pc:chgInfo>
+</file>
+
+<file path=ppt/handoutMasters/handoutMaster1.xml><?xml version="1.0" encoding="utf-8"?>
+<p:handoutMaster xmlns:a="http://schemas.openxmlformats.org/drawingml/2006/main" xmlns:r="http://schemas.openxmlformats.org/officeDocument/2006/relationships" xmlns:p="http://schemas.openxmlformats.org/presentationml/2006/main">
+  <p:cSld>
+    <p:bg>
+      <p:bgRef idx="1001">
+        <a:schemeClr val="bg1"/>
+      </p:bgRef>
+    </p:bg>
+    <p:spTree>
+      <p:nvGrpSpPr>
+        <p:cNvPr id="1" name=""/>
+        <p:cNvGrpSpPr/>
+        <p:nvPr/>
+      </p:nvGrpSpPr>
+      <p:grpSpPr>
+        <a:xfrm>
+          <a:off x="0" y="0"/>
+          <a:ext cx="0" cy="0"/>
+          <a:chOff x="0" y="0"/>
+          <a:chExt cx="0" cy="0"/>
+        </a:xfrm>
+      </p:grpSpPr>
+      <p:sp>
+        <p:nvSpPr>
+          <p:cNvPr id="2" name="Kopfzeilenplatzhalter 1">
+            <a:extLst>
+              <a:ext uri="{FF2B5EF4-FFF2-40B4-BE49-F238E27FC236}">
+                <a16:creationId xmlns:a16="http://schemas.microsoft.com/office/drawing/2014/main" id="{0F2DDCA2-0F20-44C1-A78B-3EC6C0BAC557}"/>
+              </a:ext>
+            </a:extLst>
+          </p:cNvPr>
+          <p:cNvSpPr>
+            <a:spLocks noGrp="1"/>
+          </p:cNvSpPr>
+          <p:nvPr>
+            <p:ph type="hdr" sz="quarter"/>
+          </p:nvPr>
+        </p:nvSpPr>
+        <p:spPr>
+          <a:xfrm>
+            <a:off x="0" y="0"/>
+            <a:ext cx="2971800" cy="458788"/>
+          </a:xfrm>
+          <a:prstGeom prst="rect">
+            <a:avLst/>
+          </a:prstGeom>
+        </p:spPr>
+        <p:txBody>
+          <a:bodyPr vert="horz" lIns="91440" tIns="45720" rIns="91440" bIns="45720" rtlCol="0"/>
+          <a:lstStyle>
+            <a:lvl1pPr algn="l">
+              <a:defRPr sz="1200"/>
+            </a:lvl1pPr>
+          </a:lstStyle>
+          <a:p>
+            <a:endParaRPr lang="de-DE"/>
+          </a:p>
+        </p:txBody>
+      </p:sp>
+      <p:sp>
+        <p:nvSpPr>
+          <p:cNvPr id="3" name="Datumsplatzhalter 2">
+            <a:extLst>
+              <a:ext uri="{FF2B5EF4-FFF2-40B4-BE49-F238E27FC236}">
+                <a16:creationId xmlns:a16="http://schemas.microsoft.com/office/drawing/2014/main" id="{C701A102-B82D-47B0-ADAF-F2EF18AC1461}"/>
+              </a:ext>
+            </a:extLst>
+          </p:cNvPr>
+          <p:cNvSpPr>
+            <a:spLocks noGrp="1"/>
+          </p:cNvSpPr>
+          <p:nvPr>
+            <p:ph type="dt" sz="quarter" idx="1"/>
+          </p:nvPr>
+        </p:nvSpPr>
+        <p:spPr>
+          <a:xfrm>
+            <a:off x="3884613" y="0"/>
+            <a:ext cx="2971800" cy="458788"/>
+          </a:xfrm>
+          <a:prstGeom prst="rect">
+            <a:avLst/>
+          </a:prstGeom>
+        </p:spPr>
+        <p:txBody>
+          <a:bodyPr vert="horz" lIns="91440" tIns="45720" rIns="91440" bIns="45720" rtlCol="0"/>
+          <a:lstStyle>
+            <a:lvl1pPr algn="r">
+              <a:defRPr sz="1200"/>
+            </a:lvl1pPr>
+          </a:lstStyle>
+          <a:p>
+            <a:fld id="{D724C11C-BF34-4A7D-A3E1-92F779678D55}" type="datetimeFigureOut">
+              <a:rPr lang="de-DE" smtClean="0"/>
+              <a:t>05.06.2025</a:t>
+            </a:fld>
+            <a:endParaRPr lang="de-DE"/>
+          </a:p>
+        </p:txBody>
+      </p:sp>
+      <p:sp>
+        <p:nvSpPr>
+          <p:cNvPr id="4" name="Fußzeilenplatzhalter 3">
+            <a:extLst>
+              <a:ext uri="{FF2B5EF4-FFF2-40B4-BE49-F238E27FC236}">
+                <a16:creationId xmlns:a16="http://schemas.microsoft.com/office/drawing/2014/main" id="{58AADABD-BE1B-42F0-A8B4-08CB7E4206E8}"/>
+              </a:ext>
+            </a:extLst>
+          </p:cNvPr>
+          <p:cNvSpPr>
+            <a:spLocks noGrp="1"/>
+          </p:cNvSpPr>
+          <p:nvPr>
+            <p:ph type="ftr" sz="quarter" idx="2"/>
+          </p:nvPr>
+        </p:nvSpPr>
+        <p:spPr>
+          <a:xfrm>
+            <a:off x="0" y="8685213"/>
+            <a:ext cx="2971800" cy="458787"/>
+          </a:xfrm>
+          <a:prstGeom prst="rect">
+            <a:avLst/>
+          </a:prstGeom>
+        </p:spPr>
+        <p:txBody>
+          <a:bodyPr vert="horz" lIns="91440" tIns="45720" rIns="91440" bIns="45720" rtlCol="0" anchor="b"/>
+          <a:lstStyle>
+            <a:lvl1pPr algn="l">
+              <a:defRPr sz="1200"/>
+            </a:lvl1pPr>
+          </a:lstStyle>
+          <a:p>
+            <a:endParaRPr lang="de-DE"/>
+          </a:p>
+        </p:txBody>
+      </p:sp>
+      <p:sp>
+        <p:nvSpPr>
+          <p:cNvPr id="5" name="Foliennummernplatzhalter 4">
+            <a:extLst>
+              <a:ext uri="{FF2B5EF4-FFF2-40B4-BE49-F238E27FC236}">
+                <a16:creationId xmlns:a16="http://schemas.microsoft.com/office/drawing/2014/main" id="{76DEDB40-264B-430E-BDC4-DB212589245A}"/>
+              </a:ext>
+            </a:extLst>
+          </p:cNvPr>
+          <p:cNvSpPr>
+            <a:spLocks noGrp="1"/>
+          </p:cNvSpPr>
+          <p:nvPr>
+            <p:ph type="sldNum" sz="quarter" idx="3"/>
+          </p:nvPr>
+        </p:nvSpPr>
+        <p:spPr>
+          <a:xfrm>
+            <a:off x="3884613" y="8685213"/>
+            <a:ext cx="2971800" cy="458787"/>
+          </a:xfrm>
+          <a:prstGeom prst="rect">
+            <a:avLst/>
+          </a:prstGeom>
+        </p:spPr>
+        <p:txBody>
+          <a:bodyPr vert="horz" lIns="91440" tIns="45720" rIns="91440" bIns="45720" rtlCol="0" anchor="b"/>
+          <a:lstStyle>
+            <a:lvl1pPr algn="r">
+              <a:defRPr sz="1200"/>
+            </a:lvl1pPr>
+          </a:lstStyle>
+          <a:p>
+            <a:fld id="{A49CCD54-EDAE-47FE-BC31-8FC9F8C2DE86}" type="slidenum">
+              <a:rPr lang="de-DE" smtClean="0"/>
+              <a:t>‹Nr.›</a:t>
+            </a:fld>
+            <a:endParaRPr lang="de-DE"/>
+          </a:p>
+        </p:txBody>
+      </p:sp>
+    </p:spTree>
+    <p:extLst>
+      <p:ext uri="{BB962C8B-B14F-4D97-AF65-F5344CB8AC3E}">
+        <p14:creationId xmlns:p14="http://schemas.microsoft.com/office/powerpoint/2010/main" val="3502634283"/>
+      </p:ext>
+    </p:extLst>
+  </p:cSld>
+  <p:clrMap bg1="lt1" tx1="dk1" bg2="lt2" tx2="dk2" accent1="accent1" accent2="accent2" accent3="accent3" accent4="accent4" accent5="accent5" accent6="accent6" hlink="hlink" folHlink="folHlink"/>
+</p:handoutMaster>
 </file>
 
 <file path=ppt/slideLayouts/slideLayout1.xml><?xml version="1.0" encoding="utf-8"?>
@@ -301,7 +1458,7 @@
           <a:p>
             <a:fld id="{7B020AE4-B577-41B9-B7D9-AA6F4781CA2B}" type="datetimeFigureOut">
               <a:rPr lang="de-DE" smtClean="0"/>
-              <a:t>03.06.2025</a:t>
+              <a:t>05.06.2025</a:t>
             </a:fld>
             <a:endParaRPr lang="de-DE"/>
           </a:p>
@@ -499,7 +1656,7 @@
           <a:p>
             <a:fld id="{7B020AE4-B577-41B9-B7D9-AA6F4781CA2B}" type="datetimeFigureOut">
               <a:rPr lang="de-DE" smtClean="0"/>
-              <a:t>03.06.2025</a:t>
+              <a:t>05.06.2025</a:t>
             </a:fld>
             <a:endParaRPr lang="de-DE"/>
           </a:p>
@@ -707,7 +1864,7 @@
           <a:p>
             <a:fld id="{7B020AE4-B577-41B9-B7D9-AA6F4781CA2B}" type="datetimeFigureOut">
               <a:rPr lang="de-DE" smtClean="0"/>
-              <a:t>03.06.2025</a:t>
+              <a:t>05.06.2025</a:t>
             </a:fld>
             <a:endParaRPr lang="de-DE"/>
           </a:p>
@@ -927,7 +2084,7 @@
           <a:p>
             <a:fld id="{4E3A423F-BD97-4293-AAE6-860D647E9918}" type="datetimeFigureOut">
               <a:rPr lang="de-DE" smtClean="0"/>
-              <a:t>04.06.2025</a:t>
+              <a:t>05.06.2025</a:t>
             </a:fld>
             <a:endParaRPr lang="de-DE"/>
           </a:p>
@@ -1125,7 +2282,7 @@
           <a:p>
             <a:fld id="{4E3A423F-BD97-4293-AAE6-860D647E9918}" type="datetimeFigureOut">
               <a:rPr lang="de-DE" smtClean="0"/>
-              <a:t>04.06.2025</a:t>
+              <a:t>05.06.2025</a:t>
             </a:fld>
             <a:endParaRPr lang="de-DE"/>
           </a:p>
@@ -1400,7 +2557,7 @@
           <a:p>
             <a:fld id="{4E3A423F-BD97-4293-AAE6-860D647E9918}" type="datetimeFigureOut">
               <a:rPr lang="de-DE" smtClean="0"/>
-              <a:t>04.06.2025</a:t>
+              <a:t>05.06.2025</a:t>
             </a:fld>
             <a:endParaRPr lang="de-DE"/>
           </a:p>
@@ -1665,7 +2822,7 @@
           <a:p>
             <a:fld id="{4E3A423F-BD97-4293-AAE6-860D647E9918}" type="datetimeFigureOut">
               <a:rPr lang="de-DE" smtClean="0"/>
-              <a:t>04.06.2025</a:t>
+              <a:t>05.06.2025</a:t>
             </a:fld>
             <a:endParaRPr lang="de-DE"/>
           </a:p>
@@ -2077,7 +3234,7 @@
           <a:p>
             <a:fld id="{4E3A423F-BD97-4293-AAE6-860D647E9918}" type="datetimeFigureOut">
               <a:rPr lang="de-DE" smtClean="0"/>
-              <a:t>04.06.2025</a:t>
+              <a:t>05.06.2025</a:t>
             </a:fld>
             <a:endParaRPr lang="de-DE"/>
           </a:p>
@@ -2218,7 +3375,7 @@
           <a:p>
             <a:fld id="{4E3A423F-BD97-4293-AAE6-860D647E9918}" type="datetimeFigureOut">
               <a:rPr lang="de-DE" smtClean="0"/>
-              <a:t>04.06.2025</a:t>
+              <a:t>05.06.2025</a:t>
             </a:fld>
             <a:endParaRPr lang="de-DE"/>
           </a:p>
@@ -2331,7 +3488,7 @@
           <a:p>
             <a:fld id="{4E3A423F-BD97-4293-AAE6-860D647E9918}" type="datetimeFigureOut">
               <a:rPr lang="de-DE" smtClean="0"/>
-              <a:t>04.06.2025</a:t>
+              <a:t>05.06.2025</a:t>
             </a:fld>
             <a:endParaRPr lang="de-DE"/>
           </a:p>
@@ -2642,7 +3799,7 @@
           <a:p>
             <a:fld id="{4E3A423F-BD97-4293-AAE6-860D647E9918}" type="datetimeFigureOut">
               <a:rPr lang="de-DE" smtClean="0"/>
-              <a:t>04.06.2025</a:t>
+              <a:t>05.06.2025</a:t>
             </a:fld>
             <a:endParaRPr lang="de-DE"/>
           </a:p>
@@ -2840,7 +3997,7 @@
           <a:p>
             <a:fld id="{7B020AE4-B577-41B9-B7D9-AA6F4781CA2B}" type="datetimeFigureOut">
               <a:rPr lang="de-DE" smtClean="0"/>
-              <a:t>04.06.2025</a:t>
+              <a:t>05.06.2025</a:t>
             </a:fld>
             <a:endParaRPr lang="de-DE"/>
           </a:p>
@@ -2900,6 +4057,42 @@
           </a:p>
         </p:txBody>
       </p:sp>
+      <p:pic>
+        <p:nvPicPr>
+          <p:cNvPr id="7" name="Grafik 6">
+            <a:extLst>
+              <a:ext uri="{FF2B5EF4-FFF2-40B4-BE49-F238E27FC236}">
+                <a16:creationId xmlns:a16="http://schemas.microsoft.com/office/drawing/2014/main" id="{4292EE72-E778-43CB-942F-73E2718FA4EA}"/>
+              </a:ext>
+            </a:extLst>
+          </p:cNvPr>
+          <p:cNvPicPr>
+            <a:picLocks noChangeAspect="1"/>
+          </p:cNvPicPr>
+          <p:nvPr userDrawn="1"/>
+        </p:nvPicPr>
+        <p:blipFill>
+          <a:blip r:embed="rId2">
+            <a:extLst>
+              <a:ext uri="{28A0092B-C50C-407E-A947-70E740481C1C}">
+                <a14:useLocalDpi xmlns:a14="http://schemas.microsoft.com/office/drawing/2010/main" val="0"/>
+              </a:ext>
+            </a:extLst>
+          </a:blip>
+          <a:stretch>
+            <a:fillRect/>
+          </a:stretch>
+        </p:blipFill>
+        <p:spPr>
+          <a:xfrm>
+            <a:off x="598989" y="567812"/>
+            <a:ext cx="920187" cy="920187"/>
+          </a:xfrm>
+          <a:prstGeom prst="rect">
+            <a:avLst/>
+          </a:prstGeom>
+        </p:spPr>
+      </p:pic>
     </p:spTree>
     <p:extLst>
       <p:ext uri="{BB962C8B-B14F-4D97-AF65-F5344CB8AC3E}">
@@ -3128,7 +4321,7 @@
           <a:p>
             <a:fld id="{4E3A423F-BD97-4293-AAE6-860D647E9918}" type="datetimeFigureOut">
               <a:rPr lang="de-DE" smtClean="0"/>
-              <a:t>04.06.2025</a:t>
+              <a:t>05.06.2025</a:t>
             </a:fld>
             <a:endParaRPr lang="de-DE"/>
           </a:p>
@@ -3326,7 +4519,7 @@
           <a:p>
             <a:fld id="{4E3A423F-BD97-4293-AAE6-860D647E9918}" type="datetimeFigureOut">
               <a:rPr lang="de-DE" smtClean="0"/>
-              <a:t>04.06.2025</a:t>
+              <a:t>05.06.2025</a:t>
             </a:fld>
             <a:endParaRPr lang="de-DE"/>
           </a:p>
@@ -3534,7 +4727,7 @@
           <a:p>
             <a:fld id="{4E3A423F-BD97-4293-AAE6-860D647E9918}" type="datetimeFigureOut">
               <a:rPr lang="de-DE" smtClean="0"/>
-              <a:t>04.06.2025</a:t>
+              <a:t>05.06.2025</a:t>
             </a:fld>
             <a:endParaRPr lang="de-DE"/>
           </a:p>
@@ -3809,7 +5002,7 @@
           <a:p>
             <a:fld id="{7B020AE4-B577-41B9-B7D9-AA6F4781CA2B}" type="datetimeFigureOut">
               <a:rPr lang="de-DE" smtClean="0"/>
-              <a:t>04.06.2025</a:t>
+              <a:t>05.06.2025</a:t>
             </a:fld>
             <a:endParaRPr lang="de-DE"/>
           </a:p>
@@ -4074,7 +5267,7 @@
           <a:p>
             <a:fld id="{7B020AE4-B577-41B9-B7D9-AA6F4781CA2B}" type="datetimeFigureOut">
               <a:rPr lang="de-DE" smtClean="0"/>
-              <a:t>03.06.2025</a:t>
+              <a:t>05.06.2025</a:t>
             </a:fld>
             <a:endParaRPr lang="de-DE"/>
           </a:p>
@@ -4486,7 +5679,7 @@
           <a:p>
             <a:fld id="{7B020AE4-B577-41B9-B7D9-AA6F4781CA2B}" type="datetimeFigureOut">
               <a:rPr lang="de-DE" smtClean="0"/>
-              <a:t>03.06.2025</a:t>
+              <a:t>05.06.2025</a:t>
             </a:fld>
             <a:endParaRPr lang="de-DE"/>
           </a:p>
@@ -4627,7 +5820,7 @@
           <a:p>
             <a:fld id="{7B020AE4-B577-41B9-B7D9-AA6F4781CA2B}" type="datetimeFigureOut">
               <a:rPr lang="de-DE" smtClean="0"/>
-              <a:t>03.06.2025</a:t>
+              <a:t>05.06.2025</a:t>
             </a:fld>
             <a:endParaRPr lang="de-DE"/>
           </a:p>
@@ -4740,7 +5933,7 @@
           <a:p>
             <a:fld id="{7B020AE4-B577-41B9-B7D9-AA6F4781CA2B}" type="datetimeFigureOut">
               <a:rPr lang="de-DE" smtClean="0"/>
-              <a:t>04.06.2025</a:t>
+              <a:t>05.06.2025</a:t>
             </a:fld>
             <a:endParaRPr lang="de-DE"/>
           </a:p>
@@ -5051,7 +6244,7 @@
           <a:p>
             <a:fld id="{7B020AE4-B577-41B9-B7D9-AA6F4781CA2B}" type="datetimeFigureOut">
               <a:rPr lang="de-DE" smtClean="0"/>
-              <a:t>03.06.2025</a:t>
+              <a:t>05.06.2025</a:t>
             </a:fld>
             <a:endParaRPr lang="de-DE"/>
           </a:p>
@@ -5339,7 +6532,7 @@
           <a:p>
             <a:fld id="{7B020AE4-B577-41B9-B7D9-AA6F4781CA2B}" type="datetimeFigureOut">
               <a:rPr lang="de-DE" smtClean="0"/>
-              <a:t>03.06.2025</a:t>
+              <a:t>05.06.2025</a:t>
             </a:fld>
             <a:endParaRPr lang="de-DE"/>
           </a:p>
@@ -5434,6 +6627,150 @@
           <a:chExt cx="0" cy="0"/>
         </a:xfrm>
       </p:grpSpPr>
+      <p:pic>
+        <p:nvPicPr>
+          <p:cNvPr id="14" name="Grafik 13">
+            <a:extLst>
+              <a:ext uri="{FF2B5EF4-FFF2-40B4-BE49-F238E27FC236}">
+                <a16:creationId xmlns:a16="http://schemas.microsoft.com/office/drawing/2014/main" id="{06AA530C-C01C-4D62-BD9E-C683A97B6E40}"/>
+              </a:ext>
+            </a:extLst>
+          </p:cNvPr>
+          <p:cNvPicPr>
+            <a:picLocks noChangeAspect="1"/>
+          </p:cNvPicPr>
+          <p:nvPr userDrawn="1"/>
+        </p:nvPicPr>
+        <p:blipFill>
+          <a:blip r:embed="rId13">
+            <a:extLst>
+              <a:ext uri="{28A0092B-C50C-407E-A947-70E740481C1C}">
+                <a14:useLocalDpi xmlns:a14="http://schemas.microsoft.com/office/drawing/2010/main" val="0"/>
+              </a:ext>
+            </a:extLst>
+          </a:blip>
+          <a:stretch>
+            <a:fillRect/>
+          </a:stretch>
+        </p:blipFill>
+        <p:spPr>
+          <a:xfrm>
+            <a:off x="0" y="-1987056"/>
+            <a:ext cx="12360672" cy="2215659"/>
+          </a:xfrm>
+          <a:prstGeom prst="rect">
+            <a:avLst/>
+          </a:prstGeom>
+        </p:spPr>
+      </p:pic>
+      <p:pic>
+        <p:nvPicPr>
+          <p:cNvPr id="13" name="Grafik 12">
+            <a:extLst>
+              <a:ext uri="{FF2B5EF4-FFF2-40B4-BE49-F238E27FC236}">
+                <a16:creationId xmlns:a16="http://schemas.microsoft.com/office/drawing/2014/main" id="{D125B2AE-FAC8-4287-A310-5CAE80B450AF}"/>
+              </a:ext>
+            </a:extLst>
+          </p:cNvPr>
+          <p:cNvPicPr>
+            <a:picLocks noChangeAspect="1"/>
+          </p:cNvPicPr>
+          <p:nvPr userDrawn="1"/>
+        </p:nvPicPr>
+        <p:blipFill>
+          <a:blip r:embed="rId13">
+            <a:extLst>
+              <a:ext uri="{28A0092B-C50C-407E-A947-70E740481C1C}">
+                <a14:useLocalDpi xmlns:a14="http://schemas.microsoft.com/office/drawing/2010/main" val="0"/>
+              </a:ext>
+            </a:extLst>
+          </a:blip>
+          <a:stretch>
+            <a:fillRect/>
+          </a:stretch>
+        </p:blipFill>
+        <p:spPr>
+          <a:xfrm>
+            <a:off x="0" y="211020"/>
+            <a:ext cx="12360672" cy="2215659"/>
+          </a:xfrm>
+          <a:prstGeom prst="rect">
+            <a:avLst/>
+          </a:prstGeom>
+        </p:spPr>
+      </p:pic>
+      <p:pic>
+        <p:nvPicPr>
+          <p:cNvPr id="12" name="Grafik 11">
+            <a:extLst>
+              <a:ext uri="{FF2B5EF4-FFF2-40B4-BE49-F238E27FC236}">
+                <a16:creationId xmlns:a16="http://schemas.microsoft.com/office/drawing/2014/main" id="{928F702E-86D3-4D13-9F78-2EC52DE649A9}"/>
+              </a:ext>
+            </a:extLst>
+          </p:cNvPr>
+          <p:cNvPicPr>
+            <a:picLocks noChangeAspect="1"/>
+          </p:cNvPicPr>
+          <p:nvPr userDrawn="1"/>
+        </p:nvPicPr>
+        <p:blipFill>
+          <a:blip r:embed="rId13">
+            <a:extLst>
+              <a:ext uri="{28A0092B-C50C-407E-A947-70E740481C1C}">
+                <a14:useLocalDpi xmlns:a14="http://schemas.microsoft.com/office/drawing/2010/main" val="0"/>
+              </a:ext>
+            </a:extLst>
+          </a:blip>
+          <a:stretch>
+            <a:fillRect/>
+          </a:stretch>
+        </p:blipFill>
+        <p:spPr>
+          <a:xfrm>
+            <a:off x="0" y="2426679"/>
+            <a:ext cx="12360672" cy="2215659"/>
+          </a:xfrm>
+          <a:prstGeom prst="rect">
+            <a:avLst/>
+          </a:prstGeom>
+        </p:spPr>
+      </p:pic>
+      <p:pic>
+        <p:nvPicPr>
+          <p:cNvPr id="11" name="Grafik 10">
+            <a:extLst>
+              <a:ext uri="{FF2B5EF4-FFF2-40B4-BE49-F238E27FC236}">
+                <a16:creationId xmlns:a16="http://schemas.microsoft.com/office/drawing/2014/main" id="{C1459411-D869-4A0B-906D-A95E81EA8237}"/>
+              </a:ext>
+            </a:extLst>
+          </p:cNvPr>
+          <p:cNvPicPr>
+            <a:picLocks noChangeAspect="1"/>
+          </p:cNvPicPr>
+          <p:nvPr userDrawn="1"/>
+        </p:nvPicPr>
+        <p:blipFill>
+          <a:blip r:embed="rId13">
+            <a:extLst>
+              <a:ext uri="{28A0092B-C50C-407E-A947-70E740481C1C}">
+                <a14:useLocalDpi xmlns:a14="http://schemas.microsoft.com/office/drawing/2010/main" val="0"/>
+              </a:ext>
+            </a:extLst>
+          </a:blip>
+          <a:stretch>
+            <a:fillRect/>
+          </a:stretch>
+        </p:blipFill>
+        <p:spPr>
+          <a:xfrm>
+            <a:off x="0" y="4642338"/>
+            <a:ext cx="12360672" cy="2215659"/>
+          </a:xfrm>
+          <a:prstGeom prst="rect">
+            <a:avLst/>
+          </a:prstGeom>
+        </p:spPr>
+      </p:pic>
       <p:sp>
         <p:nvSpPr>
           <p:cNvPr id="8" name="Rechteck 7">
@@ -5448,8 +6785,8 @@
         </p:nvSpPr>
         <p:spPr>
           <a:xfrm>
-            <a:off x="0" y="0"/>
-            <a:ext cx="12192000" cy="6858000"/>
+            <a:off x="101600" y="136524"/>
+            <a:ext cx="12009120" cy="6584951"/>
           </a:xfrm>
           <a:prstGeom prst="rect">
             <a:avLst/>
@@ -5459,17 +6796,19 @@
               <a:gs pos="0">
                 <a:schemeClr val="bg1">
                   <a:lumMod val="95000"/>
+                  <a:alpha val="90000"/>
                 </a:schemeClr>
               </a:gs>
               <a:gs pos="69000">
                 <a:schemeClr val="bg1">
                   <a:lumMod val="95000"/>
+                  <a:alpha val="95000"/>
                 </a:schemeClr>
               </a:gs>
               <a:gs pos="100000">
                 <a:schemeClr val="bg1">
                   <a:lumMod val="85000"/>
-                  <a:alpha val="59000"/>
+                  <a:alpha val="95000"/>
                 </a:schemeClr>
               </a:gs>
             </a:gsLst>
@@ -5651,7 +6990,7 @@
           <a:p>
             <a:fld id="{7B020AE4-B577-41B9-B7D9-AA6F4781CA2B}" type="datetimeFigureOut">
               <a:rPr lang="de-DE" smtClean="0"/>
-              <a:t>04.06.2025</a:t>
+              <a:t>05.06.2025</a:t>
             </a:fld>
             <a:endParaRPr lang="de-DE"/>
           </a:p>
@@ -6219,7 +7558,7 @@
           <a:p>
             <a:fld id="{4E3A423F-BD97-4293-AAE6-860D647E9918}" type="datetimeFigureOut">
               <a:rPr lang="de-DE" smtClean="0"/>
-              <a:t>04.06.2025</a:t>
+              <a:t>05.06.2025</a:t>
             </a:fld>
             <a:endParaRPr lang="de-DE"/>
           </a:p>
@@ -6638,54 +7977,120 @@
       </p:grpSpPr>
       <p:sp>
         <p:nvSpPr>
-          <p:cNvPr id="2" name="Titel 1">
-            <a:extLst>
-              <a:ext uri="{FF2B5EF4-FFF2-40B4-BE49-F238E27FC236}">
-                <a16:creationId xmlns:a16="http://schemas.microsoft.com/office/drawing/2014/main" id="{CB2B2E11-E69A-4A74-A934-C3A6E7959A2C}"/>
-              </a:ext>
-            </a:extLst>
-          </p:cNvPr>
-          <p:cNvSpPr>
-            <a:spLocks noGrp="1"/>
-          </p:cNvSpPr>
-          <p:nvPr>
-            <p:ph type="ctrTitle"/>
-          </p:nvPr>
-        </p:nvSpPr>
-        <p:spPr/>
-        <p:txBody>
-          <a:bodyPr/>
-          <a:lstStyle/>
-          <a:p>
-            <a:endParaRPr lang="de-DE"/>
-          </a:p>
-        </p:txBody>
-      </p:sp>
-      <p:sp>
-        <p:nvSpPr>
-          <p:cNvPr id="3" name="Untertitel 2">
-            <a:extLst>
-              <a:ext uri="{FF2B5EF4-FFF2-40B4-BE49-F238E27FC236}">
-                <a16:creationId xmlns:a16="http://schemas.microsoft.com/office/drawing/2014/main" id="{804B812D-60FB-4440-BA3C-D65A425FD359}"/>
-              </a:ext>
-            </a:extLst>
-          </p:cNvPr>
-          <p:cNvSpPr>
-            <a:spLocks noGrp="1"/>
-          </p:cNvSpPr>
-          <p:nvPr>
-            <p:ph type="subTitle" idx="1"/>
-          </p:nvPr>
-        </p:nvSpPr>
-        <p:spPr/>
-        <p:txBody>
-          <a:bodyPr/>
-          <a:lstStyle/>
-          <a:p>
-            <a:endParaRPr lang="de-DE"/>
-          </a:p>
-        </p:txBody>
-      </p:sp>
+          <p:cNvPr id="4" name="Titel 1">
+            <a:extLst>
+              <a:ext uri="{FF2B5EF4-FFF2-40B4-BE49-F238E27FC236}">
+                <a16:creationId xmlns:a16="http://schemas.microsoft.com/office/drawing/2014/main" id="{F6DA6A65-CA7F-4EB5-A53C-3971EEA97DEB}"/>
+              </a:ext>
+            </a:extLst>
+          </p:cNvPr>
+          <p:cNvSpPr txBox="1">
+            <a:spLocks/>
+          </p:cNvSpPr>
+          <p:nvPr/>
+        </p:nvSpPr>
+        <p:spPr>
+          <a:xfrm>
+            <a:off x="1938337" y="2766218"/>
+            <a:ext cx="8315325" cy="1325563"/>
+          </a:xfrm>
+          <a:prstGeom prst="rect">
+            <a:avLst/>
+          </a:prstGeom>
+        </p:spPr>
+        <p:txBody>
+          <a:bodyPr vert="horz" lIns="91440" tIns="45720" rIns="91440" bIns="45720" rtlCol="0" anchor="ctr">
+            <a:noAutofit/>
+          </a:bodyPr>
+          <a:lstStyle>
+            <a:lvl1pPr algn="l" defTabSz="914400" rtl="0" eaLnBrk="1" latinLnBrk="0" hangingPunct="1">
+              <a:lnSpc>
+                <a:spcPct val="90000"/>
+              </a:lnSpc>
+              <a:spcBef>
+                <a:spcPct val="0"/>
+              </a:spcBef>
+              <a:buNone/>
+              <a:defRPr sz="4400" kern="1200">
+                <a:solidFill>
+                  <a:schemeClr val="tx1"/>
+                </a:solidFill>
+                <a:latin typeface="+mj-lt"/>
+                <a:ea typeface="+mj-ea"/>
+                <a:cs typeface="+mj-cs"/>
+              </a:defRPr>
+            </a:lvl1pPr>
+          </a:lstStyle>
+          <a:p>
+            <a:pPr algn="ctr"/>
+            <a:r>
+              <a:rPr lang="de-DE" sz="6000" dirty="0" err="1">
+                <a:solidFill>
+                  <a:srgbClr val="FF6123"/>
+                </a:solidFill>
+                <a:effectLst>
+                  <a:outerShdw blurRad="38100" dist="38100" dir="2700000" algn="tl">
+                    <a:srgbClr val="000000">
+                      <a:alpha val="43137"/>
+                    </a:srgbClr>
+                  </a:outerShdw>
+                </a:effectLst>
+                <a:latin typeface="Orbitron ExtraBold" pitchFamily="2" charset="0"/>
+              </a:rPr>
+              <a:t>ExpertShop</a:t>
+            </a:r>
+            <a:endParaRPr lang="de-DE" sz="4800" dirty="0">
+              <a:solidFill>
+                <a:srgbClr val="FF6123"/>
+              </a:solidFill>
+              <a:effectLst>
+                <a:outerShdw blurRad="38100" dist="38100" dir="2700000" algn="tl">
+                  <a:srgbClr val="000000">
+                    <a:alpha val="43137"/>
+                  </a:srgbClr>
+                </a:outerShdw>
+              </a:effectLst>
+              <a:latin typeface="Orbitron ExtraBold" pitchFamily="2" charset="0"/>
+            </a:endParaRPr>
+          </a:p>
+        </p:txBody>
+      </p:sp>
+      <p:pic>
+        <p:nvPicPr>
+          <p:cNvPr id="6" name="Grafik 5">
+            <a:extLst>
+              <a:ext uri="{FF2B5EF4-FFF2-40B4-BE49-F238E27FC236}">
+                <a16:creationId xmlns:a16="http://schemas.microsoft.com/office/drawing/2014/main" id="{2197E1CA-9C62-4F21-966A-283CD7FEE6C7}"/>
+              </a:ext>
+            </a:extLst>
+          </p:cNvPr>
+          <p:cNvPicPr>
+            <a:picLocks noChangeAspect="1"/>
+          </p:cNvPicPr>
+          <p:nvPr/>
+        </p:nvPicPr>
+        <p:blipFill>
+          <a:blip r:embed="rId2">
+            <a:extLst>
+              <a:ext uri="{28A0092B-C50C-407E-A947-70E740481C1C}">
+                <a14:useLocalDpi xmlns:a14="http://schemas.microsoft.com/office/drawing/2010/main" val="0"/>
+              </a:ext>
+            </a:extLst>
+          </a:blip>
+          <a:stretch>
+            <a:fillRect/>
+          </a:stretch>
+        </p:blipFill>
+        <p:spPr>
+          <a:xfrm>
+            <a:off x="5191727" y="1114063"/>
+            <a:ext cx="1808544" cy="1808544"/>
+          </a:xfrm>
+          <a:prstGeom prst="rect">
+            <a:avLst/>
+          </a:prstGeom>
+        </p:spPr>
+      </p:pic>
     </p:spTree>
     <p:extLst>
       <p:ext uri="{BB962C8B-B14F-4D97-AF65-F5344CB8AC3E}">
@@ -6696,6 +8101,2860 @@
   <p:clrMapOvr>
     <a:masterClrMapping/>
   </p:clrMapOvr>
+</p:sld>
+</file>
+
+<file path=ppt/slides/slide10.xml><?xml version="1.0" encoding="utf-8"?>
+<p:sld xmlns:a="http://schemas.openxmlformats.org/drawingml/2006/main" xmlns:r="http://schemas.openxmlformats.org/officeDocument/2006/relationships" xmlns:p="http://schemas.openxmlformats.org/presentationml/2006/main">
+  <p:cSld>
+    <p:spTree>
+      <p:nvGrpSpPr>
+        <p:cNvPr id="1" name=""/>
+        <p:cNvGrpSpPr/>
+        <p:nvPr/>
+      </p:nvGrpSpPr>
+      <p:grpSpPr>
+        <a:xfrm>
+          <a:off x="0" y="0"/>
+          <a:ext cx="0" cy="0"/>
+          <a:chOff x="0" y="0"/>
+          <a:chExt cx="0" cy="0"/>
+        </a:xfrm>
+      </p:grpSpPr>
+      <p:sp>
+        <p:nvSpPr>
+          <p:cNvPr id="2" name="Titel 1">
+            <a:extLst>
+              <a:ext uri="{FF2B5EF4-FFF2-40B4-BE49-F238E27FC236}">
+                <a16:creationId xmlns:a16="http://schemas.microsoft.com/office/drawing/2014/main" id="{A6FD2E3F-BE66-4871-98C4-00113AC2BE47}"/>
+              </a:ext>
+            </a:extLst>
+          </p:cNvPr>
+          <p:cNvSpPr>
+            <a:spLocks noGrp="1"/>
+          </p:cNvSpPr>
+          <p:nvPr>
+            <p:ph type="title"/>
+          </p:nvPr>
+        </p:nvSpPr>
+        <p:spPr/>
+        <p:txBody>
+          <a:bodyPr/>
+          <a:lstStyle/>
+          <a:p>
+            <a:endParaRPr lang="de-DE"/>
+          </a:p>
+        </p:txBody>
+      </p:sp>
+      <p:sp>
+        <p:nvSpPr>
+          <p:cNvPr id="3" name="Inhaltsplatzhalter 2">
+            <a:extLst>
+              <a:ext uri="{FF2B5EF4-FFF2-40B4-BE49-F238E27FC236}">
+                <a16:creationId xmlns:a16="http://schemas.microsoft.com/office/drawing/2014/main" id="{805E8D1F-E313-4642-B69C-AE9D41ED91E5}"/>
+              </a:ext>
+            </a:extLst>
+          </p:cNvPr>
+          <p:cNvSpPr>
+            <a:spLocks noGrp="1"/>
+          </p:cNvSpPr>
+          <p:nvPr>
+            <p:ph idx="1"/>
+          </p:nvPr>
+        </p:nvSpPr>
+        <p:spPr/>
+        <p:txBody>
+          <a:bodyPr/>
+          <a:lstStyle/>
+          <a:p>
+            <a:endParaRPr lang="de-DE" dirty="0"/>
+          </a:p>
+        </p:txBody>
+      </p:sp>
+      <p:pic>
+        <p:nvPicPr>
+          <p:cNvPr id="4" name="Grafik 3">
+            <a:extLst>
+              <a:ext uri="{FF2B5EF4-FFF2-40B4-BE49-F238E27FC236}">
+                <a16:creationId xmlns:a16="http://schemas.microsoft.com/office/drawing/2014/main" id="{44417B06-F636-4EE8-82ED-9B1CC702A994}"/>
+              </a:ext>
+            </a:extLst>
+          </p:cNvPr>
+          <p:cNvPicPr>
+            <a:picLocks noChangeAspect="1"/>
+          </p:cNvPicPr>
+          <p:nvPr/>
+        </p:nvPicPr>
+        <p:blipFill rotWithShape="1">
+          <a:blip r:embed="rId2"/>
+          <a:srcRect t="52873"/>
+          <a:stretch/>
+        </p:blipFill>
+        <p:spPr>
+          <a:xfrm>
+            <a:off x="725489" y="2181384"/>
+            <a:ext cx="10741019" cy="3639820"/>
+          </a:xfrm>
+          <a:prstGeom prst="rect">
+            <a:avLst/>
+          </a:prstGeom>
+          <a:ln w="38100">
+            <a:solidFill>
+              <a:srgbClr val="FF6123"/>
+            </a:solidFill>
+            <a:prstDash val="lgDash"/>
+          </a:ln>
+        </p:spPr>
+      </p:pic>
+      <p:sp>
+        <p:nvSpPr>
+          <p:cNvPr id="7" name="Titel 1">
+            <a:extLst>
+              <a:ext uri="{FF2B5EF4-FFF2-40B4-BE49-F238E27FC236}">
+                <a16:creationId xmlns:a16="http://schemas.microsoft.com/office/drawing/2014/main" id="{AB1D655F-F941-4694-8B0B-B8D342C2C837}"/>
+              </a:ext>
+            </a:extLst>
+          </p:cNvPr>
+          <p:cNvSpPr txBox="1">
+            <a:spLocks/>
+          </p:cNvSpPr>
+          <p:nvPr/>
+        </p:nvSpPr>
+        <p:spPr>
+          <a:xfrm>
+            <a:off x="1686559" y="432593"/>
+            <a:ext cx="8818880" cy="1325563"/>
+          </a:xfrm>
+          <a:prstGeom prst="rect">
+            <a:avLst/>
+          </a:prstGeom>
+        </p:spPr>
+        <p:txBody>
+          <a:bodyPr vert="horz" lIns="91440" tIns="45720" rIns="91440" bIns="45720" rtlCol="0" anchor="ctr">
+            <a:noAutofit/>
+          </a:bodyPr>
+          <a:lstStyle>
+            <a:lvl1pPr algn="l" defTabSz="914400" rtl="0" eaLnBrk="1" latinLnBrk="0" hangingPunct="1">
+              <a:lnSpc>
+                <a:spcPct val="90000"/>
+              </a:lnSpc>
+              <a:spcBef>
+                <a:spcPct val="0"/>
+              </a:spcBef>
+              <a:buNone/>
+              <a:defRPr sz="4400" kern="1200">
+                <a:solidFill>
+                  <a:schemeClr val="tx1"/>
+                </a:solidFill>
+                <a:latin typeface="+mj-lt"/>
+                <a:ea typeface="+mj-ea"/>
+                <a:cs typeface="+mj-cs"/>
+              </a:defRPr>
+            </a:lvl1pPr>
+          </a:lstStyle>
+          <a:p>
+            <a:pPr algn="ctr"/>
+            <a:r>
+              <a:rPr lang="de-DE" sz="6600" dirty="0" err="1">
+                <a:solidFill>
+                  <a:srgbClr val="FF6123"/>
+                </a:solidFill>
+                <a:effectLst>
+                  <a:outerShdw blurRad="38100" dist="38100" dir="2700000" algn="tl">
+                    <a:srgbClr val="000000">
+                      <a:alpha val="43137"/>
+                    </a:srgbClr>
+                  </a:outerShdw>
+                </a:effectLst>
+                <a:latin typeface="Orbitron ExtraBold" pitchFamily="2" charset="0"/>
+              </a:rPr>
+              <a:t>Warning</a:t>
+            </a:r>
+            <a:r>
+              <a:rPr lang="de-DE" sz="6600" dirty="0">
+                <a:solidFill>
+                  <a:srgbClr val="FF6123"/>
+                </a:solidFill>
+                <a:effectLst>
+                  <a:outerShdw blurRad="38100" dist="38100" dir="2700000" algn="tl">
+                    <a:srgbClr val="000000">
+                      <a:alpha val="43137"/>
+                    </a:srgbClr>
+                  </a:outerShdw>
+                </a:effectLst>
+                <a:latin typeface="Orbitron ExtraBold" pitchFamily="2" charset="0"/>
+              </a:rPr>
+              <a:t> </a:t>
+            </a:r>
+            <a:r>
+              <a:rPr lang="de-DE" sz="6600" dirty="0" err="1">
+                <a:solidFill>
+                  <a:srgbClr val="FF6123"/>
+                </a:solidFill>
+                <a:effectLst>
+                  <a:outerShdw blurRad="38100" dist="38100" dir="2700000" algn="tl">
+                    <a:srgbClr val="000000">
+                      <a:alpha val="43137"/>
+                    </a:srgbClr>
+                  </a:outerShdw>
+                </a:effectLst>
+                <a:latin typeface="Orbitron ExtraBold" pitchFamily="2" charset="0"/>
+              </a:rPr>
+              <a:t>pop-up</a:t>
+            </a:r>
+            <a:endParaRPr lang="de-DE" sz="5400" dirty="0">
+              <a:solidFill>
+                <a:srgbClr val="FF6123"/>
+              </a:solidFill>
+              <a:effectLst>
+                <a:outerShdw blurRad="38100" dist="38100" dir="2700000" algn="tl">
+                  <a:srgbClr val="000000">
+                    <a:alpha val="43137"/>
+                  </a:srgbClr>
+                </a:outerShdw>
+              </a:effectLst>
+              <a:latin typeface="Orbitron ExtraBold" pitchFamily="2" charset="0"/>
+            </a:endParaRPr>
+          </a:p>
+        </p:txBody>
+      </p:sp>
+    </p:spTree>
+    <p:extLst>
+      <p:ext uri="{BB962C8B-B14F-4D97-AF65-F5344CB8AC3E}">
+        <p14:creationId xmlns:p14="http://schemas.microsoft.com/office/powerpoint/2010/main" val="967523055"/>
+      </p:ext>
+    </p:extLst>
+  </p:cSld>
+  <p:clrMapOvr>
+    <a:masterClrMapping/>
+  </p:clrMapOvr>
+  <mc:AlternateContent xmlns:mc="http://schemas.openxmlformats.org/markup-compatibility/2006">
+    <mc:Choice xmlns:p159="http://schemas.microsoft.com/office/powerpoint/2015/09/main" Requires="p159">
+      <p:transition xmlns:p14="http://schemas.microsoft.com/office/powerpoint/2010/main" spd="slow" p14:dur="2000">
+        <p159:morph option="byChar"/>
+      </p:transition>
+    </mc:Choice>
+    <mc:Fallback>
+      <p:transition spd="slow">
+        <p:fade/>
+      </p:transition>
+    </mc:Fallback>
+  </mc:AlternateContent>
+</p:sld>
+</file>
+
+<file path=ppt/slides/slide11.xml><?xml version="1.0" encoding="utf-8"?>
+<p:sld xmlns:a="http://schemas.openxmlformats.org/drawingml/2006/main" xmlns:r="http://schemas.openxmlformats.org/officeDocument/2006/relationships" xmlns:p="http://schemas.openxmlformats.org/presentationml/2006/main">
+  <p:cSld>
+    <p:spTree>
+      <p:nvGrpSpPr>
+        <p:cNvPr id="1" name=""/>
+        <p:cNvGrpSpPr/>
+        <p:nvPr/>
+      </p:nvGrpSpPr>
+      <p:grpSpPr>
+        <a:xfrm>
+          <a:off x="0" y="0"/>
+          <a:ext cx="0" cy="0"/>
+          <a:chOff x="0" y="0"/>
+          <a:chExt cx="0" cy="0"/>
+        </a:xfrm>
+      </p:grpSpPr>
+      <p:sp>
+        <p:nvSpPr>
+          <p:cNvPr id="2" name="Titel 1">
+            <a:extLst>
+              <a:ext uri="{FF2B5EF4-FFF2-40B4-BE49-F238E27FC236}">
+                <a16:creationId xmlns:a16="http://schemas.microsoft.com/office/drawing/2014/main" id="{A6FD2E3F-BE66-4871-98C4-00113AC2BE47}"/>
+              </a:ext>
+            </a:extLst>
+          </p:cNvPr>
+          <p:cNvSpPr>
+            <a:spLocks noGrp="1"/>
+          </p:cNvSpPr>
+          <p:nvPr>
+            <p:ph type="title"/>
+          </p:nvPr>
+        </p:nvSpPr>
+        <p:spPr/>
+        <p:txBody>
+          <a:bodyPr/>
+          <a:lstStyle/>
+          <a:p>
+            <a:endParaRPr lang="de-DE" dirty="0"/>
+          </a:p>
+        </p:txBody>
+      </p:sp>
+      <p:sp>
+        <p:nvSpPr>
+          <p:cNvPr id="3" name="Inhaltsplatzhalter 2">
+            <a:extLst>
+              <a:ext uri="{FF2B5EF4-FFF2-40B4-BE49-F238E27FC236}">
+                <a16:creationId xmlns:a16="http://schemas.microsoft.com/office/drawing/2014/main" id="{805E8D1F-E313-4642-B69C-AE9D41ED91E5}"/>
+              </a:ext>
+            </a:extLst>
+          </p:cNvPr>
+          <p:cNvSpPr>
+            <a:spLocks noGrp="1"/>
+          </p:cNvSpPr>
+          <p:nvPr>
+            <p:ph idx="1"/>
+          </p:nvPr>
+        </p:nvSpPr>
+        <p:spPr/>
+        <p:txBody>
+          <a:bodyPr/>
+          <a:lstStyle/>
+          <a:p>
+            <a:endParaRPr lang="de-DE"/>
+          </a:p>
+        </p:txBody>
+      </p:sp>
+      <p:pic>
+        <p:nvPicPr>
+          <p:cNvPr id="5" name="Grafik 4">
+            <a:extLst>
+              <a:ext uri="{FF2B5EF4-FFF2-40B4-BE49-F238E27FC236}">
+                <a16:creationId xmlns:a16="http://schemas.microsoft.com/office/drawing/2014/main" id="{AB59F5A6-5E0A-4642-B33C-477618FE9AB2}"/>
+              </a:ext>
+            </a:extLst>
+          </p:cNvPr>
+          <p:cNvPicPr>
+            <a:picLocks noChangeAspect="1"/>
+          </p:cNvPicPr>
+          <p:nvPr/>
+        </p:nvPicPr>
+        <p:blipFill>
+          <a:blip r:embed="rId2"/>
+          <a:stretch>
+            <a:fillRect/>
+          </a:stretch>
+        </p:blipFill>
+        <p:spPr>
+          <a:xfrm>
+            <a:off x="2815638" y="1690688"/>
+            <a:ext cx="6560724" cy="4914461"/>
+          </a:xfrm>
+          <a:prstGeom prst="rect">
+            <a:avLst/>
+          </a:prstGeom>
+          <a:ln w="38100">
+            <a:solidFill>
+              <a:srgbClr val="FF6123"/>
+            </a:solidFill>
+            <a:prstDash val="lgDash"/>
+          </a:ln>
+        </p:spPr>
+      </p:pic>
+      <p:sp>
+        <p:nvSpPr>
+          <p:cNvPr id="7" name="Titel 1">
+            <a:extLst>
+              <a:ext uri="{FF2B5EF4-FFF2-40B4-BE49-F238E27FC236}">
+                <a16:creationId xmlns:a16="http://schemas.microsoft.com/office/drawing/2014/main" id="{F9F1A69C-48D2-4A7C-8A03-14B363CE97D8}"/>
+              </a:ext>
+            </a:extLst>
+          </p:cNvPr>
+          <p:cNvSpPr txBox="1">
+            <a:spLocks/>
+          </p:cNvSpPr>
+          <p:nvPr/>
+        </p:nvSpPr>
+        <p:spPr>
+          <a:xfrm>
+            <a:off x="1686559" y="432593"/>
+            <a:ext cx="8818880" cy="1325563"/>
+          </a:xfrm>
+          <a:prstGeom prst="rect">
+            <a:avLst/>
+          </a:prstGeom>
+        </p:spPr>
+        <p:txBody>
+          <a:bodyPr vert="horz" lIns="91440" tIns="45720" rIns="91440" bIns="45720" rtlCol="0" anchor="ctr">
+            <a:noAutofit/>
+          </a:bodyPr>
+          <a:lstStyle>
+            <a:lvl1pPr algn="l" defTabSz="914400" rtl="0" eaLnBrk="1" latinLnBrk="0" hangingPunct="1">
+              <a:lnSpc>
+                <a:spcPct val="90000"/>
+              </a:lnSpc>
+              <a:spcBef>
+                <a:spcPct val="0"/>
+              </a:spcBef>
+              <a:buNone/>
+              <a:defRPr sz="4400" kern="1200">
+                <a:solidFill>
+                  <a:schemeClr val="tx1"/>
+                </a:solidFill>
+                <a:latin typeface="+mj-lt"/>
+                <a:ea typeface="+mj-ea"/>
+                <a:cs typeface="+mj-cs"/>
+              </a:defRPr>
+            </a:lvl1pPr>
+          </a:lstStyle>
+          <a:p>
+            <a:pPr algn="ctr"/>
+            <a:r>
+              <a:rPr lang="de-DE" sz="6600" dirty="0" err="1">
+                <a:solidFill>
+                  <a:srgbClr val="FF6123"/>
+                </a:solidFill>
+                <a:effectLst>
+                  <a:outerShdw blurRad="38100" dist="38100" dir="2700000" algn="tl">
+                    <a:srgbClr val="000000">
+                      <a:alpha val="43137"/>
+                    </a:srgbClr>
+                  </a:outerShdw>
+                </a:effectLst>
+                <a:latin typeface="Orbitron ExtraBold" pitchFamily="2" charset="0"/>
+              </a:rPr>
+              <a:t>Warning</a:t>
+            </a:r>
+            <a:r>
+              <a:rPr lang="de-DE" sz="6600" dirty="0">
+                <a:solidFill>
+                  <a:srgbClr val="FF6123"/>
+                </a:solidFill>
+                <a:effectLst>
+                  <a:outerShdw blurRad="38100" dist="38100" dir="2700000" algn="tl">
+                    <a:srgbClr val="000000">
+                      <a:alpha val="43137"/>
+                    </a:srgbClr>
+                  </a:outerShdw>
+                </a:effectLst>
+                <a:latin typeface="Orbitron ExtraBold" pitchFamily="2" charset="0"/>
+              </a:rPr>
+              <a:t> </a:t>
+            </a:r>
+            <a:r>
+              <a:rPr lang="de-DE" sz="6600" dirty="0" err="1">
+                <a:solidFill>
+                  <a:srgbClr val="FF6123"/>
+                </a:solidFill>
+                <a:effectLst>
+                  <a:outerShdw blurRad="38100" dist="38100" dir="2700000" algn="tl">
+                    <a:srgbClr val="000000">
+                      <a:alpha val="43137"/>
+                    </a:srgbClr>
+                  </a:outerShdw>
+                </a:effectLst>
+                <a:latin typeface="Orbitron ExtraBold" pitchFamily="2" charset="0"/>
+              </a:rPr>
+              <a:t>pop-up</a:t>
+            </a:r>
+            <a:endParaRPr lang="de-DE" sz="5400" dirty="0">
+              <a:solidFill>
+                <a:srgbClr val="FF6123"/>
+              </a:solidFill>
+              <a:effectLst>
+                <a:outerShdw blurRad="38100" dist="38100" dir="2700000" algn="tl">
+                  <a:srgbClr val="000000">
+                    <a:alpha val="43137"/>
+                  </a:srgbClr>
+                </a:outerShdw>
+              </a:effectLst>
+              <a:latin typeface="Orbitron ExtraBold" pitchFamily="2" charset="0"/>
+            </a:endParaRPr>
+          </a:p>
+        </p:txBody>
+      </p:sp>
+    </p:spTree>
+    <p:extLst>
+      <p:ext uri="{BB962C8B-B14F-4D97-AF65-F5344CB8AC3E}">
+        <p14:creationId xmlns:p14="http://schemas.microsoft.com/office/powerpoint/2010/main" val="2407941745"/>
+      </p:ext>
+    </p:extLst>
+  </p:cSld>
+  <p:clrMapOvr>
+    <a:masterClrMapping/>
+  </p:clrMapOvr>
+  <mc:AlternateContent xmlns:mc="http://schemas.openxmlformats.org/markup-compatibility/2006">
+    <mc:Choice xmlns:p159="http://schemas.microsoft.com/office/powerpoint/2015/09/main" Requires="p159">
+      <p:transition xmlns:p14="http://schemas.microsoft.com/office/powerpoint/2010/main" spd="slow" p14:dur="2000">
+        <p159:morph option="byChar"/>
+      </p:transition>
+    </mc:Choice>
+    <mc:Fallback>
+      <p:transition spd="slow">
+        <p:fade/>
+      </p:transition>
+    </mc:Fallback>
+  </mc:AlternateContent>
+</p:sld>
+</file>
+
+<file path=ppt/slides/slide12.xml><?xml version="1.0" encoding="utf-8"?>
+<p:sld xmlns:a="http://schemas.openxmlformats.org/drawingml/2006/main" xmlns:r="http://schemas.openxmlformats.org/officeDocument/2006/relationships" xmlns:p="http://schemas.openxmlformats.org/presentationml/2006/main">
+  <p:cSld>
+    <p:spTree>
+      <p:nvGrpSpPr>
+        <p:cNvPr id="1" name=""/>
+        <p:cNvGrpSpPr/>
+        <p:nvPr/>
+      </p:nvGrpSpPr>
+      <p:grpSpPr>
+        <a:xfrm>
+          <a:off x="0" y="0"/>
+          <a:ext cx="0" cy="0"/>
+          <a:chOff x="0" y="0"/>
+          <a:chExt cx="0" cy="0"/>
+        </a:xfrm>
+      </p:grpSpPr>
+      <p:sp>
+        <p:nvSpPr>
+          <p:cNvPr id="2" name="Titel 1">
+            <a:extLst>
+              <a:ext uri="{FF2B5EF4-FFF2-40B4-BE49-F238E27FC236}">
+                <a16:creationId xmlns:a16="http://schemas.microsoft.com/office/drawing/2014/main" id="{A6FD2E3F-BE66-4871-98C4-00113AC2BE47}"/>
+              </a:ext>
+            </a:extLst>
+          </p:cNvPr>
+          <p:cNvSpPr>
+            <a:spLocks noGrp="1"/>
+          </p:cNvSpPr>
+          <p:nvPr>
+            <p:ph type="title"/>
+          </p:nvPr>
+        </p:nvSpPr>
+        <p:spPr/>
+        <p:txBody>
+          <a:bodyPr/>
+          <a:lstStyle/>
+          <a:p>
+            <a:endParaRPr lang="de-DE" dirty="0"/>
+          </a:p>
+        </p:txBody>
+      </p:sp>
+      <p:sp>
+        <p:nvSpPr>
+          <p:cNvPr id="3" name="Inhaltsplatzhalter 2">
+            <a:extLst>
+              <a:ext uri="{FF2B5EF4-FFF2-40B4-BE49-F238E27FC236}">
+                <a16:creationId xmlns:a16="http://schemas.microsoft.com/office/drawing/2014/main" id="{805E8D1F-E313-4642-B69C-AE9D41ED91E5}"/>
+              </a:ext>
+            </a:extLst>
+          </p:cNvPr>
+          <p:cNvSpPr>
+            <a:spLocks noGrp="1"/>
+          </p:cNvSpPr>
+          <p:nvPr>
+            <p:ph idx="1"/>
+          </p:nvPr>
+        </p:nvSpPr>
+        <p:spPr/>
+        <p:txBody>
+          <a:bodyPr/>
+          <a:lstStyle/>
+          <a:p>
+            <a:endParaRPr lang="de-DE" dirty="0"/>
+          </a:p>
+        </p:txBody>
+      </p:sp>
+      <p:pic>
+        <p:nvPicPr>
+          <p:cNvPr id="5" name="Grafik 4">
+            <a:extLst>
+              <a:ext uri="{FF2B5EF4-FFF2-40B4-BE49-F238E27FC236}">
+                <a16:creationId xmlns:a16="http://schemas.microsoft.com/office/drawing/2014/main" id="{AB59F5A6-5E0A-4642-B33C-477618FE9AB2}"/>
+              </a:ext>
+            </a:extLst>
+          </p:cNvPr>
+          <p:cNvPicPr>
+            <a:picLocks noChangeAspect="1"/>
+          </p:cNvPicPr>
+          <p:nvPr/>
+        </p:nvPicPr>
+        <p:blipFill rotWithShape="1">
+          <a:blip r:embed="rId2"/>
+          <a:srcRect b="81684"/>
+          <a:stretch/>
+        </p:blipFill>
+        <p:spPr>
+          <a:xfrm>
+            <a:off x="1265126" y="3013709"/>
+            <a:ext cx="9661745" cy="1325563"/>
+          </a:xfrm>
+          <a:prstGeom prst="rect">
+            <a:avLst/>
+          </a:prstGeom>
+          <a:ln w="38100">
+            <a:solidFill>
+              <a:srgbClr val="FF6123"/>
+            </a:solidFill>
+            <a:prstDash val="lgDash"/>
+          </a:ln>
+        </p:spPr>
+      </p:pic>
+      <p:sp>
+        <p:nvSpPr>
+          <p:cNvPr id="7" name="Titel 1">
+            <a:extLst>
+              <a:ext uri="{FF2B5EF4-FFF2-40B4-BE49-F238E27FC236}">
+                <a16:creationId xmlns:a16="http://schemas.microsoft.com/office/drawing/2014/main" id="{9640BD20-6644-44B3-B1A6-0DE5CD111FAC}"/>
+              </a:ext>
+            </a:extLst>
+          </p:cNvPr>
+          <p:cNvSpPr txBox="1">
+            <a:spLocks/>
+          </p:cNvSpPr>
+          <p:nvPr/>
+        </p:nvSpPr>
+        <p:spPr>
+          <a:xfrm>
+            <a:off x="1686559" y="432593"/>
+            <a:ext cx="8818880" cy="1325563"/>
+          </a:xfrm>
+          <a:prstGeom prst="rect">
+            <a:avLst/>
+          </a:prstGeom>
+        </p:spPr>
+        <p:txBody>
+          <a:bodyPr vert="horz" lIns="91440" tIns="45720" rIns="91440" bIns="45720" rtlCol="0" anchor="ctr">
+            <a:noAutofit/>
+          </a:bodyPr>
+          <a:lstStyle>
+            <a:lvl1pPr algn="l" defTabSz="914400" rtl="0" eaLnBrk="1" latinLnBrk="0" hangingPunct="1">
+              <a:lnSpc>
+                <a:spcPct val="90000"/>
+              </a:lnSpc>
+              <a:spcBef>
+                <a:spcPct val="0"/>
+              </a:spcBef>
+              <a:buNone/>
+              <a:defRPr sz="4400" kern="1200">
+                <a:solidFill>
+                  <a:schemeClr val="tx1"/>
+                </a:solidFill>
+                <a:latin typeface="+mj-lt"/>
+                <a:ea typeface="+mj-ea"/>
+                <a:cs typeface="+mj-cs"/>
+              </a:defRPr>
+            </a:lvl1pPr>
+          </a:lstStyle>
+          <a:p>
+            <a:pPr algn="ctr"/>
+            <a:r>
+              <a:rPr lang="de-DE" sz="6600" dirty="0" err="1">
+                <a:solidFill>
+                  <a:srgbClr val="FF6123"/>
+                </a:solidFill>
+                <a:effectLst>
+                  <a:outerShdw blurRad="38100" dist="38100" dir="2700000" algn="tl">
+                    <a:srgbClr val="000000">
+                      <a:alpha val="43137"/>
+                    </a:srgbClr>
+                  </a:outerShdw>
+                </a:effectLst>
+                <a:latin typeface="Orbitron ExtraBold" pitchFamily="2" charset="0"/>
+              </a:rPr>
+              <a:t>Warning</a:t>
+            </a:r>
+            <a:r>
+              <a:rPr lang="de-DE" sz="6600" dirty="0">
+                <a:solidFill>
+                  <a:srgbClr val="FF6123"/>
+                </a:solidFill>
+                <a:effectLst>
+                  <a:outerShdw blurRad="38100" dist="38100" dir="2700000" algn="tl">
+                    <a:srgbClr val="000000">
+                      <a:alpha val="43137"/>
+                    </a:srgbClr>
+                  </a:outerShdw>
+                </a:effectLst>
+                <a:latin typeface="Orbitron ExtraBold" pitchFamily="2" charset="0"/>
+              </a:rPr>
+              <a:t> </a:t>
+            </a:r>
+            <a:r>
+              <a:rPr lang="de-DE" sz="6600" dirty="0" err="1">
+                <a:solidFill>
+                  <a:srgbClr val="FF6123"/>
+                </a:solidFill>
+                <a:effectLst>
+                  <a:outerShdw blurRad="38100" dist="38100" dir="2700000" algn="tl">
+                    <a:srgbClr val="000000">
+                      <a:alpha val="43137"/>
+                    </a:srgbClr>
+                  </a:outerShdw>
+                </a:effectLst>
+                <a:latin typeface="Orbitron ExtraBold" pitchFamily="2" charset="0"/>
+              </a:rPr>
+              <a:t>pop-up</a:t>
+            </a:r>
+            <a:endParaRPr lang="de-DE" sz="5400" dirty="0">
+              <a:solidFill>
+                <a:srgbClr val="FF6123"/>
+              </a:solidFill>
+              <a:effectLst>
+                <a:outerShdw blurRad="38100" dist="38100" dir="2700000" algn="tl">
+                  <a:srgbClr val="000000">
+                    <a:alpha val="43137"/>
+                  </a:srgbClr>
+                </a:outerShdw>
+              </a:effectLst>
+              <a:latin typeface="Orbitron ExtraBold" pitchFamily="2" charset="0"/>
+            </a:endParaRPr>
+          </a:p>
+        </p:txBody>
+      </p:sp>
+    </p:spTree>
+    <p:extLst>
+      <p:ext uri="{BB962C8B-B14F-4D97-AF65-F5344CB8AC3E}">
+        <p14:creationId xmlns:p14="http://schemas.microsoft.com/office/powerpoint/2010/main" val="3865694166"/>
+      </p:ext>
+    </p:extLst>
+  </p:cSld>
+  <p:clrMapOvr>
+    <a:masterClrMapping/>
+  </p:clrMapOvr>
+  <mc:AlternateContent xmlns:mc="http://schemas.openxmlformats.org/markup-compatibility/2006">
+    <mc:Choice xmlns:p159="http://schemas.microsoft.com/office/powerpoint/2015/09/main" Requires="p159">
+      <p:transition xmlns:p14="http://schemas.microsoft.com/office/powerpoint/2010/main" spd="slow" p14:dur="2000">
+        <p159:morph option="byChar"/>
+      </p:transition>
+    </mc:Choice>
+    <mc:Fallback>
+      <p:transition spd="slow">
+        <p:fade/>
+      </p:transition>
+    </mc:Fallback>
+  </mc:AlternateContent>
+</p:sld>
+</file>
+
+<file path=ppt/slides/slide13.xml><?xml version="1.0" encoding="utf-8"?>
+<p:sld xmlns:a="http://schemas.openxmlformats.org/drawingml/2006/main" xmlns:r="http://schemas.openxmlformats.org/officeDocument/2006/relationships" xmlns:p="http://schemas.openxmlformats.org/presentationml/2006/main">
+  <p:cSld>
+    <p:spTree>
+      <p:nvGrpSpPr>
+        <p:cNvPr id="1" name=""/>
+        <p:cNvGrpSpPr/>
+        <p:nvPr/>
+      </p:nvGrpSpPr>
+      <p:grpSpPr>
+        <a:xfrm>
+          <a:off x="0" y="0"/>
+          <a:ext cx="0" cy="0"/>
+          <a:chOff x="0" y="0"/>
+          <a:chExt cx="0" cy="0"/>
+        </a:xfrm>
+      </p:grpSpPr>
+      <p:sp>
+        <p:nvSpPr>
+          <p:cNvPr id="2" name="Titel 1">
+            <a:extLst>
+              <a:ext uri="{FF2B5EF4-FFF2-40B4-BE49-F238E27FC236}">
+                <a16:creationId xmlns:a16="http://schemas.microsoft.com/office/drawing/2014/main" id="{A6FD2E3F-BE66-4871-98C4-00113AC2BE47}"/>
+              </a:ext>
+            </a:extLst>
+          </p:cNvPr>
+          <p:cNvSpPr>
+            <a:spLocks noGrp="1"/>
+          </p:cNvSpPr>
+          <p:nvPr>
+            <p:ph type="title"/>
+          </p:nvPr>
+        </p:nvSpPr>
+        <p:spPr/>
+        <p:txBody>
+          <a:bodyPr/>
+          <a:lstStyle/>
+          <a:p>
+            <a:endParaRPr lang="de-DE" dirty="0"/>
+          </a:p>
+        </p:txBody>
+      </p:sp>
+      <p:sp>
+        <p:nvSpPr>
+          <p:cNvPr id="3" name="Inhaltsplatzhalter 2">
+            <a:extLst>
+              <a:ext uri="{FF2B5EF4-FFF2-40B4-BE49-F238E27FC236}">
+                <a16:creationId xmlns:a16="http://schemas.microsoft.com/office/drawing/2014/main" id="{805E8D1F-E313-4642-B69C-AE9D41ED91E5}"/>
+              </a:ext>
+            </a:extLst>
+          </p:cNvPr>
+          <p:cNvSpPr>
+            <a:spLocks noGrp="1"/>
+          </p:cNvSpPr>
+          <p:nvPr>
+            <p:ph idx="1"/>
+          </p:nvPr>
+        </p:nvSpPr>
+        <p:spPr/>
+        <p:txBody>
+          <a:bodyPr/>
+          <a:lstStyle/>
+          <a:p>
+            <a:endParaRPr lang="de-DE" dirty="0"/>
+          </a:p>
+        </p:txBody>
+      </p:sp>
+      <p:pic>
+        <p:nvPicPr>
+          <p:cNvPr id="5" name="Grafik 4">
+            <a:extLst>
+              <a:ext uri="{FF2B5EF4-FFF2-40B4-BE49-F238E27FC236}">
+                <a16:creationId xmlns:a16="http://schemas.microsoft.com/office/drawing/2014/main" id="{AB59F5A6-5E0A-4642-B33C-477618FE9AB2}"/>
+              </a:ext>
+            </a:extLst>
+          </p:cNvPr>
+          <p:cNvPicPr>
+            <a:picLocks noChangeAspect="1"/>
+          </p:cNvPicPr>
+          <p:nvPr/>
+        </p:nvPicPr>
+        <p:blipFill rotWithShape="1">
+          <a:blip r:embed="rId2"/>
+          <a:srcRect t="18936" b="50880"/>
+          <a:stretch/>
+        </p:blipFill>
+        <p:spPr>
+          <a:xfrm>
+            <a:off x="983363" y="2768098"/>
+            <a:ext cx="10225272" cy="2311903"/>
+          </a:xfrm>
+          <a:prstGeom prst="rect">
+            <a:avLst/>
+          </a:prstGeom>
+          <a:ln w="38100">
+            <a:solidFill>
+              <a:srgbClr val="FF6123"/>
+            </a:solidFill>
+            <a:prstDash val="lgDash"/>
+          </a:ln>
+        </p:spPr>
+      </p:pic>
+      <p:sp>
+        <p:nvSpPr>
+          <p:cNvPr id="7" name="Titel 1">
+            <a:extLst>
+              <a:ext uri="{FF2B5EF4-FFF2-40B4-BE49-F238E27FC236}">
+                <a16:creationId xmlns:a16="http://schemas.microsoft.com/office/drawing/2014/main" id="{3EFABA68-D8F4-4EF9-91BB-7EFB4E5FFC9D}"/>
+              </a:ext>
+            </a:extLst>
+          </p:cNvPr>
+          <p:cNvSpPr txBox="1">
+            <a:spLocks/>
+          </p:cNvSpPr>
+          <p:nvPr/>
+        </p:nvSpPr>
+        <p:spPr>
+          <a:xfrm>
+            <a:off x="1686559" y="432593"/>
+            <a:ext cx="8818880" cy="1325563"/>
+          </a:xfrm>
+          <a:prstGeom prst="rect">
+            <a:avLst/>
+          </a:prstGeom>
+        </p:spPr>
+        <p:txBody>
+          <a:bodyPr vert="horz" lIns="91440" tIns="45720" rIns="91440" bIns="45720" rtlCol="0" anchor="ctr">
+            <a:noAutofit/>
+          </a:bodyPr>
+          <a:lstStyle>
+            <a:lvl1pPr algn="l" defTabSz="914400" rtl="0" eaLnBrk="1" latinLnBrk="0" hangingPunct="1">
+              <a:lnSpc>
+                <a:spcPct val="90000"/>
+              </a:lnSpc>
+              <a:spcBef>
+                <a:spcPct val="0"/>
+              </a:spcBef>
+              <a:buNone/>
+              <a:defRPr sz="4400" kern="1200">
+                <a:solidFill>
+                  <a:schemeClr val="tx1"/>
+                </a:solidFill>
+                <a:latin typeface="+mj-lt"/>
+                <a:ea typeface="+mj-ea"/>
+                <a:cs typeface="+mj-cs"/>
+              </a:defRPr>
+            </a:lvl1pPr>
+          </a:lstStyle>
+          <a:p>
+            <a:pPr algn="ctr"/>
+            <a:r>
+              <a:rPr lang="de-DE" sz="6600" dirty="0" err="1">
+                <a:solidFill>
+                  <a:srgbClr val="FF6123"/>
+                </a:solidFill>
+                <a:effectLst>
+                  <a:outerShdw blurRad="38100" dist="38100" dir="2700000" algn="tl">
+                    <a:srgbClr val="000000">
+                      <a:alpha val="43137"/>
+                    </a:srgbClr>
+                  </a:outerShdw>
+                </a:effectLst>
+                <a:latin typeface="Orbitron ExtraBold" pitchFamily="2" charset="0"/>
+              </a:rPr>
+              <a:t>Warning</a:t>
+            </a:r>
+            <a:r>
+              <a:rPr lang="de-DE" sz="6600" dirty="0">
+                <a:solidFill>
+                  <a:srgbClr val="FF6123"/>
+                </a:solidFill>
+                <a:effectLst>
+                  <a:outerShdw blurRad="38100" dist="38100" dir="2700000" algn="tl">
+                    <a:srgbClr val="000000">
+                      <a:alpha val="43137"/>
+                    </a:srgbClr>
+                  </a:outerShdw>
+                </a:effectLst>
+                <a:latin typeface="Orbitron ExtraBold" pitchFamily="2" charset="0"/>
+              </a:rPr>
+              <a:t> </a:t>
+            </a:r>
+            <a:r>
+              <a:rPr lang="de-DE" sz="6600" dirty="0" err="1">
+                <a:solidFill>
+                  <a:srgbClr val="FF6123"/>
+                </a:solidFill>
+                <a:effectLst>
+                  <a:outerShdw blurRad="38100" dist="38100" dir="2700000" algn="tl">
+                    <a:srgbClr val="000000">
+                      <a:alpha val="43137"/>
+                    </a:srgbClr>
+                  </a:outerShdw>
+                </a:effectLst>
+                <a:latin typeface="Orbitron ExtraBold" pitchFamily="2" charset="0"/>
+              </a:rPr>
+              <a:t>pop-up</a:t>
+            </a:r>
+            <a:endParaRPr lang="de-DE" sz="5400" dirty="0">
+              <a:solidFill>
+                <a:srgbClr val="FF6123"/>
+              </a:solidFill>
+              <a:effectLst>
+                <a:outerShdw blurRad="38100" dist="38100" dir="2700000" algn="tl">
+                  <a:srgbClr val="000000">
+                    <a:alpha val="43137"/>
+                  </a:srgbClr>
+                </a:outerShdw>
+              </a:effectLst>
+              <a:latin typeface="Orbitron ExtraBold" pitchFamily="2" charset="0"/>
+            </a:endParaRPr>
+          </a:p>
+        </p:txBody>
+      </p:sp>
+    </p:spTree>
+    <p:extLst>
+      <p:ext uri="{BB962C8B-B14F-4D97-AF65-F5344CB8AC3E}">
+        <p14:creationId xmlns:p14="http://schemas.microsoft.com/office/powerpoint/2010/main" val="766113663"/>
+      </p:ext>
+    </p:extLst>
+  </p:cSld>
+  <p:clrMapOvr>
+    <a:masterClrMapping/>
+  </p:clrMapOvr>
+  <mc:AlternateContent xmlns:mc="http://schemas.openxmlformats.org/markup-compatibility/2006">
+    <mc:Choice xmlns:p159="http://schemas.microsoft.com/office/powerpoint/2015/09/main" Requires="p159">
+      <p:transition xmlns:p14="http://schemas.microsoft.com/office/powerpoint/2010/main" spd="slow" p14:dur="2000">
+        <p159:morph option="byChar"/>
+      </p:transition>
+    </mc:Choice>
+    <mc:Fallback>
+      <p:transition spd="slow">
+        <p:fade/>
+      </p:transition>
+    </mc:Fallback>
+  </mc:AlternateContent>
+</p:sld>
+</file>
+
+<file path=ppt/slides/slide14.xml><?xml version="1.0" encoding="utf-8"?>
+<p:sld xmlns:a="http://schemas.openxmlformats.org/drawingml/2006/main" xmlns:r="http://schemas.openxmlformats.org/officeDocument/2006/relationships" xmlns:p="http://schemas.openxmlformats.org/presentationml/2006/main">
+  <p:cSld>
+    <p:spTree>
+      <p:nvGrpSpPr>
+        <p:cNvPr id="1" name=""/>
+        <p:cNvGrpSpPr/>
+        <p:nvPr/>
+      </p:nvGrpSpPr>
+      <p:grpSpPr>
+        <a:xfrm>
+          <a:off x="0" y="0"/>
+          <a:ext cx="0" cy="0"/>
+          <a:chOff x="0" y="0"/>
+          <a:chExt cx="0" cy="0"/>
+        </a:xfrm>
+      </p:grpSpPr>
+      <p:sp>
+        <p:nvSpPr>
+          <p:cNvPr id="2" name="Titel 1">
+            <a:extLst>
+              <a:ext uri="{FF2B5EF4-FFF2-40B4-BE49-F238E27FC236}">
+                <a16:creationId xmlns:a16="http://schemas.microsoft.com/office/drawing/2014/main" id="{A6FD2E3F-BE66-4871-98C4-00113AC2BE47}"/>
+              </a:ext>
+            </a:extLst>
+          </p:cNvPr>
+          <p:cNvSpPr>
+            <a:spLocks noGrp="1"/>
+          </p:cNvSpPr>
+          <p:nvPr>
+            <p:ph type="title"/>
+          </p:nvPr>
+        </p:nvSpPr>
+        <p:spPr/>
+        <p:txBody>
+          <a:bodyPr/>
+          <a:lstStyle/>
+          <a:p>
+            <a:endParaRPr lang="de-DE" dirty="0"/>
+          </a:p>
+        </p:txBody>
+      </p:sp>
+      <p:sp>
+        <p:nvSpPr>
+          <p:cNvPr id="3" name="Inhaltsplatzhalter 2">
+            <a:extLst>
+              <a:ext uri="{FF2B5EF4-FFF2-40B4-BE49-F238E27FC236}">
+                <a16:creationId xmlns:a16="http://schemas.microsoft.com/office/drawing/2014/main" id="{805E8D1F-E313-4642-B69C-AE9D41ED91E5}"/>
+              </a:ext>
+            </a:extLst>
+          </p:cNvPr>
+          <p:cNvSpPr>
+            <a:spLocks noGrp="1"/>
+          </p:cNvSpPr>
+          <p:nvPr>
+            <p:ph idx="1"/>
+          </p:nvPr>
+        </p:nvSpPr>
+        <p:spPr/>
+        <p:txBody>
+          <a:bodyPr/>
+          <a:lstStyle/>
+          <a:p>
+            <a:endParaRPr lang="de-DE"/>
+          </a:p>
+        </p:txBody>
+      </p:sp>
+      <p:pic>
+        <p:nvPicPr>
+          <p:cNvPr id="5" name="Grafik 4">
+            <a:extLst>
+              <a:ext uri="{FF2B5EF4-FFF2-40B4-BE49-F238E27FC236}">
+                <a16:creationId xmlns:a16="http://schemas.microsoft.com/office/drawing/2014/main" id="{AB59F5A6-5E0A-4642-B33C-477618FE9AB2}"/>
+              </a:ext>
+            </a:extLst>
+          </p:cNvPr>
+          <p:cNvPicPr>
+            <a:picLocks noChangeAspect="1"/>
+          </p:cNvPicPr>
+          <p:nvPr/>
+        </p:nvPicPr>
+        <p:blipFill rotWithShape="1">
+          <a:blip r:embed="rId2"/>
+          <a:srcRect t="48913" b="2285"/>
+          <a:stretch/>
+        </p:blipFill>
+        <p:spPr>
+          <a:xfrm>
+            <a:off x="1207362" y="2214162"/>
+            <a:ext cx="9777273" cy="3574264"/>
+          </a:xfrm>
+          <a:prstGeom prst="rect">
+            <a:avLst/>
+          </a:prstGeom>
+          <a:ln w="38100">
+            <a:solidFill>
+              <a:srgbClr val="FF6123"/>
+            </a:solidFill>
+            <a:prstDash val="lgDash"/>
+          </a:ln>
+        </p:spPr>
+      </p:pic>
+      <p:sp>
+        <p:nvSpPr>
+          <p:cNvPr id="7" name="Titel 1">
+            <a:extLst>
+              <a:ext uri="{FF2B5EF4-FFF2-40B4-BE49-F238E27FC236}">
+                <a16:creationId xmlns:a16="http://schemas.microsoft.com/office/drawing/2014/main" id="{C43742F2-AD42-4564-95D6-581447AAEE0B}"/>
+              </a:ext>
+            </a:extLst>
+          </p:cNvPr>
+          <p:cNvSpPr txBox="1">
+            <a:spLocks/>
+          </p:cNvSpPr>
+          <p:nvPr/>
+        </p:nvSpPr>
+        <p:spPr>
+          <a:xfrm>
+            <a:off x="1686559" y="432593"/>
+            <a:ext cx="8818880" cy="1325563"/>
+          </a:xfrm>
+          <a:prstGeom prst="rect">
+            <a:avLst/>
+          </a:prstGeom>
+        </p:spPr>
+        <p:txBody>
+          <a:bodyPr vert="horz" lIns="91440" tIns="45720" rIns="91440" bIns="45720" rtlCol="0" anchor="ctr">
+            <a:noAutofit/>
+          </a:bodyPr>
+          <a:lstStyle>
+            <a:lvl1pPr algn="l" defTabSz="914400" rtl="0" eaLnBrk="1" latinLnBrk="0" hangingPunct="1">
+              <a:lnSpc>
+                <a:spcPct val="90000"/>
+              </a:lnSpc>
+              <a:spcBef>
+                <a:spcPct val="0"/>
+              </a:spcBef>
+              <a:buNone/>
+              <a:defRPr sz="4400" kern="1200">
+                <a:solidFill>
+                  <a:schemeClr val="tx1"/>
+                </a:solidFill>
+                <a:latin typeface="+mj-lt"/>
+                <a:ea typeface="+mj-ea"/>
+                <a:cs typeface="+mj-cs"/>
+              </a:defRPr>
+            </a:lvl1pPr>
+          </a:lstStyle>
+          <a:p>
+            <a:pPr algn="ctr"/>
+            <a:r>
+              <a:rPr lang="de-DE" sz="6600" dirty="0" err="1">
+                <a:solidFill>
+                  <a:srgbClr val="FF6123"/>
+                </a:solidFill>
+                <a:effectLst>
+                  <a:outerShdw blurRad="38100" dist="38100" dir="2700000" algn="tl">
+                    <a:srgbClr val="000000">
+                      <a:alpha val="43137"/>
+                    </a:srgbClr>
+                  </a:outerShdw>
+                </a:effectLst>
+                <a:latin typeface="Orbitron ExtraBold" pitchFamily="2" charset="0"/>
+              </a:rPr>
+              <a:t>Warning</a:t>
+            </a:r>
+            <a:r>
+              <a:rPr lang="de-DE" sz="6600" dirty="0">
+                <a:solidFill>
+                  <a:srgbClr val="FF6123"/>
+                </a:solidFill>
+                <a:effectLst>
+                  <a:outerShdw blurRad="38100" dist="38100" dir="2700000" algn="tl">
+                    <a:srgbClr val="000000">
+                      <a:alpha val="43137"/>
+                    </a:srgbClr>
+                  </a:outerShdw>
+                </a:effectLst>
+                <a:latin typeface="Orbitron ExtraBold" pitchFamily="2" charset="0"/>
+              </a:rPr>
+              <a:t> </a:t>
+            </a:r>
+            <a:r>
+              <a:rPr lang="de-DE" sz="6600" dirty="0" err="1">
+                <a:solidFill>
+                  <a:srgbClr val="FF6123"/>
+                </a:solidFill>
+                <a:effectLst>
+                  <a:outerShdw blurRad="38100" dist="38100" dir="2700000" algn="tl">
+                    <a:srgbClr val="000000">
+                      <a:alpha val="43137"/>
+                    </a:srgbClr>
+                  </a:outerShdw>
+                </a:effectLst>
+                <a:latin typeface="Orbitron ExtraBold" pitchFamily="2" charset="0"/>
+              </a:rPr>
+              <a:t>pop-up</a:t>
+            </a:r>
+            <a:endParaRPr lang="de-DE" sz="5400" dirty="0">
+              <a:solidFill>
+                <a:srgbClr val="FF6123"/>
+              </a:solidFill>
+              <a:effectLst>
+                <a:outerShdw blurRad="38100" dist="38100" dir="2700000" algn="tl">
+                  <a:srgbClr val="000000">
+                    <a:alpha val="43137"/>
+                  </a:srgbClr>
+                </a:outerShdw>
+              </a:effectLst>
+              <a:latin typeface="Orbitron ExtraBold" pitchFamily="2" charset="0"/>
+            </a:endParaRPr>
+          </a:p>
+        </p:txBody>
+      </p:sp>
+    </p:spTree>
+    <p:extLst>
+      <p:ext uri="{BB962C8B-B14F-4D97-AF65-F5344CB8AC3E}">
+        <p14:creationId xmlns:p14="http://schemas.microsoft.com/office/powerpoint/2010/main" val="4013685498"/>
+      </p:ext>
+    </p:extLst>
+  </p:cSld>
+  <p:clrMapOvr>
+    <a:masterClrMapping/>
+  </p:clrMapOvr>
+  <mc:AlternateContent xmlns:mc="http://schemas.openxmlformats.org/markup-compatibility/2006">
+    <mc:Choice xmlns:p159="http://schemas.microsoft.com/office/powerpoint/2015/09/main" Requires="p159">
+      <p:transition xmlns:p14="http://schemas.microsoft.com/office/powerpoint/2010/main" spd="slow" p14:dur="2000">
+        <p159:morph option="byChar"/>
+      </p:transition>
+    </mc:Choice>
+    <mc:Fallback>
+      <p:transition spd="slow">
+        <p:fade/>
+      </p:transition>
+    </mc:Fallback>
+  </mc:AlternateContent>
+</p:sld>
+</file>
+
+<file path=ppt/slides/slide15.xml><?xml version="1.0" encoding="utf-8"?>
+<p:sld xmlns:a="http://schemas.openxmlformats.org/drawingml/2006/main" xmlns:r="http://schemas.openxmlformats.org/officeDocument/2006/relationships" xmlns:p="http://schemas.openxmlformats.org/presentationml/2006/main">
+  <p:cSld>
+    <p:spTree>
+      <p:nvGrpSpPr>
+        <p:cNvPr id="1" name=""/>
+        <p:cNvGrpSpPr/>
+        <p:nvPr/>
+      </p:nvGrpSpPr>
+      <p:grpSpPr>
+        <a:xfrm>
+          <a:off x="0" y="0"/>
+          <a:ext cx="0" cy="0"/>
+          <a:chOff x="0" y="0"/>
+          <a:chExt cx="0" cy="0"/>
+        </a:xfrm>
+      </p:grpSpPr>
+      <p:sp>
+        <p:nvSpPr>
+          <p:cNvPr id="7" name="Rechteck 6">
+            <a:extLst>
+              <a:ext uri="{FF2B5EF4-FFF2-40B4-BE49-F238E27FC236}">
+                <a16:creationId xmlns:a16="http://schemas.microsoft.com/office/drawing/2014/main" id="{2D272E10-B27C-4DD7-A0DE-E317787F18CC}"/>
+              </a:ext>
+            </a:extLst>
+          </p:cNvPr>
+          <p:cNvSpPr/>
+          <p:nvPr/>
+        </p:nvSpPr>
+        <p:spPr>
+          <a:xfrm>
+            <a:off x="101600" y="136524"/>
+            <a:ext cx="12009120" cy="6584951"/>
+          </a:xfrm>
+          <a:prstGeom prst="rect">
+            <a:avLst/>
+          </a:prstGeom>
+          <a:gradFill flip="none" rotWithShape="1">
+            <a:gsLst>
+              <a:gs pos="0">
+                <a:srgbClr val="000000">
+                  <a:alpha val="49804"/>
+                </a:srgbClr>
+              </a:gs>
+              <a:gs pos="69000">
+                <a:srgbClr val="000000">
+                  <a:alpha val="49804"/>
+                </a:srgbClr>
+              </a:gs>
+              <a:gs pos="100000">
+                <a:schemeClr val="bg2">
+                  <a:lumMod val="25000"/>
+                  <a:alpha val="79000"/>
+                </a:schemeClr>
+              </a:gs>
+            </a:gsLst>
+            <a:lin ang="16200000" scaled="1"/>
+            <a:tileRect/>
+          </a:gradFill>
+          <a:ln>
+            <a:noFill/>
+          </a:ln>
+        </p:spPr>
+        <p:style>
+          <a:lnRef idx="2">
+            <a:schemeClr val="accent1">
+              <a:shade val="50000"/>
+            </a:schemeClr>
+          </a:lnRef>
+          <a:fillRef idx="1">
+            <a:schemeClr val="accent1"/>
+          </a:fillRef>
+          <a:effectRef idx="0">
+            <a:schemeClr val="accent1"/>
+          </a:effectRef>
+          <a:fontRef idx="minor">
+            <a:schemeClr val="lt1"/>
+          </a:fontRef>
+        </p:style>
+        <p:txBody>
+          <a:bodyPr rtlCol="0" anchor="ctr"/>
+          <a:lstStyle/>
+          <a:p>
+            <a:pPr algn="ctr"/>
+            <a:endParaRPr lang="de-DE"/>
+          </a:p>
+        </p:txBody>
+      </p:sp>
+      <p:sp>
+        <p:nvSpPr>
+          <p:cNvPr id="2" name="Titel 1">
+            <a:extLst>
+              <a:ext uri="{FF2B5EF4-FFF2-40B4-BE49-F238E27FC236}">
+                <a16:creationId xmlns:a16="http://schemas.microsoft.com/office/drawing/2014/main" id="{DA241FC3-98CD-42EC-8A10-0655B7BE4479}"/>
+              </a:ext>
+            </a:extLst>
+          </p:cNvPr>
+          <p:cNvSpPr>
+            <a:spLocks noGrp="1"/>
+          </p:cNvSpPr>
+          <p:nvPr>
+            <p:ph type="title"/>
+          </p:nvPr>
+        </p:nvSpPr>
+        <p:spPr/>
+        <p:txBody>
+          <a:bodyPr/>
+          <a:lstStyle/>
+          <a:p>
+            <a:endParaRPr lang="de-DE" dirty="0"/>
+          </a:p>
+        </p:txBody>
+      </p:sp>
+      <p:sp>
+        <p:nvSpPr>
+          <p:cNvPr id="3" name="Inhaltsplatzhalter 2">
+            <a:extLst>
+              <a:ext uri="{FF2B5EF4-FFF2-40B4-BE49-F238E27FC236}">
+                <a16:creationId xmlns:a16="http://schemas.microsoft.com/office/drawing/2014/main" id="{BA68D622-4682-49EA-A6E7-28683F2D3F79}"/>
+              </a:ext>
+            </a:extLst>
+          </p:cNvPr>
+          <p:cNvSpPr>
+            <a:spLocks noGrp="1"/>
+          </p:cNvSpPr>
+          <p:nvPr>
+            <p:ph idx="1"/>
+          </p:nvPr>
+        </p:nvSpPr>
+        <p:spPr/>
+        <p:txBody>
+          <a:bodyPr/>
+          <a:lstStyle/>
+          <a:p>
+            <a:endParaRPr lang="de-DE" dirty="0"/>
+          </a:p>
+        </p:txBody>
+      </p:sp>
+      <p:sp>
+        <p:nvSpPr>
+          <p:cNvPr id="5" name="Titel 1">
+            <a:extLst>
+              <a:ext uri="{FF2B5EF4-FFF2-40B4-BE49-F238E27FC236}">
+                <a16:creationId xmlns:a16="http://schemas.microsoft.com/office/drawing/2014/main" id="{AC81A8B5-2A36-45A4-BB9E-A95FF135AAE7}"/>
+              </a:ext>
+            </a:extLst>
+          </p:cNvPr>
+          <p:cNvSpPr txBox="1">
+            <a:spLocks/>
+          </p:cNvSpPr>
+          <p:nvPr/>
+        </p:nvSpPr>
+        <p:spPr>
+          <a:xfrm>
+            <a:off x="1686559" y="432593"/>
+            <a:ext cx="8818880" cy="1325563"/>
+          </a:xfrm>
+          <a:prstGeom prst="rect">
+            <a:avLst/>
+          </a:prstGeom>
+        </p:spPr>
+        <p:txBody>
+          <a:bodyPr vert="horz" lIns="91440" tIns="45720" rIns="91440" bIns="45720" rtlCol="0" anchor="ctr">
+            <a:noAutofit/>
+          </a:bodyPr>
+          <a:lstStyle>
+            <a:lvl1pPr algn="l" defTabSz="914400" rtl="0" eaLnBrk="1" latinLnBrk="0" hangingPunct="1">
+              <a:lnSpc>
+                <a:spcPct val="90000"/>
+              </a:lnSpc>
+              <a:spcBef>
+                <a:spcPct val="0"/>
+              </a:spcBef>
+              <a:buNone/>
+              <a:defRPr sz="4400" kern="1200">
+                <a:solidFill>
+                  <a:schemeClr val="tx1"/>
+                </a:solidFill>
+                <a:latin typeface="+mj-lt"/>
+                <a:ea typeface="+mj-ea"/>
+                <a:cs typeface="+mj-cs"/>
+              </a:defRPr>
+            </a:lvl1pPr>
+          </a:lstStyle>
+          <a:p>
+            <a:pPr algn="ctr"/>
+            <a:r>
+              <a:rPr lang="de-DE" sz="8000" dirty="0">
+                <a:solidFill>
+                  <a:srgbClr val="FF6123"/>
+                </a:solidFill>
+                <a:effectLst>
+                  <a:outerShdw blurRad="38100" dist="38100" dir="2700000" algn="tl">
+                    <a:srgbClr val="000000">
+                      <a:alpha val="43137"/>
+                    </a:srgbClr>
+                  </a:outerShdw>
+                </a:effectLst>
+                <a:latin typeface="Orbitron ExtraBold" pitchFamily="2" charset="0"/>
+              </a:rPr>
+              <a:t>Dark </a:t>
+            </a:r>
+            <a:r>
+              <a:rPr lang="de-DE" sz="8000" dirty="0" err="1">
+                <a:solidFill>
+                  <a:srgbClr val="FF6123"/>
+                </a:solidFill>
+                <a:effectLst>
+                  <a:outerShdw blurRad="38100" dist="38100" dir="2700000" algn="tl">
+                    <a:srgbClr val="000000">
+                      <a:alpha val="43137"/>
+                    </a:srgbClr>
+                  </a:outerShdw>
+                </a:effectLst>
+                <a:latin typeface="Orbitron ExtraBold" pitchFamily="2" charset="0"/>
+              </a:rPr>
+              <a:t>mode</a:t>
+            </a:r>
+            <a:endParaRPr lang="de-DE" sz="6600" dirty="0">
+              <a:solidFill>
+                <a:srgbClr val="FF6123"/>
+              </a:solidFill>
+              <a:effectLst>
+                <a:outerShdw blurRad="38100" dist="38100" dir="2700000" algn="tl">
+                  <a:srgbClr val="000000">
+                    <a:alpha val="43137"/>
+                  </a:srgbClr>
+                </a:outerShdw>
+              </a:effectLst>
+              <a:latin typeface="Orbitron ExtraBold" pitchFamily="2" charset="0"/>
+            </a:endParaRPr>
+          </a:p>
+        </p:txBody>
+      </p:sp>
+      <p:pic>
+        <p:nvPicPr>
+          <p:cNvPr id="4" name="Grafik 3">
+            <a:extLst>
+              <a:ext uri="{FF2B5EF4-FFF2-40B4-BE49-F238E27FC236}">
+                <a16:creationId xmlns:a16="http://schemas.microsoft.com/office/drawing/2014/main" id="{E7CD082C-73F1-47DF-B36B-0B04B1600238}"/>
+              </a:ext>
+            </a:extLst>
+          </p:cNvPr>
+          <p:cNvPicPr>
+            <a:picLocks noChangeAspect="1"/>
+          </p:cNvPicPr>
+          <p:nvPr/>
+        </p:nvPicPr>
+        <p:blipFill>
+          <a:blip r:embed="rId2"/>
+          <a:stretch>
+            <a:fillRect/>
+          </a:stretch>
+        </p:blipFill>
+        <p:spPr>
+          <a:xfrm>
+            <a:off x="4007631" y="1713847"/>
+            <a:ext cx="4176736" cy="4743468"/>
+          </a:xfrm>
+          <a:prstGeom prst="rect">
+            <a:avLst/>
+          </a:prstGeom>
+          <a:ln w="38100">
+            <a:solidFill>
+              <a:schemeClr val="bg1"/>
+            </a:solidFill>
+            <a:prstDash val="lgDash"/>
+          </a:ln>
+        </p:spPr>
+      </p:pic>
+      <p:pic>
+        <p:nvPicPr>
+          <p:cNvPr id="8" name="Grafik 7">
+            <a:extLst>
+              <a:ext uri="{FF2B5EF4-FFF2-40B4-BE49-F238E27FC236}">
+                <a16:creationId xmlns:a16="http://schemas.microsoft.com/office/drawing/2014/main" id="{608240FE-31DF-4161-A151-126B63F23EE3}"/>
+              </a:ext>
+            </a:extLst>
+          </p:cNvPr>
+          <p:cNvPicPr>
+            <a:picLocks noChangeAspect="1"/>
+          </p:cNvPicPr>
+          <p:nvPr/>
+        </p:nvPicPr>
+        <p:blipFill>
+          <a:blip r:embed="rId3">
+            <a:extLst>
+              <a:ext uri="{28A0092B-C50C-407E-A947-70E740481C1C}">
+                <a14:useLocalDpi xmlns:a14="http://schemas.microsoft.com/office/drawing/2010/main" val="0"/>
+              </a:ext>
+            </a:extLst>
+          </a:blip>
+          <a:stretch>
+            <a:fillRect/>
+          </a:stretch>
+        </p:blipFill>
+        <p:spPr>
+          <a:xfrm>
+            <a:off x="590428" y="560763"/>
+            <a:ext cx="930217" cy="930217"/>
+          </a:xfrm>
+          <a:prstGeom prst="rect">
+            <a:avLst/>
+          </a:prstGeom>
+        </p:spPr>
+      </p:pic>
+    </p:spTree>
+    <p:extLst>
+      <p:ext uri="{BB962C8B-B14F-4D97-AF65-F5344CB8AC3E}">
+        <p14:creationId xmlns:p14="http://schemas.microsoft.com/office/powerpoint/2010/main" val="671146192"/>
+      </p:ext>
+    </p:extLst>
+  </p:cSld>
+  <p:clrMapOvr>
+    <a:masterClrMapping/>
+  </p:clrMapOvr>
+  <mc:AlternateContent xmlns:mc="http://schemas.openxmlformats.org/markup-compatibility/2006">
+    <mc:Choice xmlns:p159="http://schemas.microsoft.com/office/powerpoint/2015/09/main" Requires="p159">
+      <p:transition xmlns:p14="http://schemas.microsoft.com/office/powerpoint/2010/main" spd="slow" p14:dur="2000">
+        <p159:morph option="byChar"/>
+      </p:transition>
+    </mc:Choice>
+    <mc:Fallback>
+      <p:transition spd="slow">
+        <p:fade/>
+      </p:transition>
+    </mc:Fallback>
+  </mc:AlternateContent>
+</p:sld>
+</file>
+
+<file path=ppt/slides/slide16.xml><?xml version="1.0" encoding="utf-8"?>
+<p:sld xmlns:a="http://schemas.openxmlformats.org/drawingml/2006/main" xmlns:r="http://schemas.openxmlformats.org/officeDocument/2006/relationships" xmlns:p="http://schemas.openxmlformats.org/presentationml/2006/main">
+  <p:cSld>
+    <p:spTree>
+      <p:nvGrpSpPr>
+        <p:cNvPr id="1" name=""/>
+        <p:cNvGrpSpPr/>
+        <p:nvPr/>
+      </p:nvGrpSpPr>
+      <p:grpSpPr>
+        <a:xfrm>
+          <a:off x="0" y="0"/>
+          <a:ext cx="0" cy="0"/>
+          <a:chOff x="0" y="0"/>
+          <a:chExt cx="0" cy="0"/>
+        </a:xfrm>
+      </p:grpSpPr>
+      <p:sp>
+        <p:nvSpPr>
+          <p:cNvPr id="9" name="Rechteck 8">
+            <a:extLst>
+              <a:ext uri="{FF2B5EF4-FFF2-40B4-BE49-F238E27FC236}">
+                <a16:creationId xmlns:a16="http://schemas.microsoft.com/office/drawing/2014/main" id="{2E343AD2-282B-4291-B9DC-DFB1B363B681}"/>
+              </a:ext>
+            </a:extLst>
+          </p:cNvPr>
+          <p:cNvSpPr/>
+          <p:nvPr/>
+        </p:nvSpPr>
+        <p:spPr>
+          <a:xfrm>
+            <a:off x="101600" y="136524"/>
+            <a:ext cx="12009120" cy="6584951"/>
+          </a:xfrm>
+          <a:prstGeom prst="rect">
+            <a:avLst/>
+          </a:prstGeom>
+          <a:gradFill flip="none" rotWithShape="1">
+            <a:gsLst>
+              <a:gs pos="0">
+                <a:srgbClr val="000000">
+                  <a:alpha val="49804"/>
+                </a:srgbClr>
+              </a:gs>
+              <a:gs pos="69000">
+                <a:srgbClr val="000000">
+                  <a:alpha val="49804"/>
+                </a:srgbClr>
+              </a:gs>
+              <a:gs pos="100000">
+                <a:schemeClr val="bg2">
+                  <a:lumMod val="25000"/>
+                  <a:alpha val="79000"/>
+                </a:schemeClr>
+              </a:gs>
+            </a:gsLst>
+            <a:lin ang="16200000" scaled="1"/>
+            <a:tileRect/>
+          </a:gradFill>
+          <a:ln>
+            <a:noFill/>
+          </a:ln>
+        </p:spPr>
+        <p:style>
+          <a:lnRef idx="2">
+            <a:schemeClr val="accent1">
+              <a:shade val="50000"/>
+            </a:schemeClr>
+          </a:lnRef>
+          <a:fillRef idx="1">
+            <a:schemeClr val="accent1"/>
+          </a:fillRef>
+          <a:effectRef idx="0">
+            <a:schemeClr val="accent1"/>
+          </a:effectRef>
+          <a:fontRef idx="minor">
+            <a:schemeClr val="lt1"/>
+          </a:fontRef>
+        </p:style>
+        <p:txBody>
+          <a:bodyPr rtlCol="0" anchor="ctr"/>
+          <a:lstStyle/>
+          <a:p>
+            <a:pPr algn="ctr"/>
+            <a:endParaRPr lang="de-DE"/>
+          </a:p>
+        </p:txBody>
+      </p:sp>
+      <p:sp>
+        <p:nvSpPr>
+          <p:cNvPr id="2" name="Titel 1">
+            <a:extLst>
+              <a:ext uri="{FF2B5EF4-FFF2-40B4-BE49-F238E27FC236}">
+                <a16:creationId xmlns:a16="http://schemas.microsoft.com/office/drawing/2014/main" id="{DA241FC3-98CD-42EC-8A10-0655B7BE4479}"/>
+              </a:ext>
+            </a:extLst>
+          </p:cNvPr>
+          <p:cNvSpPr>
+            <a:spLocks noGrp="1"/>
+          </p:cNvSpPr>
+          <p:nvPr>
+            <p:ph type="title"/>
+          </p:nvPr>
+        </p:nvSpPr>
+        <p:spPr/>
+        <p:txBody>
+          <a:bodyPr/>
+          <a:lstStyle/>
+          <a:p>
+            <a:endParaRPr lang="de-DE" dirty="0"/>
+          </a:p>
+        </p:txBody>
+      </p:sp>
+      <p:sp>
+        <p:nvSpPr>
+          <p:cNvPr id="3" name="Inhaltsplatzhalter 2">
+            <a:extLst>
+              <a:ext uri="{FF2B5EF4-FFF2-40B4-BE49-F238E27FC236}">
+                <a16:creationId xmlns:a16="http://schemas.microsoft.com/office/drawing/2014/main" id="{BA68D622-4682-49EA-A6E7-28683F2D3F79}"/>
+              </a:ext>
+            </a:extLst>
+          </p:cNvPr>
+          <p:cNvSpPr>
+            <a:spLocks noGrp="1"/>
+          </p:cNvSpPr>
+          <p:nvPr>
+            <p:ph idx="1"/>
+          </p:nvPr>
+        </p:nvSpPr>
+        <p:spPr/>
+        <p:txBody>
+          <a:bodyPr/>
+          <a:lstStyle/>
+          <a:p>
+            <a:endParaRPr lang="de-DE" dirty="0"/>
+          </a:p>
+        </p:txBody>
+      </p:sp>
+      <p:pic>
+        <p:nvPicPr>
+          <p:cNvPr id="4" name="Grafik 3">
+            <a:extLst>
+              <a:ext uri="{FF2B5EF4-FFF2-40B4-BE49-F238E27FC236}">
+                <a16:creationId xmlns:a16="http://schemas.microsoft.com/office/drawing/2014/main" id="{E7CD082C-73F1-47DF-B36B-0B04B1600238}"/>
+              </a:ext>
+            </a:extLst>
+          </p:cNvPr>
+          <p:cNvPicPr>
+            <a:picLocks noChangeAspect="1"/>
+          </p:cNvPicPr>
+          <p:nvPr/>
+        </p:nvPicPr>
+        <p:blipFill rotWithShape="1">
+          <a:blip r:embed="rId2"/>
+          <a:srcRect b="65877"/>
+          <a:stretch/>
+        </p:blipFill>
+        <p:spPr>
+          <a:xfrm>
+            <a:off x="2118795" y="2220905"/>
+            <a:ext cx="7954408" cy="3082615"/>
+          </a:xfrm>
+          <a:prstGeom prst="rect">
+            <a:avLst/>
+          </a:prstGeom>
+          <a:ln w="38100">
+            <a:solidFill>
+              <a:schemeClr val="bg1"/>
+            </a:solidFill>
+            <a:prstDash val="lgDash"/>
+          </a:ln>
+        </p:spPr>
+      </p:pic>
+      <p:sp>
+        <p:nvSpPr>
+          <p:cNvPr id="6" name="Titel 1">
+            <a:extLst>
+              <a:ext uri="{FF2B5EF4-FFF2-40B4-BE49-F238E27FC236}">
+                <a16:creationId xmlns:a16="http://schemas.microsoft.com/office/drawing/2014/main" id="{CE22B6C2-FA94-46CA-801C-87713B361404}"/>
+              </a:ext>
+            </a:extLst>
+          </p:cNvPr>
+          <p:cNvSpPr txBox="1">
+            <a:spLocks/>
+          </p:cNvSpPr>
+          <p:nvPr/>
+        </p:nvSpPr>
+        <p:spPr>
+          <a:xfrm>
+            <a:off x="1686559" y="432593"/>
+            <a:ext cx="8818880" cy="1325563"/>
+          </a:xfrm>
+          <a:prstGeom prst="rect">
+            <a:avLst/>
+          </a:prstGeom>
+        </p:spPr>
+        <p:txBody>
+          <a:bodyPr vert="horz" lIns="91440" tIns="45720" rIns="91440" bIns="45720" rtlCol="0" anchor="ctr">
+            <a:noAutofit/>
+          </a:bodyPr>
+          <a:lstStyle>
+            <a:lvl1pPr algn="l" defTabSz="914400" rtl="0" eaLnBrk="1" latinLnBrk="0" hangingPunct="1">
+              <a:lnSpc>
+                <a:spcPct val="90000"/>
+              </a:lnSpc>
+              <a:spcBef>
+                <a:spcPct val="0"/>
+              </a:spcBef>
+              <a:buNone/>
+              <a:defRPr sz="4400" kern="1200">
+                <a:solidFill>
+                  <a:schemeClr val="tx1"/>
+                </a:solidFill>
+                <a:latin typeface="+mj-lt"/>
+                <a:ea typeface="+mj-ea"/>
+                <a:cs typeface="+mj-cs"/>
+              </a:defRPr>
+            </a:lvl1pPr>
+          </a:lstStyle>
+          <a:p>
+            <a:pPr algn="ctr"/>
+            <a:r>
+              <a:rPr lang="de-DE" sz="8000" dirty="0">
+                <a:solidFill>
+                  <a:srgbClr val="FF6123"/>
+                </a:solidFill>
+                <a:effectLst>
+                  <a:outerShdw blurRad="38100" dist="38100" dir="2700000" algn="tl">
+                    <a:srgbClr val="000000">
+                      <a:alpha val="43137"/>
+                    </a:srgbClr>
+                  </a:outerShdw>
+                </a:effectLst>
+                <a:latin typeface="Orbitron ExtraBold" pitchFamily="2" charset="0"/>
+              </a:rPr>
+              <a:t>Dark </a:t>
+            </a:r>
+            <a:r>
+              <a:rPr lang="de-DE" sz="8000" dirty="0" err="1">
+                <a:solidFill>
+                  <a:srgbClr val="FF6123"/>
+                </a:solidFill>
+                <a:effectLst>
+                  <a:outerShdw blurRad="38100" dist="38100" dir="2700000" algn="tl">
+                    <a:srgbClr val="000000">
+                      <a:alpha val="43137"/>
+                    </a:srgbClr>
+                  </a:outerShdw>
+                </a:effectLst>
+                <a:latin typeface="Orbitron ExtraBold" pitchFamily="2" charset="0"/>
+              </a:rPr>
+              <a:t>mode</a:t>
+            </a:r>
+            <a:endParaRPr lang="de-DE" sz="6600" dirty="0">
+              <a:solidFill>
+                <a:srgbClr val="FF6123"/>
+              </a:solidFill>
+              <a:effectLst>
+                <a:outerShdw blurRad="38100" dist="38100" dir="2700000" algn="tl">
+                  <a:srgbClr val="000000">
+                    <a:alpha val="43137"/>
+                  </a:srgbClr>
+                </a:outerShdw>
+              </a:effectLst>
+              <a:latin typeface="Orbitron ExtraBold" pitchFamily="2" charset="0"/>
+            </a:endParaRPr>
+          </a:p>
+        </p:txBody>
+      </p:sp>
+      <p:pic>
+        <p:nvPicPr>
+          <p:cNvPr id="10" name="Grafik 9">
+            <a:extLst>
+              <a:ext uri="{FF2B5EF4-FFF2-40B4-BE49-F238E27FC236}">
+                <a16:creationId xmlns:a16="http://schemas.microsoft.com/office/drawing/2014/main" id="{B9BFCE2C-EEB1-44BB-B8E8-D72B16DC0004}"/>
+              </a:ext>
+            </a:extLst>
+          </p:cNvPr>
+          <p:cNvPicPr>
+            <a:picLocks noChangeAspect="1"/>
+          </p:cNvPicPr>
+          <p:nvPr/>
+        </p:nvPicPr>
+        <p:blipFill>
+          <a:blip r:embed="rId3">
+            <a:extLst>
+              <a:ext uri="{28A0092B-C50C-407E-A947-70E740481C1C}">
+                <a14:useLocalDpi xmlns:a14="http://schemas.microsoft.com/office/drawing/2010/main" val="0"/>
+              </a:ext>
+            </a:extLst>
+          </a:blip>
+          <a:stretch>
+            <a:fillRect/>
+          </a:stretch>
+        </p:blipFill>
+        <p:spPr>
+          <a:xfrm>
+            <a:off x="590428" y="560763"/>
+            <a:ext cx="930217" cy="930217"/>
+          </a:xfrm>
+          <a:prstGeom prst="rect">
+            <a:avLst/>
+          </a:prstGeom>
+        </p:spPr>
+      </p:pic>
+    </p:spTree>
+    <p:extLst>
+      <p:ext uri="{BB962C8B-B14F-4D97-AF65-F5344CB8AC3E}">
+        <p14:creationId xmlns:p14="http://schemas.microsoft.com/office/powerpoint/2010/main" val="3703028841"/>
+      </p:ext>
+    </p:extLst>
+  </p:cSld>
+  <p:clrMapOvr>
+    <a:masterClrMapping/>
+  </p:clrMapOvr>
+  <mc:AlternateContent xmlns:mc="http://schemas.openxmlformats.org/markup-compatibility/2006">
+    <mc:Choice xmlns:p159="http://schemas.microsoft.com/office/powerpoint/2015/09/main" Requires="p159">
+      <p:transition xmlns:p14="http://schemas.microsoft.com/office/powerpoint/2010/main" spd="slow" p14:dur="2000">
+        <p159:morph option="byChar"/>
+      </p:transition>
+    </mc:Choice>
+    <mc:Fallback>
+      <p:transition spd="slow">
+        <p:fade/>
+      </p:transition>
+    </mc:Fallback>
+  </mc:AlternateContent>
+</p:sld>
+</file>
+
+<file path=ppt/slides/slide17.xml><?xml version="1.0" encoding="utf-8"?>
+<p:sld xmlns:a="http://schemas.openxmlformats.org/drawingml/2006/main" xmlns:r="http://schemas.openxmlformats.org/officeDocument/2006/relationships" xmlns:p="http://schemas.openxmlformats.org/presentationml/2006/main">
+  <p:cSld>
+    <p:spTree>
+      <p:nvGrpSpPr>
+        <p:cNvPr id="1" name=""/>
+        <p:cNvGrpSpPr/>
+        <p:nvPr/>
+      </p:nvGrpSpPr>
+      <p:grpSpPr>
+        <a:xfrm>
+          <a:off x="0" y="0"/>
+          <a:ext cx="0" cy="0"/>
+          <a:chOff x="0" y="0"/>
+          <a:chExt cx="0" cy="0"/>
+        </a:xfrm>
+      </p:grpSpPr>
+      <p:sp>
+        <p:nvSpPr>
+          <p:cNvPr id="7" name="Rechteck 6">
+            <a:extLst>
+              <a:ext uri="{FF2B5EF4-FFF2-40B4-BE49-F238E27FC236}">
+                <a16:creationId xmlns:a16="http://schemas.microsoft.com/office/drawing/2014/main" id="{8DB2228E-1E05-4B66-B340-73E4DE07E718}"/>
+              </a:ext>
+            </a:extLst>
+          </p:cNvPr>
+          <p:cNvSpPr/>
+          <p:nvPr/>
+        </p:nvSpPr>
+        <p:spPr>
+          <a:xfrm>
+            <a:off x="101600" y="136524"/>
+            <a:ext cx="12009120" cy="6584951"/>
+          </a:xfrm>
+          <a:prstGeom prst="rect">
+            <a:avLst/>
+          </a:prstGeom>
+          <a:gradFill flip="none" rotWithShape="1">
+            <a:gsLst>
+              <a:gs pos="0">
+                <a:srgbClr val="000000">
+                  <a:alpha val="49804"/>
+                </a:srgbClr>
+              </a:gs>
+              <a:gs pos="69000">
+                <a:srgbClr val="000000">
+                  <a:alpha val="49804"/>
+                </a:srgbClr>
+              </a:gs>
+              <a:gs pos="100000">
+                <a:schemeClr val="bg2">
+                  <a:lumMod val="25000"/>
+                  <a:alpha val="79000"/>
+                </a:schemeClr>
+              </a:gs>
+            </a:gsLst>
+            <a:lin ang="16200000" scaled="1"/>
+            <a:tileRect/>
+          </a:gradFill>
+          <a:ln>
+            <a:noFill/>
+          </a:ln>
+        </p:spPr>
+        <p:style>
+          <a:lnRef idx="2">
+            <a:schemeClr val="accent1">
+              <a:shade val="50000"/>
+            </a:schemeClr>
+          </a:lnRef>
+          <a:fillRef idx="1">
+            <a:schemeClr val="accent1"/>
+          </a:fillRef>
+          <a:effectRef idx="0">
+            <a:schemeClr val="accent1"/>
+          </a:effectRef>
+          <a:fontRef idx="minor">
+            <a:schemeClr val="lt1"/>
+          </a:fontRef>
+        </p:style>
+        <p:txBody>
+          <a:bodyPr rtlCol="0" anchor="ctr"/>
+          <a:lstStyle/>
+          <a:p>
+            <a:pPr algn="ctr"/>
+            <a:endParaRPr lang="de-DE"/>
+          </a:p>
+        </p:txBody>
+      </p:sp>
+      <p:sp>
+        <p:nvSpPr>
+          <p:cNvPr id="2" name="Titel 1">
+            <a:extLst>
+              <a:ext uri="{FF2B5EF4-FFF2-40B4-BE49-F238E27FC236}">
+                <a16:creationId xmlns:a16="http://schemas.microsoft.com/office/drawing/2014/main" id="{DA241FC3-98CD-42EC-8A10-0655B7BE4479}"/>
+              </a:ext>
+            </a:extLst>
+          </p:cNvPr>
+          <p:cNvSpPr>
+            <a:spLocks noGrp="1"/>
+          </p:cNvSpPr>
+          <p:nvPr>
+            <p:ph type="title"/>
+          </p:nvPr>
+        </p:nvSpPr>
+        <p:spPr/>
+        <p:txBody>
+          <a:bodyPr/>
+          <a:lstStyle/>
+          <a:p>
+            <a:endParaRPr lang="de-DE" dirty="0"/>
+          </a:p>
+        </p:txBody>
+      </p:sp>
+      <p:sp>
+        <p:nvSpPr>
+          <p:cNvPr id="3" name="Inhaltsplatzhalter 2">
+            <a:extLst>
+              <a:ext uri="{FF2B5EF4-FFF2-40B4-BE49-F238E27FC236}">
+                <a16:creationId xmlns:a16="http://schemas.microsoft.com/office/drawing/2014/main" id="{BA68D622-4682-49EA-A6E7-28683F2D3F79}"/>
+              </a:ext>
+            </a:extLst>
+          </p:cNvPr>
+          <p:cNvSpPr>
+            <a:spLocks noGrp="1"/>
+          </p:cNvSpPr>
+          <p:nvPr>
+            <p:ph idx="1"/>
+          </p:nvPr>
+        </p:nvSpPr>
+        <p:spPr/>
+        <p:txBody>
+          <a:bodyPr/>
+          <a:lstStyle/>
+          <a:p>
+            <a:endParaRPr lang="de-DE" dirty="0"/>
+          </a:p>
+        </p:txBody>
+      </p:sp>
+      <p:sp>
+        <p:nvSpPr>
+          <p:cNvPr id="5" name="Titel 1">
+            <a:extLst>
+              <a:ext uri="{FF2B5EF4-FFF2-40B4-BE49-F238E27FC236}">
+                <a16:creationId xmlns:a16="http://schemas.microsoft.com/office/drawing/2014/main" id="{AC81A8B5-2A36-45A4-BB9E-A95FF135AAE7}"/>
+              </a:ext>
+            </a:extLst>
+          </p:cNvPr>
+          <p:cNvSpPr txBox="1">
+            <a:spLocks/>
+          </p:cNvSpPr>
+          <p:nvPr/>
+        </p:nvSpPr>
+        <p:spPr>
+          <a:xfrm>
+            <a:off x="1686559" y="432593"/>
+            <a:ext cx="8818880" cy="1325563"/>
+          </a:xfrm>
+          <a:prstGeom prst="rect">
+            <a:avLst/>
+          </a:prstGeom>
+        </p:spPr>
+        <p:txBody>
+          <a:bodyPr vert="horz" lIns="91440" tIns="45720" rIns="91440" bIns="45720" rtlCol="0" anchor="ctr">
+            <a:noAutofit/>
+          </a:bodyPr>
+          <a:lstStyle>
+            <a:lvl1pPr algn="l" defTabSz="914400" rtl="0" eaLnBrk="1" latinLnBrk="0" hangingPunct="1">
+              <a:lnSpc>
+                <a:spcPct val="90000"/>
+              </a:lnSpc>
+              <a:spcBef>
+                <a:spcPct val="0"/>
+              </a:spcBef>
+              <a:buNone/>
+              <a:defRPr sz="4400" kern="1200">
+                <a:solidFill>
+                  <a:schemeClr val="tx1"/>
+                </a:solidFill>
+                <a:latin typeface="+mj-lt"/>
+                <a:ea typeface="+mj-ea"/>
+                <a:cs typeface="+mj-cs"/>
+              </a:defRPr>
+            </a:lvl1pPr>
+          </a:lstStyle>
+          <a:p>
+            <a:pPr algn="ctr"/>
+            <a:r>
+              <a:rPr lang="de-DE" sz="8000" dirty="0">
+                <a:solidFill>
+                  <a:srgbClr val="FF6123"/>
+                </a:solidFill>
+                <a:effectLst>
+                  <a:outerShdw blurRad="38100" dist="38100" dir="2700000" algn="tl">
+                    <a:srgbClr val="000000">
+                      <a:alpha val="43137"/>
+                    </a:srgbClr>
+                  </a:outerShdw>
+                </a:effectLst>
+                <a:latin typeface="Orbitron ExtraBold" pitchFamily="2" charset="0"/>
+              </a:rPr>
+              <a:t>Dark </a:t>
+            </a:r>
+            <a:r>
+              <a:rPr lang="de-DE" sz="8000" dirty="0" err="1">
+                <a:solidFill>
+                  <a:srgbClr val="FF6123"/>
+                </a:solidFill>
+                <a:effectLst>
+                  <a:outerShdw blurRad="38100" dist="38100" dir="2700000" algn="tl">
+                    <a:srgbClr val="000000">
+                      <a:alpha val="43137"/>
+                    </a:srgbClr>
+                  </a:outerShdw>
+                </a:effectLst>
+                <a:latin typeface="Orbitron ExtraBold" pitchFamily="2" charset="0"/>
+              </a:rPr>
+              <a:t>mode</a:t>
+            </a:r>
+            <a:endParaRPr lang="de-DE" sz="6600" dirty="0">
+              <a:solidFill>
+                <a:srgbClr val="FF6123"/>
+              </a:solidFill>
+              <a:effectLst>
+                <a:outerShdw blurRad="38100" dist="38100" dir="2700000" algn="tl">
+                  <a:srgbClr val="000000">
+                    <a:alpha val="43137"/>
+                  </a:srgbClr>
+                </a:outerShdw>
+              </a:effectLst>
+              <a:latin typeface="Orbitron ExtraBold" pitchFamily="2" charset="0"/>
+            </a:endParaRPr>
+          </a:p>
+        </p:txBody>
+      </p:sp>
+      <p:pic>
+        <p:nvPicPr>
+          <p:cNvPr id="4" name="Grafik 3">
+            <a:extLst>
+              <a:ext uri="{FF2B5EF4-FFF2-40B4-BE49-F238E27FC236}">
+                <a16:creationId xmlns:a16="http://schemas.microsoft.com/office/drawing/2014/main" id="{E7CD082C-73F1-47DF-B36B-0B04B1600238}"/>
+              </a:ext>
+            </a:extLst>
+          </p:cNvPr>
+          <p:cNvPicPr>
+            <a:picLocks noChangeAspect="1"/>
+          </p:cNvPicPr>
+          <p:nvPr/>
+        </p:nvPicPr>
+        <p:blipFill rotWithShape="1">
+          <a:blip r:embed="rId2"/>
+          <a:srcRect t="36158"/>
+          <a:stretch/>
+        </p:blipFill>
+        <p:spPr>
+          <a:xfrm>
+            <a:off x="2739964" y="1690688"/>
+            <a:ext cx="6712072" cy="4866543"/>
+          </a:xfrm>
+          <a:prstGeom prst="rect">
+            <a:avLst/>
+          </a:prstGeom>
+          <a:ln w="38100">
+            <a:solidFill>
+              <a:schemeClr val="bg1"/>
+            </a:solidFill>
+            <a:prstDash val="lgDash"/>
+          </a:ln>
+        </p:spPr>
+      </p:pic>
+      <p:pic>
+        <p:nvPicPr>
+          <p:cNvPr id="8" name="Grafik 7">
+            <a:extLst>
+              <a:ext uri="{FF2B5EF4-FFF2-40B4-BE49-F238E27FC236}">
+                <a16:creationId xmlns:a16="http://schemas.microsoft.com/office/drawing/2014/main" id="{D660D849-8178-4F81-AA4C-84E002CCAD9D}"/>
+              </a:ext>
+            </a:extLst>
+          </p:cNvPr>
+          <p:cNvPicPr>
+            <a:picLocks noChangeAspect="1"/>
+          </p:cNvPicPr>
+          <p:nvPr/>
+        </p:nvPicPr>
+        <p:blipFill>
+          <a:blip r:embed="rId3">
+            <a:extLst>
+              <a:ext uri="{28A0092B-C50C-407E-A947-70E740481C1C}">
+                <a14:useLocalDpi xmlns:a14="http://schemas.microsoft.com/office/drawing/2010/main" val="0"/>
+              </a:ext>
+            </a:extLst>
+          </a:blip>
+          <a:stretch>
+            <a:fillRect/>
+          </a:stretch>
+        </p:blipFill>
+        <p:spPr>
+          <a:xfrm>
+            <a:off x="590428" y="560763"/>
+            <a:ext cx="930217" cy="930217"/>
+          </a:xfrm>
+          <a:prstGeom prst="rect">
+            <a:avLst/>
+          </a:prstGeom>
+        </p:spPr>
+      </p:pic>
+    </p:spTree>
+    <p:extLst>
+      <p:ext uri="{BB962C8B-B14F-4D97-AF65-F5344CB8AC3E}">
+        <p14:creationId xmlns:p14="http://schemas.microsoft.com/office/powerpoint/2010/main" val="4230776087"/>
+      </p:ext>
+    </p:extLst>
+  </p:cSld>
+  <p:clrMapOvr>
+    <a:masterClrMapping/>
+  </p:clrMapOvr>
+  <mc:AlternateContent xmlns:mc="http://schemas.openxmlformats.org/markup-compatibility/2006">
+    <mc:Choice xmlns:p159="http://schemas.microsoft.com/office/powerpoint/2015/09/main" Requires="p159">
+      <p:transition xmlns:p14="http://schemas.microsoft.com/office/powerpoint/2010/main" spd="slow" p14:dur="2000">
+        <p159:morph option="byChar"/>
+      </p:transition>
+    </mc:Choice>
+    <mc:Fallback>
+      <p:transition spd="slow">
+        <p:fade/>
+      </p:transition>
+    </mc:Fallback>
+  </mc:AlternateContent>
+</p:sld>
+</file>
+
+<file path=ppt/slides/slide18.xml><?xml version="1.0" encoding="utf-8"?>
+<p:sld xmlns:a="http://schemas.openxmlformats.org/drawingml/2006/main" xmlns:r="http://schemas.openxmlformats.org/officeDocument/2006/relationships" xmlns:p="http://schemas.openxmlformats.org/presentationml/2006/main">
+  <p:cSld>
+    <p:spTree>
+      <p:nvGrpSpPr>
+        <p:cNvPr id="1" name=""/>
+        <p:cNvGrpSpPr/>
+        <p:nvPr/>
+      </p:nvGrpSpPr>
+      <p:grpSpPr>
+        <a:xfrm>
+          <a:off x="0" y="0"/>
+          <a:ext cx="0" cy="0"/>
+          <a:chOff x="0" y="0"/>
+          <a:chExt cx="0" cy="0"/>
+        </a:xfrm>
+      </p:grpSpPr>
+      <p:sp>
+        <p:nvSpPr>
+          <p:cNvPr id="7" name="Rechteck 6">
+            <a:extLst>
+              <a:ext uri="{FF2B5EF4-FFF2-40B4-BE49-F238E27FC236}">
+                <a16:creationId xmlns:a16="http://schemas.microsoft.com/office/drawing/2014/main" id="{B0054402-C1C0-4370-BEEE-E49A27E27F67}"/>
+              </a:ext>
+            </a:extLst>
+          </p:cNvPr>
+          <p:cNvSpPr/>
+          <p:nvPr/>
+        </p:nvSpPr>
+        <p:spPr>
+          <a:xfrm>
+            <a:off x="101600" y="136524"/>
+            <a:ext cx="12009120" cy="6584951"/>
+          </a:xfrm>
+          <a:prstGeom prst="rect">
+            <a:avLst/>
+          </a:prstGeom>
+          <a:gradFill flip="none" rotWithShape="1">
+            <a:gsLst>
+              <a:gs pos="0">
+                <a:schemeClr val="tx1">
+                  <a:lumMod val="65000"/>
+                  <a:lumOff val="35000"/>
+                  <a:alpha val="50000"/>
+                </a:schemeClr>
+              </a:gs>
+              <a:gs pos="69000">
+                <a:schemeClr val="bg2">
+                  <a:lumMod val="25000"/>
+                  <a:alpha val="50000"/>
+                </a:schemeClr>
+              </a:gs>
+              <a:gs pos="100000">
+                <a:schemeClr val="bg2">
+                  <a:lumMod val="25000"/>
+                  <a:alpha val="70000"/>
+                </a:schemeClr>
+              </a:gs>
+            </a:gsLst>
+            <a:lin ang="16200000" scaled="1"/>
+            <a:tileRect/>
+          </a:gradFill>
+          <a:ln>
+            <a:noFill/>
+          </a:ln>
+        </p:spPr>
+        <p:style>
+          <a:lnRef idx="2">
+            <a:schemeClr val="accent1">
+              <a:shade val="50000"/>
+            </a:schemeClr>
+          </a:lnRef>
+          <a:fillRef idx="1">
+            <a:schemeClr val="accent1"/>
+          </a:fillRef>
+          <a:effectRef idx="0">
+            <a:schemeClr val="accent1"/>
+          </a:effectRef>
+          <a:fontRef idx="minor">
+            <a:schemeClr val="lt1"/>
+          </a:fontRef>
+        </p:style>
+        <p:txBody>
+          <a:bodyPr rtlCol="0" anchor="ctr"/>
+          <a:lstStyle/>
+          <a:p>
+            <a:pPr algn="ctr"/>
+            <a:endParaRPr lang="de-DE"/>
+          </a:p>
+        </p:txBody>
+      </p:sp>
+      <p:sp>
+        <p:nvSpPr>
+          <p:cNvPr id="2" name="Titel 1">
+            <a:extLst>
+              <a:ext uri="{FF2B5EF4-FFF2-40B4-BE49-F238E27FC236}">
+                <a16:creationId xmlns:a16="http://schemas.microsoft.com/office/drawing/2014/main" id="{D1121311-B75D-483F-B5FA-DD13D2196F4B}"/>
+              </a:ext>
+            </a:extLst>
+          </p:cNvPr>
+          <p:cNvSpPr>
+            <a:spLocks noGrp="1"/>
+          </p:cNvSpPr>
+          <p:nvPr>
+            <p:ph type="title"/>
+          </p:nvPr>
+        </p:nvSpPr>
+        <p:spPr/>
+        <p:txBody>
+          <a:bodyPr/>
+          <a:lstStyle/>
+          <a:p>
+            <a:endParaRPr lang="de-DE"/>
+          </a:p>
+        </p:txBody>
+      </p:sp>
+      <p:sp>
+        <p:nvSpPr>
+          <p:cNvPr id="3" name="Inhaltsplatzhalter 2">
+            <a:extLst>
+              <a:ext uri="{FF2B5EF4-FFF2-40B4-BE49-F238E27FC236}">
+                <a16:creationId xmlns:a16="http://schemas.microsoft.com/office/drawing/2014/main" id="{D0E3CC92-3C19-48F7-BABB-D4833C3133D8}"/>
+              </a:ext>
+            </a:extLst>
+          </p:cNvPr>
+          <p:cNvSpPr>
+            <a:spLocks noGrp="1"/>
+          </p:cNvSpPr>
+          <p:nvPr>
+            <p:ph idx="1"/>
+          </p:nvPr>
+        </p:nvSpPr>
+        <p:spPr/>
+        <p:txBody>
+          <a:bodyPr/>
+          <a:lstStyle/>
+          <a:p>
+            <a:endParaRPr lang="de-DE" dirty="0"/>
+          </a:p>
+        </p:txBody>
+      </p:sp>
+      <p:pic>
+        <p:nvPicPr>
+          <p:cNvPr id="4" name="Grafik 3">
+            <a:extLst>
+              <a:ext uri="{FF2B5EF4-FFF2-40B4-BE49-F238E27FC236}">
+                <a16:creationId xmlns:a16="http://schemas.microsoft.com/office/drawing/2014/main" id="{0B87DCA3-703C-4068-9B7F-C98232957191}"/>
+              </a:ext>
+            </a:extLst>
+          </p:cNvPr>
+          <p:cNvPicPr>
+            <a:picLocks noChangeAspect="1"/>
+          </p:cNvPicPr>
+          <p:nvPr/>
+        </p:nvPicPr>
+        <p:blipFill>
+          <a:blip r:embed="rId2"/>
+          <a:stretch>
+            <a:fillRect/>
+          </a:stretch>
+        </p:blipFill>
+        <p:spPr>
+          <a:xfrm>
+            <a:off x="281111" y="2149550"/>
+            <a:ext cx="11710261" cy="2767373"/>
+          </a:xfrm>
+          <a:prstGeom prst="rect">
+            <a:avLst/>
+          </a:prstGeom>
+          <a:ln w="38100">
+            <a:solidFill>
+              <a:schemeClr val="bg1"/>
+            </a:solidFill>
+            <a:prstDash val="lgDash"/>
+          </a:ln>
+        </p:spPr>
+      </p:pic>
+      <p:sp>
+        <p:nvSpPr>
+          <p:cNvPr id="6" name="Titel 1">
+            <a:extLst>
+              <a:ext uri="{FF2B5EF4-FFF2-40B4-BE49-F238E27FC236}">
+                <a16:creationId xmlns:a16="http://schemas.microsoft.com/office/drawing/2014/main" id="{BC593772-28ED-46F2-921F-5B674ACB074E}"/>
+              </a:ext>
+            </a:extLst>
+          </p:cNvPr>
+          <p:cNvSpPr txBox="1">
+            <a:spLocks/>
+          </p:cNvSpPr>
+          <p:nvPr/>
+        </p:nvSpPr>
+        <p:spPr>
+          <a:xfrm>
+            <a:off x="1686559" y="432593"/>
+            <a:ext cx="8818880" cy="1325563"/>
+          </a:xfrm>
+          <a:prstGeom prst="rect">
+            <a:avLst/>
+          </a:prstGeom>
+        </p:spPr>
+        <p:txBody>
+          <a:bodyPr vert="horz" lIns="91440" tIns="45720" rIns="91440" bIns="45720" rtlCol="0" anchor="ctr">
+            <a:noAutofit/>
+          </a:bodyPr>
+          <a:lstStyle>
+            <a:lvl1pPr algn="l" defTabSz="914400" rtl="0" eaLnBrk="1" latinLnBrk="0" hangingPunct="1">
+              <a:lnSpc>
+                <a:spcPct val="90000"/>
+              </a:lnSpc>
+              <a:spcBef>
+                <a:spcPct val="0"/>
+              </a:spcBef>
+              <a:buNone/>
+              <a:defRPr sz="4400" kern="1200">
+                <a:solidFill>
+                  <a:schemeClr val="tx1"/>
+                </a:solidFill>
+                <a:latin typeface="+mj-lt"/>
+                <a:ea typeface="+mj-ea"/>
+                <a:cs typeface="+mj-cs"/>
+              </a:defRPr>
+            </a:lvl1pPr>
+          </a:lstStyle>
+          <a:p>
+            <a:pPr algn="ctr"/>
+            <a:r>
+              <a:rPr lang="de-DE" sz="8000" dirty="0">
+                <a:solidFill>
+                  <a:srgbClr val="FF6123"/>
+                </a:solidFill>
+                <a:effectLst>
+                  <a:outerShdw blurRad="38100" dist="38100" dir="2700000" algn="tl">
+                    <a:srgbClr val="000000">
+                      <a:alpha val="43137"/>
+                    </a:srgbClr>
+                  </a:outerShdw>
+                </a:effectLst>
+                <a:latin typeface="Orbitron ExtraBold" pitchFamily="2" charset="0"/>
+              </a:rPr>
+              <a:t>Dark </a:t>
+            </a:r>
+            <a:r>
+              <a:rPr lang="de-DE" sz="8000" dirty="0" err="1">
+                <a:solidFill>
+                  <a:srgbClr val="FF6123"/>
+                </a:solidFill>
+                <a:effectLst>
+                  <a:outerShdw blurRad="38100" dist="38100" dir="2700000" algn="tl">
+                    <a:srgbClr val="000000">
+                      <a:alpha val="43137"/>
+                    </a:srgbClr>
+                  </a:outerShdw>
+                </a:effectLst>
+                <a:latin typeface="Orbitron ExtraBold" pitchFamily="2" charset="0"/>
+              </a:rPr>
+              <a:t>mode</a:t>
+            </a:r>
+            <a:endParaRPr lang="de-DE" sz="6600" dirty="0">
+              <a:solidFill>
+                <a:srgbClr val="FF6123"/>
+              </a:solidFill>
+              <a:effectLst>
+                <a:outerShdw blurRad="38100" dist="38100" dir="2700000" algn="tl">
+                  <a:srgbClr val="000000">
+                    <a:alpha val="43137"/>
+                  </a:srgbClr>
+                </a:outerShdw>
+              </a:effectLst>
+              <a:latin typeface="Orbitron ExtraBold" pitchFamily="2" charset="0"/>
+            </a:endParaRPr>
+          </a:p>
+        </p:txBody>
+      </p:sp>
+      <p:pic>
+        <p:nvPicPr>
+          <p:cNvPr id="8" name="Grafik 7">
+            <a:extLst>
+              <a:ext uri="{FF2B5EF4-FFF2-40B4-BE49-F238E27FC236}">
+                <a16:creationId xmlns:a16="http://schemas.microsoft.com/office/drawing/2014/main" id="{15E4AEF1-AD5D-4610-9C72-923133DDA88D}"/>
+              </a:ext>
+            </a:extLst>
+          </p:cNvPr>
+          <p:cNvPicPr>
+            <a:picLocks noChangeAspect="1"/>
+          </p:cNvPicPr>
+          <p:nvPr/>
+        </p:nvPicPr>
+        <p:blipFill>
+          <a:blip r:embed="rId3">
+            <a:extLst>
+              <a:ext uri="{28A0092B-C50C-407E-A947-70E740481C1C}">
+                <a14:useLocalDpi xmlns:a14="http://schemas.microsoft.com/office/drawing/2010/main" val="0"/>
+              </a:ext>
+            </a:extLst>
+          </a:blip>
+          <a:stretch>
+            <a:fillRect/>
+          </a:stretch>
+        </p:blipFill>
+        <p:spPr>
+          <a:xfrm>
+            <a:off x="590428" y="560763"/>
+            <a:ext cx="930217" cy="930217"/>
+          </a:xfrm>
+          <a:prstGeom prst="rect">
+            <a:avLst/>
+          </a:prstGeom>
+        </p:spPr>
+      </p:pic>
+    </p:spTree>
+    <p:extLst>
+      <p:ext uri="{BB962C8B-B14F-4D97-AF65-F5344CB8AC3E}">
+        <p14:creationId xmlns:p14="http://schemas.microsoft.com/office/powerpoint/2010/main" val="1057737798"/>
+      </p:ext>
+    </p:extLst>
+  </p:cSld>
+  <p:clrMapOvr>
+    <a:masterClrMapping/>
+  </p:clrMapOvr>
+  <mc:AlternateContent xmlns:mc="http://schemas.openxmlformats.org/markup-compatibility/2006">
+    <mc:Choice xmlns:p159="http://schemas.microsoft.com/office/powerpoint/2015/09/main" Requires="p159">
+      <p:transition xmlns:p14="http://schemas.microsoft.com/office/powerpoint/2010/main" spd="slow" p14:dur="2000">
+        <p159:morph option="byChar"/>
+      </p:transition>
+    </mc:Choice>
+    <mc:Fallback>
+      <p:transition spd="slow">
+        <p:fade/>
+      </p:transition>
+    </mc:Fallback>
+  </mc:AlternateContent>
+</p:sld>
+</file>
+
+<file path=ppt/slides/slide19.xml><?xml version="1.0" encoding="utf-8"?>
+<p:sld xmlns:a="http://schemas.openxmlformats.org/drawingml/2006/main" xmlns:r="http://schemas.openxmlformats.org/officeDocument/2006/relationships" xmlns:p="http://schemas.openxmlformats.org/presentationml/2006/main">
+  <p:cSld>
+    <p:spTree>
+      <p:nvGrpSpPr>
+        <p:cNvPr id="1" name=""/>
+        <p:cNvGrpSpPr/>
+        <p:nvPr/>
+      </p:nvGrpSpPr>
+      <p:grpSpPr>
+        <a:xfrm>
+          <a:off x="0" y="0"/>
+          <a:ext cx="0" cy="0"/>
+          <a:chOff x="0" y="0"/>
+          <a:chExt cx="0" cy="0"/>
+        </a:xfrm>
+      </p:grpSpPr>
+      <p:sp>
+        <p:nvSpPr>
+          <p:cNvPr id="7" name="Rechteck 6">
+            <a:extLst>
+              <a:ext uri="{FF2B5EF4-FFF2-40B4-BE49-F238E27FC236}">
+                <a16:creationId xmlns:a16="http://schemas.microsoft.com/office/drawing/2014/main" id="{B0054402-C1C0-4370-BEEE-E49A27E27F67}"/>
+              </a:ext>
+            </a:extLst>
+          </p:cNvPr>
+          <p:cNvSpPr/>
+          <p:nvPr/>
+        </p:nvSpPr>
+        <p:spPr>
+          <a:xfrm>
+            <a:off x="101600" y="136524"/>
+            <a:ext cx="12009120" cy="6584951"/>
+          </a:xfrm>
+          <a:prstGeom prst="rect">
+            <a:avLst/>
+          </a:prstGeom>
+          <a:gradFill flip="none" rotWithShape="1">
+            <a:gsLst>
+              <a:gs pos="0">
+                <a:schemeClr val="tx1">
+                  <a:lumMod val="65000"/>
+                  <a:lumOff val="35000"/>
+                  <a:alpha val="50000"/>
+                </a:schemeClr>
+              </a:gs>
+              <a:gs pos="69000">
+                <a:schemeClr val="bg2">
+                  <a:lumMod val="25000"/>
+                  <a:alpha val="50000"/>
+                </a:schemeClr>
+              </a:gs>
+              <a:gs pos="100000">
+                <a:schemeClr val="bg2">
+                  <a:lumMod val="25000"/>
+                  <a:alpha val="70000"/>
+                </a:schemeClr>
+              </a:gs>
+            </a:gsLst>
+            <a:lin ang="16200000" scaled="1"/>
+            <a:tileRect/>
+          </a:gradFill>
+          <a:ln>
+            <a:noFill/>
+          </a:ln>
+        </p:spPr>
+        <p:style>
+          <a:lnRef idx="2">
+            <a:schemeClr val="accent1">
+              <a:shade val="50000"/>
+            </a:schemeClr>
+          </a:lnRef>
+          <a:fillRef idx="1">
+            <a:schemeClr val="accent1"/>
+          </a:fillRef>
+          <a:effectRef idx="0">
+            <a:schemeClr val="accent1"/>
+          </a:effectRef>
+          <a:fontRef idx="minor">
+            <a:schemeClr val="lt1"/>
+          </a:fontRef>
+        </p:style>
+        <p:txBody>
+          <a:bodyPr rtlCol="0" anchor="ctr"/>
+          <a:lstStyle/>
+          <a:p>
+            <a:pPr algn="ctr"/>
+            <a:endParaRPr lang="de-DE"/>
+          </a:p>
+        </p:txBody>
+      </p:sp>
+      <p:sp>
+        <p:nvSpPr>
+          <p:cNvPr id="2" name="Titel 1">
+            <a:extLst>
+              <a:ext uri="{FF2B5EF4-FFF2-40B4-BE49-F238E27FC236}">
+                <a16:creationId xmlns:a16="http://schemas.microsoft.com/office/drawing/2014/main" id="{D1121311-B75D-483F-B5FA-DD13D2196F4B}"/>
+              </a:ext>
+            </a:extLst>
+          </p:cNvPr>
+          <p:cNvSpPr>
+            <a:spLocks noGrp="1"/>
+          </p:cNvSpPr>
+          <p:nvPr>
+            <p:ph type="title"/>
+          </p:nvPr>
+        </p:nvSpPr>
+        <p:spPr/>
+        <p:txBody>
+          <a:bodyPr/>
+          <a:lstStyle/>
+          <a:p>
+            <a:endParaRPr lang="de-DE"/>
+          </a:p>
+        </p:txBody>
+      </p:sp>
+      <p:sp>
+        <p:nvSpPr>
+          <p:cNvPr id="3" name="Inhaltsplatzhalter 2">
+            <a:extLst>
+              <a:ext uri="{FF2B5EF4-FFF2-40B4-BE49-F238E27FC236}">
+                <a16:creationId xmlns:a16="http://schemas.microsoft.com/office/drawing/2014/main" id="{D0E3CC92-3C19-48F7-BABB-D4833C3133D8}"/>
+              </a:ext>
+            </a:extLst>
+          </p:cNvPr>
+          <p:cNvSpPr>
+            <a:spLocks noGrp="1"/>
+          </p:cNvSpPr>
+          <p:nvPr>
+            <p:ph idx="1"/>
+          </p:nvPr>
+        </p:nvSpPr>
+        <p:spPr/>
+        <p:txBody>
+          <a:bodyPr/>
+          <a:lstStyle/>
+          <a:p>
+            <a:endParaRPr lang="de-DE" dirty="0"/>
+          </a:p>
+        </p:txBody>
+      </p:sp>
+      <p:pic>
+        <p:nvPicPr>
+          <p:cNvPr id="4" name="Grafik 3">
+            <a:extLst>
+              <a:ext uri="{FF2B5EF4-FFF2-40B4-BE49-F238E27FC236}">
+                <a16:creationId xmlns:a16="http://schemas.microsoft.com/office/drawing/2014/main" id="{0B87DCA3-703C-4068-9B7F-C98232957191}"/>
+              </a:ext>
+            </a:extLst>
+          </p:cNvPr>
+          <p:cNvPicPr>
+            <a:picLocks noChangeAspect="1"/>
+          </p:cNvPicPr>
+          <p:nvPr/>
+        </p:nvPicPr>
+        <p:blipFill rotWithShape="1">
+          <a:blip r:embed="rId2"/>
+          <a:srcRect r="57371"/>
+          <a:stretch/>
+        </p:blipFill>
+        <p:spPr>
+          <a:xfrm>
+            <a:off x="2131915" y="1919289"/>
+            <a:ext cx="7948489" cy="4406400"/>
+          </a:xfrm>
+          <a:prstGeom prst="rect">
+            <a:avLst/>
+          </a:prstGeom>
+          <a:ln w="38100">
+            <a:solidFill>
+              <a:schemeClr val="bg1"/>
+            </a:solidFill>
+            <a:prstDash val="lgDash"/>
+          </a:ln>
+        </p:spPr>
+      </p:pic>
+      <p:sp>
+        <p:nvSpPr>
+          <p:cNvPr id="6" name="Titel 1">
+            <a:extLst>
+              <a:ext uri="{FF2B5EF4-FFF2-40B4-BE49-F238E27FC236}">
+                <a16:creationId xmlns:a16="http://schemas.microsoft.com/office/drawing/2014/main" id="{BC593772-28ED-46F2-921F-5B674ACB074E}"/>
+              </a:ext>
+            </a:extLst>
+          </p:cNvPr>
+          <p:cNvSpPr txBox="1">
+            <a:spLocks/>
+          </p:cNvSpPr>
+          <p:nvPr/>
+        </p:nvSpPr>
+        <p:spPr>
+          <a:xfrm>
+            <a:off x="1686559" y="432593"/>
+            <a:ext cx="8818880" cy="1325563"/>
+          </a:xfrm>
+          <a:prstGeom prst="rect">
+            <a:avLst/>
+          </a:prstGeom>
+        </p:spPr>
+        <p:txBody>
+          <a:bodyPr vert="horz" lIns="91440" tIns="45720" rIns="91440" bIns="45720" rtlCol="0" anchor="ctr">
+            <a:noAutofit/>
+          </a:bodyPr>
+          <a:lstStyle>
+            <a:lvl1pPr algn="l" defTabSz="914400" rtl="0" eaLnBrk="1" latinLnBrk="0" hangingPunct="1">
+              <a:lnSpc>
+                <a:spcPct val="90000"/>
+              </a:lnSpc>
+              <a:spcBef>
+                <a:spcPct val="0"/>
+              </a:spcBef>
+              <a:buNone/>
+              <a:defRPr sz="4400" kern="1200">
+                <a:solidFill>
+                  <a:schemeClr val="tx1"/>
+                </a:solidFill>
+                <a:latin typeface="+mj-lt"/>
+                <a:ea typeface="+mj-ea"/>
+                <a:cs typeface="+mj-cs"/>
+              </a:defRPr>
+            </a:lvl1pPr>
+          </a:lstStyle>
+          <a:p>
+            <a:pPr algn="ctr"/>
+            <a:r>
+              <a:rPr lang="de-DE" sz="8000" dirty="0">
+                <a:solidFill>
+                  <a:srgbClr val="FF6123"/>
+                </a:solidFill>
+                <a:effectLst>
+                  <a:outerShdw blurRad="38100" dist="38100" dir="2700000" algn="tl">
+                    <a:srgbClr val="000000">
+                      <a:alpha val="43137"/>
+                    </a:srgbClr>
+                  </a:outerShdw>
+                </a:effectLst>
+                <a:latin typeface="Orbitron ExtraBold" pitchFamily="2" charset="0"/>
+              </a:rPr>
+              <a:t>Dark </a:t>
+            </a:r>
+            <a:r>
+              <a:rPr lang="de-DE" sz="8000" dirty="0" err="1">
+                <a:solidFill>
+                  <a:srgbClr val="FF6123"/>
+                </a:solidFill>
+                <a:effectLst>
+                  <a:outerShdw blurRad="38100" dist="38100" dir="2700000" algn="tl">
+                    <a:srgbClr val="000000">
+                      <a:alpha val="43137"/>
+                    </a:srgbClr>
+                  </a:outerShdw>
+                </a:effectLst>
+                <a:latin typeface="Orbitron ExtraBold" pitchFamily="2" charset="0"/>
+              </a:rPr>
+              <a:t>mode</a:t>
+            </a:r>
+            <a:endParaRPr lang="de-DE" sz="6600" dirty="0">
+              <a:solidFill>
+                <a:srgbClr val="FF6123"/>
+              </a:solidFill>
+              <a:effectLst>
+                <a:outerShdw blurRad="38100" dist="38100" dir="2700000" algn="tl">
+                  <a:srgbClr val="000000">
+                    <a:alpha val="43137"/>
+                  </a:srgbClr>
+                </a:outerShdw>
+              </a:effectLst>
+              <a:latin typeface="Orbitron ExtraBold" pitchFamily="2" charset="0"/>
+            </a:endParaRPr>
+          </a:p>
+        </p:txBody>
+      </p:sp>
+      <p:pic>
+        <p:nvPicPr>
+          <p:cNvPr id="8" name="Grafik 7">
+            <a:extLst>
+              <a:ext uri="{FF2B5EF4-FFF2-40B4-BE49-F238E27FC236}">
+                <a16:creationId xmlns:a16="http://schemas.microsoft.com/office/drawing/2014/main" id="{15E4AEF1-AD5D-4610-9C72-923133DDA88D}"/>
+              </a:ext>
+            </a:extLst>
+          </p:cNvPr>
+          <p:cNvPicPr>
+            <a:picLocks noChangeAspect="1"/>
+          </p:cNvPicPr>
+          <p:nvPr/>
+        </p:nvPicPr>
+        <p:blipFill>
+          <a:blip r:embed="rId3">
+            <a:extLst>
+              <a:ext uri="{28A0092B-C50C-407E-A947-70E740481C1C}">
+                <a14:useLocalDpi xmlns:a14="http://schemas.microsoft.com/office/drawing/2010/main" val="0"/>
+              </a:ext>
+            </a:extLst>
+          </a:blip>
+          <a:stretch>
+            <a:fillRect/>
+          </a:stretch>
+        </p:blipFill>
+        <p:spPr>
+          <a:xfrm>
+            <a:off x="590428" y="560763"/>
+            <a:ext cx="930217" cy="930217"/>
+          </a:xfrm>
+          <a:prstGeom prst="rect">
+            <a:avLst/>
+          </a:prstGeom>
+        </p:spPr>
+      </p:pic>
+    </p:spTree>
+    <p:extLst>
+      <p:ext uri="{BB962C8B-B14F-4D97-AF65-F5344CB8AC3E}">
+        <p14:creationId xmlns:p14="http://schemas.microsoft.com/office/powerpoint/2010/main" val="4283346361"/>
+      </p:ext>
+    </p:extLst>
+  </p:cSld>
+  <p:clrMapOvr>
+    <a:masterClrMapping/>
+  </p:clrMapOvr>
+  <mc:AlternateContent xmlns:mc="http://schemas.openxmlformats.org/markup-compatibility/2006">
+    <mc:Choice xmlns:p159="http://schemas.microsoft.com/office/powerpoint/2015/09/main" Requires="p159">
+      <p:transition xmlns:p14="http://schemas.microsoft.com/office/powerpoint/2010/main" spd="slow" p14:dur="2000">
+        <p159:morph option="byChar"/>
+      </p:transition>
+    </mc:Choice>
+    <mc:Fallback>
+      <p:transition spd="slow">
+        <p:fade/>
+      </p:transition>
+    </mc:Fallback>
+  </mc:AlternateContent>
 </p:sld>
 </file>
 
@@ -6718,25 +10977,52 @@
       </p:grpSpPr>
       <p:sp>
         <p:nvSpPr>
-          <p:cNvPr id="2" name="Titel 1">
-            <a:extLst>
-              <a:ext uri="{FF2B5EF4-FFF2-40B4-BE49-F238E27FC236}">
-                <a16:creationId xmlns:a16="http://schemas.microsoft.com/office/drawing/2014/main" id="{59BB30DD-16DD-4955-9FDC-6CE76916E00E}"/>
-              </a:ext>
-            </a:extLst>
-          </p:cNvPr>
-          <p:cNvSpPr>
-            <a:spLocks noGrp="1"/>
-          </p:cNvSpPr>
-          <p:nvPr>
-            <p:ph type="title"/>
-          </p:nvPr>
-        </p:nvSpPr>
-        <p:spPr/>
-        <p:txBody>
-          <a:bodyPr/>
+          <p:cNvPr id="3" name="Rechteck 2">
+            <a:extLst>
+              <a:ext uri="{FF2B5EF4-FFF2-40B4-BE49-F238E27FC236}">
+                <a16:creationId xmlns:a16="http://schemas.microsoft.com/office/drawing/2014/main" id="{39D5B40F-8E6F-4092-B176-2DB0F55FA1C3}"/>
+              </a:ext>
+            </a:extLst>
+          </p:cNvPr>
+          <p:cNvSpPr/>
+          <p:nvPr/>
+        </p:nvSpPr>
+        <p:spPr>
+          <a:xfrm>
+            <a:off x="0" y="-44520"/>
+            <a:ext cx="12435840" cy="6938079"/>
+          </a:xfrm>
+          <a:prstGeom prst="rect">
+            <a:avLst/>
+          </a:prstGeom>
+          <a:solidFill>
+            <a:schemeClr val="tx1"/>
+          </a:solidFill>
+          <a:ln>
+            <a:noFill/>
+          </a:ln>
+        </p:spPr>
+        <p:style>
+          <a:lnRef idx="2">
+            <a:schemeClr val="accent1">
+              <a:shade val="50000"/>
+            </a:schemeClr>
+          </a:lnRef>
+          <a:fillRef idx="1">
+            <a:schemeClr val="accent1"/>
+          </a:fillRef>
+          <a:effectRef idx="0">
+            <a:schemeClr val="accent1"/>
+          </a:effectRef>
+          <a:fontRef idx="minor">
+            <a:schemeClr val="lt1"/>
+          </a:fontRef>
+        </p:style>
+        <p:txBody>
+          <a:bodyPr rtlCol="0" anchor="ctr"/>
           <a:lstStyle/>
           <a:p>
+            <a:pPr algn="ctr"/>
             <a:endParaRPr lang="de-DE"/>
           </a:p>
         </p:txBody>
@@ -6777,31 +11063,78 @@
           </a:prstGeom>
         </p:spPr>
       </p:pic>
-      <p:sp>
-        <p:nvSpPr>
-          <p:cNvPr id="10" name="Inhaltsplatzhalter 9">
-            <a:extLst>
-              <a:ext uri="{FF2B5EF4-FFF2-40B4-BE49-F238E27FC236}">
-                <a16:creationId xmlns:a16="http://schemas.microsoft.com/office/drawing/2014/main" id="{110232AD-3582-4685-B88D-A8BA4C2EFE76}"/>
-              </a:ext>
-            </a:extLst>
-          </p:cNvPr>
-          <p:cNvSpPr>
-            <a:spLocks noGrp="1"/>
-          </p:cNvSpPr>
-          <p:nvPr>
-            <p:ph idx="1"/>
-          </p:nvPr>
-        </p:nvSpPr>
-        <p:spPr/>
-        <p:txBody>
-          <a:bodyPr/>
-          <a:lstStyle/>
-          <a:p>
-            <a:endParaRPr lang="de-DE"/>
-          </a:p>
-        </p:txBody>
-      </p:sp>
+      <p:pic>
+        <p:nvPicPr>
+          <p:cNvPr id="6" name="Grafik 5">
+            <a:extLst>
+              <a:ext uri="{FF2B5EF4-FFF2-40B4-BE49-F238E27FC236}">
+                <a16:creationId xmlns:a16="http://schemas.microsoft.com/office/drawing/2014/main" id="{93E0D6CC-F77C-4B7C-8B8D-3BFE324B843E}"/>
+              </a:ext>
+            </a:extLst>
+          </p:cNvPr>
+          <p:cNvPicPr>
+            <a:picLocks noChangeAspect="1"/>
+          </p:cNvPicPr>
+          <p:nvPr/>
+        </p:nvPicPr>
+        <p:blipFill>
+          <a:blip r:embed="rId3">
+            <a:extLst>
+              <a:ext uri="{28A0092B-C50C-407E-A947-70E740481C1C}">
+                <a14:useLocalDpi xmlns:a14="http://schemas.microsoft.com/office/drawing/2010/main" val="0"/>
+              </a:ext>
+            </a:extLst>
+          </a:blip>
+          <a:stretch>
+            <a:fillRect/>
+          </a:stretch>
+        </p:blipFill>
+        <p:spPr>
+          <a:xfrm>
+            <a:off x="590428" y="560763"/>
+            <a:ext cx="930217" cy="930217"/>
+          </a:xfrm>
+          <a:prstGeom prst="rect">
+            <a:avLst/>
+          </a:prstGeom>
+        </p:spPr>
+      </p:pic>
+      <p:pic>
+        <p:nvPicPr>
+          <p:cNvPr id="8" name="Grafik 7">
+            <a:extLst>
+              <a:ext uri="{FF2B5EF4-FFF2-40B4-BE49-F238E27FC236}">
+                <a16:creationId xmlns:a16="http://schemas.microsoft.com/office/drawing/2014/main" id="{F99933B6-A63F-43CF-A794-B078457C2359}"/>
+              </a:ext>
+            </a:extLst>
+          </p:cNvPr>
+          <p:cNvPicPr>
+            <a:picLocks noChangeAspect="1"/>
+          </p:cNvPicPr>
+          <p:nvPr/>
+        </p:nvPicPr>
+        <p:blipFill>
+          <a:blip r:embed="rId4">
+            <a:extLst>
+              <a:ext uri="{28A0092B-C50C-407E-A947-70E740481C1C}">
+                <a14:useLocalDpi xmlns:a14="http://schemas.microsoft.com/office/drawing/2010/main" val="0"/>
+              </a:ext>
+            </a:extLst>
+          </a:blip>
+          <a:stretch>
+            <a:fillRect/>
+          </a:stretch>
+        </p:blipFill>
+        <p:spPr>
+          <a:xfrm>
+            <a:off x="590428" y="560763"/>
+            <a:ext cx="930217" cy="930217"/>
+          </a:xfrm>
+          <a:prstGeom prst="rect">
+            <a:avLst/>
+          </a:prstGeom>
+        </p:spPr>
+      </p:pic>
     </p:spTree>
     <p:extLst>
       <p:ext uri="{BB962C8B-B14F-4D97-AF65-F5344CB8AC3E}">
@@ -6815,7 +11148,7 @@
   <mc:AlternateContent xmlns:mc="http://schemas.openxmlformats.org/markup-compatibility/2006">
     <mc:Choice xmlns:p159="http://schemas.microsoft.com/office/powerpoint/2015/09/main" Requires="p159">
       <p:transition xmlns:p14="http://schemas.microsoft.com/office/powerpoint/2010/main" spd="slow" p14:dur="2000">
-        <p159:morph option="byObject"/>
+        <p159:morph option="byChar"/>
       </p:transition>
     </mc:Choice>
     <mc:Fallback>
@@ -6824,6 +11157,719 @@
       </p:transition>
     </mc:Fallback>
   </mc:AlternateContent>
+  <p:timing>
+    <p:tnLst>
+      <p:par>
+        <p:cTn id="1" dur="indefinite" restart="never" nodeType="tmRoot">
+          <p:childTnLst>
+            <p:seq concurrent="1" nextAc="seek">
+              <p:cTn id="2" dur="indefinite" nodeType="mainSeq">
+                <p:childTnLst>
+                  <p:par>
+                    <p:cTn id="3" fill="hold">
+                      <p:stCondLst>
+                        <p:cond delay="indefinite"/>
+                        <p:cond evt="onBegin" delay="0">
+                          <p:tn val="2"/>
+                        </p:cond>
+                      </p:stCondLst>
+                      <p:childTnLst>
+                        <p:par>
+                          <p:cTn id="4" fill="hold">
+                            <p:stCondLst>
+                              <p:cond delay="0"/>
+                            </p:stCondLst>
+                            <p:childTnLst>
+                              <p:par>
+                                <p:cTn id="5" presetID="10" presetClass="entr" presetSubtype="0" fill="hold" nodeType="withEffect">
+                                  <p:stCondLst>
+                                    <p:cond delay="350"/>
+                                  </p:stCondLst>
+                                  <p:childTnLst>
+                                    <p:set>
+                                      <p:cBhvr>
+                                        <p:cTn id="6" dur="1" fill="hold">
+                                          <p:stCondLst>
+                                            <p:cond delay="0"/>
+                                          </p:stCondLst>
+                                        </p:cTn>
+                                        <p:tgtEl>
+                                          <p:spTgt spid="8"/>
+                                        </p:tgtEl>
+                                        <p:attrNameLst>
+                                          <p:attrName>style.visibility</p:attrName>
+                                        </p:attrNameLst>
+                                      </p:cBhvr>
+                                      <p:to>
+                                        <p:strVal val="visible"/>
+                                      </p:to>
+                                    </p:set>
+                                    <p:animEffect transition="in" filter="fade">
+                                      <p:cBhvr>
+                                        <p:cTn id="7" dur="500"/>
+                                        <p:tgtEl>
+                                          <p:spTgt spid="8"/>
+                                        </p:tgtEl>
+                                      </p:cBhvr>
+                                    </p:animEffect>
+                                  </p:childTnLst>
+                                </p:cTn>
+                              </p:par>
+                            </p:childTnLst>
+                          </p:cTn>
+                        </p:par>
+                      </p:childTnLst>
+                    </p:cTn>
+                  </p:par>
+                </p:childTnLst>
+              </p:cTn>
+              <p:prevCondLst>
+                <p:cond evt="onPrev" delay="0">
+                  <p:tgtEl>
+                    <p:sldTgt/>
+                  </p:tgtEl>
+                </p:cond>
+              </p:prevCondLst>
+              <p:nextCondLst>
+                <p:cond evt="onNext" delay="0">
+                  <p:tgtEl>
+                    <p:sldTgt/>
+                  </p:tgtEl>
+                </p:cond>
+              </p:nextCondLst>
+            </p:seq>
+          </p:childTnLst>
+        </p:cTn>
+      </p:par>
+    </p:tnLst>
+  </p:timing>
+</p:sld>
+</file>
+
+<file path=ppt/slides/slide20.xml><?xml version="1.0" encoding="utf-8"?>
+<p:sld xmlns:a="http://schemas.openxmlformats.org/drawingml/2006/main" xmlns:r="http://schemas.openxmlformats.org/officeDocument/2006/relationships" xmlns:p="http://schemas.openxmlformats.org/presentationml/2006/main">
+  <p:cSld>
+    <p:spTree>
+      <p:nvGrpSpPr>
+        <p:cNvPr id="1" name=""/>
+        <p:cNvGrpSpPr/>
+        <p:nvPr/>
+      </p:nvGrpSpPr>
+      <p:grpSpPr>
+        <a:xfrm>
+          <a:off x="0" y="0"/>
+          <a:ext cx="0" cy="0"/>
+          <a:chOff x="0" y="0"/>
+          <a:chExt cx="0" cy="0"/>
+        </a:xfrm>
+      </p:grpSpPr>
+      <p:sp>
+        <p:nvSpPr>
+          <p:cNvPr id="7" name="Rechteck 6">
+            <a:extLst>
+              <a:ext uri="{FF2B5EF4-FFF2-40B4-BE49-F238E27FC236}">
+                <a16:creationId xmlns:a16="http://schemas.microsoft.com/office/drawing/2014/main" id="{B0054402-C1C0-4370-BEEE-E49A27E27F67}"/>
+              </a:ext>
+            </a:extLst>
+          </p:cNvPr>
+          <p:cNvSpPr/>
+          <p:nvPr/>
+        </p:nvSpPr>
+        <p:spPr>
+          <a:xfrm>
+            <a:off x="101600" y="136524"/>
+            <a:ext cx="12009120" cy="6584951"/>
+          </a:xfrm>
+          <a:prstGeom prst="rect">
+            <a:avLst/>
+          </a:prstGeom>
+          <a:gradFill flip="none" rotWithShape="1">
+            <a:gsLst>
+              <a:gs pos="0">
+                <a:schemeClr val="tx1">
+                  <a:lumMod val="65000"/>
+                  <a:lumOff val="35000"/>
+                  <a:alpha val="50000"/>
+                </a:schemeClr>
+              </a:gs>
+              <a:gs pos="69000">
+                <a:schemeClr val="bg2">
+                  <a:lumMod val="25000"/>
+                  <a:alpha val="50000"/>
+                </a:schemeClr>
+              </a:gs>
+              <a:gs pos="100000">
+                <a:schemeClr val="bg2">
+                  <a:lumMod val="25000"/>
+                  <a:alpha val="70000"/>
+                </a:schemeClr>
+              </a:gs>
+            </a:gsLst>
+            <a:lin ang="16200000" scaled="1"/>
+            <a:tileRect/>
+          </a:gradFill>
+          <a:ln>
+            <a:noFill/>
+          </a:ln>
+        </p:spPr>
+        <p:style>
+          <a:lnRef idx="2">
+            <a:schemeClr val="accent1">
+              <a:shade val="50000"/>
+            </a:schemeClr>
+          </a:lnRef>
+          <a:fillRef idx="1">
+            <a:schemeClr val="accent1"/>
+          </a:fillRef>
+          <a:effectRef idx="0">
+            <a:schemeClr val="accent1"/>
+          </a:effectRef>
+          <a:fontRef idx="minor">
+            <a:schemeClr val="lt1"/>
+          </a:fontRef>
+        </p:style>
+        <p:txBody>
+          <a:bodyPr rtlCol="0" anchor="ctr"/>
+          <a:lstStyle/>
+          <a:p>
+            <a:pPr algn="ctr"/>
+            <a:endParaRPr lang="de-DE"/>
+          </a:p>
+        </p:txBody>
+      </p:sp>
+      <p:sp>
+        <p:nvSpPr>
+          <p:cNvPr id="2" name="Titel 1">
+            <a:extLst>
+              <a:ext uri="{FF2B5EF4-FFF2-40B4-BE49-F238E27FC236}">
+                <a16:creationId xmlns:a16="http://schemas.microsoft.com/office/drawing/2014/main" id="{D1121311-B75D-483F-B5FA-DD13D2196F4B}"/>
+              </a:ext>
+            </a:extLst>
+          </p:cNvPr>
+          <p:cNvSpPr>
+            <a:spLocks noGrp="1"/>
+          </p:cNvSpPr>
+          <p:nvPr>
+            <p:ph type="title"/>
+          </p:nvPr>
+        </p:nvSpPr>
+        <p:spPr/>
+        <p:txBody>
+          <a:bodyPr/>
+          <a:lstStyle/>
+          <a:p>
+            <a:endParaRPr lang="de-DE"/>
+          </a:p>
+        </p:txBody>
+      </p:sp>
+      <p:sp>
+        <p:nvSpPr>
+          <p:cNvPr id="3" name="Inhaltsplatzhalter 2">
+            <a:extLst>
+              <a:ext uri="{FF2B5EF4-FFF2-40B4-BE49-F238E27FC236}">
+                <a16:creationId xmlns:a16="http://schemas.microsoft.com/office/drawing/2014/main" id="{D0E3CC92-3C19-48F7-BABB-D4833C3133D8}"/>
+              </a:ext>
+            </a:extLst>
+          </p:cNvPr>
+          <p:cNvSpPr>
+            <a:spLocks noGrp="1"/>
+          </p:cNvSpPr>
+          <p:nvPr>
+            <p:ph idx="1"/>
+          </p:nvPr>
+        </p:nvSpPr>
+        <p:spPr/>
+        <p:txBody>
+          <a:bodyPr/>
+          <a:lstStyle/>
+          <a:p>
+            <a:endParaRPr lang="de-DE" dirty="0"/>
+          </a:p>
+        </p:txBody>
+      </p:sp>
+      <p:pic>
+        <p:nvPicPr>
+          <p:cNvPr id="4" name="Grafik 3">
+            <a:extLst>
+              <a:ext uri="{FF2B5EF4-FFF2-40B4-BE49-F238E27FC236}">
+                <a16:creationId xmlns:a16="http://schemas.microsoft.com/office/drawing/2014/main" id="{0B87DCA3-703C-4068-9B7F-C98232957191}"/>
+              </a:ext>
+            </a:extLst>
+          </p:cNvPr>
+          <p:cNvPicPr>
+            <a:picLocks noChangeAspect="1"/>
+          </p:cNvPicPr>
+          <p:nvPr/>
+        </p:nvPicPr>
+        <p:blipFill rotWithShape="1">
+          <a:blip r:embed="rId2"/>
+          <a:srcRect l="41675"/>
+          <a:stretch/>
+        </p:blipFill>
+        <p:spPr>
+          <a:xfrm>
+            <a:off x="1036806" y="2056376"/>
+            <a:ext cx="10118386" cy="4099703"/>
+          </a:xfrm>
+          <a:prstGeom prst="rect">
+            <a:avLst/>
+          </a:prstGeom>
+          <a:ln w="38100">
+            <a:solidFill>
+              <a:schemeClr val="bg1"/>
+            </a:solidFill>
+            <a:prstDash val="lgDash"/>
+          </a:ln>
+        </p:spPr>
+      </p:pic>
+      <p:sp>
+        <p:nvSpPr>
+          <p:cNvPr id="6" name="Titel 1">
+            <a:extLst>
+              <a:ext uri="{FF2B5EF4-FFF2-40B4-BE49-F238E27FC236}">
+                <a16:creationId xmlns:a16="http://schemas.microsoft.com/office/drawing/2014/main" id="{BC593772-28ED-46F2-921F-5B674ACB074E}"/>
+              </a:ext>
+            </a:extLst>
+          </p:cNvPr>
+          <p:cNvSpPr txBox="1">
+            <a:spLocks/>
+          </p:cNvSpPr>
+          <p:nvPr/>
+        </p:nvSpPr>
+        <p:spPr>
+          <a:xfrm>
+            <a:off x="1686559" y="432593"/>
+            <a:ext cx="8818880" cy="1325563"/>
+          </a:xfrm>
+          <a:prstGeom prst="rect">
+            <a:avLst/>
+          </a:prstGeom>
+        </p:spPr>
+        <p:txBody>
+          <a:bodyPr vert="horz" lIns="91440" tIns="45720" rIns="91440" bIns="45720" rtlCol="0" anchor="ctr">
+            <a:noAutofit/>
+          </a:bodyPr>
+          <a:lstStyle>
+            <a:lvl1pPr algn="l" defTabSz="914400" rtl="0" eaLnBrk="1" latinLnBrk="0" hangingPunct="1">
+              <a:lnSpc>
+                <a:spcPct val="90000"/>
+              </a:lnSpc>
+              <a:spcBef>
+                <a:spcPct val="0"/>
+              </a:spcBef>
+              <a:buNone/>
+              <a:defRPr sz="4400" kern="1200">
+                <a:solidFill>
+                  <a:schemeClr val="tx1"/>
+                </a:solidFill>
+                <a:latin typeface="+mj-lt"/>
+                <a:ea typeface="+mj-ea"/>
+                <a:cs typeface="+mj-cs"/>
+              </a:defRPr>
+            </a:lvl1pPr>
+          </a:lstStyle>
+          <a:p>
+            <a:pPr algn="ctr"/>
+            <a:r>
+              <a:rPr lang="de-DE" sz="8000" dirty="0">
+                <a:solidFill>
+                  <a:srgbClr val="FF6123"/>
+                </a:solidFill>
+                <a:effectLst>
+                  <a:outerShdw blurRad="38100" dist="38100" dir="2700000" algn="tl">
+                    <a:srgbClr val="000000">
+                      <a:alpha val="43137"/>
+                    </a:srgbClr>
+                  </a:outerShdw>
+                </a:effectLst>
+                <a:latin typeface="Orbitron ExtraBold" pitchFamily="2" charset="0"/>
+              </a:rPr>
+              <a:t>Dark </a:t>
+            </a:r>
+            <a:r>
+              <a:rPr lang="de-DE" sz="8000" dirty="0" err="1">
+                <a:solidFill>
+                  <a:srgbClr val="FF6123"/>
+                </a:solidFill>
+                <a:effectLst>
+                  <a:outerShdw blurRad="38100" dist="38100" dir="2700000" algn="tl">
+                    <a:srgbClr val="000000">
+                      <a:alpha val="43137"/>
+                    </a:srgbClr>
+                  </a:outerShdw>
+                </a:effectLst>
+                <a:latin typeface="Orbitron ExtraBold" pitchFamily="2" charset="0"/>
+              </a:rPr>
+              <a:t>mode</a:t>
+            </a:r>
+            <a:endParaRPr lang="de-DE" sz="6600" dirty="0">
+              <a:solidFill>
+                <a:srgbClr val="FF6123"/>
+              </a:solidFill>
+              <a:effectLst>
+                <a:outerShdw blurRad="38100" dist="38100" dir="2700000" algn="tl">
+                  <a:srgbClr val="000000">
+                    <a:alpha val="43137"/>
+                  </a:srgbClr>
+                </a:outerShdw>
+              </a:effectLst>
+              <a:latin typeface="Orbitron ExtraBold" pitchFamily="2" charset="0"/>
+            </a:endParaRPr>
+          </a:p>
+        </p:txBody>
+      </p:sp>
+      <p:pic>
+        <p:nvPicPr>
+          <p:cNvPr id="8" name="Grafik 7">
+            <a:extLst>
+              <a:ext uri="{FF2B5EF4-FFF2-40B4-BE49-F238E27FC236}">
+                <a16:creationId xmlns:a16="http://schemas.microsoft.com/office/drawing/2014/main" id="{15E4AEF1-AD5D-4610-9C72-923133DDA88D}"/>
+              </a:ext>
+            </a:extLst>
+          </p:cNvPr>
+          <p:cNvPicPr>
+            <a:picLocks noChangeAspect="1"/>
+          </p:cNvPicPr>
+          <p:nvPr/>
+        </p:nvPicPr>
+        <p:blipFill>
+          <a:blip r:embed="rId3">
+            <a:extLst>
+              <a:ext uri="{28A0092B-C50C-407E-A947-70E740481C1C}">
+                <a14:useLocalDpi xmlns:a14="http://schemas.microsoft.com/office/drawing/2010/main" val="0"/>
+              </a:ext>
+            </a:extLst>
+          </a:blip>
+          <a:stretch>
+            <a:fillRect/>
+          </a:stretch>
+        </p:blipFill>
+        <p:spPr>
+          <a:xfrm>
+            <a:off x="590428" y="560763"/>
+            <a:ext cx="930217" cy="930217"/>
+          </a:xfrm>
+          <a:prstGeom prst="rect">
+            <a:avLst/>
+          </a:prstGeom>
+        </p:spPr>
+      </p:pic>
+    </p:spTree>
+    <p:extLst>
+      <p:ext uri="{BB962C8B-B14F-4D97-AF65-F5344CB8AC3E}">
+        <p14:creationId xmlns:p14="http://schemas.microsoft.com/office/powerpoint/2010/main" val="1079529144"/>
+      </p:ext>
+    </p:extLst>
+  </p:cSld>
+  <p:clrMapOvr>
+    <a:masterClrMapping/>
+  </p:clrMapOvr>
+  <mc:AlternateContent xmlns:mc="http://schemas.openxmlformats.org/markup-compatibility/2006">
+    <mc:Choice xmlns:p159="http://schemas.microsoft.com/office/powerpoint/2015/09/main" Requires="p159">
+      <p:transition xmlns:p14="http://schemas.microsoft.com/office/powerpoint/2010/main" spd="slow" p14:dur="2000">
+        <p159:morph option="byChar"/>
+      </p:transition>
+    </mc:Choice>
+    <mc:Fallback>
+      <p:transition spd="slow">
+        <p:fade/>
+      </p:transition>
+    </mc:Fallback>
+  </mc:AlternateContent>
+</p:sld>
+</file>
+
+<file path=ppt/slides/slide21.xml><?xml version="1.0" encoding="utf-8"?>
+<p:sld xmlns:a="http://schemas.openxmlformats.org/drawingml/2006/main" xmlns:r="http://schemas.openxmlformats.org/officeDocument/2006/relationships" xmlns:p="http://schemas.openxmlformats.org/presentationml/2006/main">
+  <p:cSld>
+    <p:spTree>
+      <p:nvGrpSpPr>
+        <p:cNvPr id="1" name=""/>
+        <p:cNvGrpSpPr/>
+        <p:nvPr/>
+      </p:nvGrpSpPr>
+      <p:grpSpPr>
+        <a:xfrm>
+          <a:off x="0" y="0"/>
+          <a:ext cx="0" cy="0"/>
+          <a:chOff x="0" y="0"/>
+          <a:chExt cx="0" cy="0"/>
+        </a:xfrm>
+      </p:grpSpPr>
+      <p:sp>
+        <p:nvSpPr>
+          <p:cNvPr id="2" name="Titel 1">
+            <a:extLst>
+              <a:ext uri="{FF2B5EF4-FFF2-40B4-BE49-F238E27FC236}">
+                <a16:creationId xmlns:a16="http://schemas.microsoft.com/office/drawing/2014/main" id="{F3FDE9C6-C5B7-44A8-890E-693AF75E220F}"/>
+              </a:ext>
+            </a:extLst>
+          </p:cNvPr>
+          <p:cNvSpPr>
+            <a:spLocks noGrp="1"/>
+          </p:cNvSpPr>
+          <p:nvPr>
+            <p:ph type="title"/>
+          </p:nvPr>
+        </p:nvSpPr>
+        <p:spPr/>
+        <p:txBody>
+          <a:bodyPr/>
+          <a:lstStyle/>
+          <a:p>
+            <a:endParaRPr lang="de-DE"/>
+          </a:p>
+        </p:txBody>
+      </p:sp>
+      <p:sp>
+        <p:nvSpPr>
+          <p:cNvPr id="3" name="Inhaltsplatzhalter 2">
+            <a:extLst>
+              <a:ext uri="{FF2B5EF4-FFF2-40B4-BE49-F238E27FC236}">
+                <a16:creationId xmlns:a16="http://schemas.microsoft.com/office/drawing/2014/main" id="{602FE51C-7634-43DA-B89F-298BC0B83D04}"/>
+              </a:ext>
+            </a:extLst>
+          </p:cNvPr>
+          <p:cNvSpPr>
+            <a:spLocks noGrp="1"/>
+          </p:cNvSpPr>
+          <p:nvPr>
+            <p:ph idx="1"/>
+          </p:nvPr>
+        </p:nvSpPr>
+        <p:spPr/>
+        <p:txBody>
+          <a:bodyPr/>
+          <a:lstStyle/>
+          <a:p>
+            <a:endParaRPr lang="de-DE" dirty="0"/>
+          </a:p>
+        </p:txBody>
+      </p:sp>
+      <p:sp>
+        <p:nvSpPr>
+          <p:cNvPr id="4" name="Titel 1">
+            <a:extLst>
+              <a:ext uri="{FF2B5EF4-FFF2-40B4-BE49-F238E27FC236}">
+                <a16:creationId xmlns:a16="http://schemas.microsoft.com/office/drawing/2014/main" id="{9BBC7ACC-756A-42AE-8BA4-93C3DBE69ADF}"/>
+              </a:ext>
+            </a:extLst>
+          </p:cNvPr>
+          <p:cNvSpPr txBox="1">
+            <a:spLocks/>
+          </p:cNvSpPr>
+          <p:nvPr/>
+        </p:nvSpPr>
+        <p:spPr>
+          <a:xfrm>
+            <a:off x="1938337" y="2766218"/>
+            <a:ext cx="8315325" cy="1325563"/>
+          </a:xfrm>
+          <a:prstGeom prst="rect">
+            <a:avLst/>
+          </a:prstGeom>
+        </p:spPr>
+        <p:txBody>
+          <a:bodyPr vert="horz" lIns="91440" tIns="45720" rIns="91440" bIns="45720" rtlCol="0" anchor="ctr">
+            <a:noAutofit/>
+          </a:bodyPr>
+          <a:lstStyle>
+            <a:lvl1pPr algn="l" defTabSz="914400" rtl="0" eaLnBrk="1" latinLnBrk="0" hangingPunct="1">
+              <a:lnSpc>
+                <a:spcPct val="90000"/>
+              </a:lnSpc>
+              <a:spcBef>
+                <a:spcPct val="0"/>
+              </a:spcBef>
+              <a:buNone/>
+              <a:defRPr sz="4400" kern="1200">
+                <a:solidFill>
+                  <a:schemeClr val="tx1"/>
+                </a:solidFill>
+                <a:latin typeface="+mj-lt"/>
+                <a:ea typeface="+mj-ea"/>
+                <a:cs typeface="+mj-cs"/>
+              </a:defRPr>
+            </a:lvl1pPr>
+          </a:lstStyle>
+          <a:p>
+            <a:pPr algn="ctr"/>
+            <a:r>
+              <a:rPr lang="de-DE" sz="6000" dirty="0">
+                <a:solidFill>
+                  <a:srgbClr val="FF6123"/>
+                </a:solidFill>
+                <a:effectLst>
+                  <a:outerShdw blurRad="38100" dist="38100" dir="2700000" algn="tl">
+                    <a:srgbClr val="000000">
+                      <a:alpha val="43137"/>
+                    </a:srgbClr>
+                  </a:outerShdw>
+                </a:effectLst>
+                <a:latin typeface="Orbitron ExtraBold" pitchFamily="2" charset="0"/>
+              </a:rPr>
+              <a:t>Vielen Dank fürs Zuhören</a:t>
+            </a:r>
+            <a:endParaRPr lang="de-DE" sz="4800" dirty="0">
+              <a:solidFill>
+                <a:srgbClr val="FF6123"/>
+              </a:solidFill>
+              <a:effectLst>
+                <a:outerShdw blurRad="38100" dist="38100" dir="2700000" algn="tl">
+                  <a:srgbClr val="000000">
+                    <a:alpha val="43137"/>
+                  </a:srgbClr>
+                </a:outerShdw>
+              </a:effectLst>
+              <a:latin typeface="Orbitron ExtraBold" pitchFamily="2" charset="0"/>
+            </a:endParaRPr>
+          </a:p>
+        </p:txBody>
+      </p:sp>
+      <p:pic>
+        <p:nvPicPr>
+          <p:cNvPr id="5" name="Grafik 4">
+            <a:extLst>
+              <a:ext uri="{FF2B5EF4-FFF2-40B4-BE49-F238E27FC236}">
+                <a16:creationId xmlns:a16="http://schemas.microsoft.com/office/drawing/2014/main" id="{73E77841-8A7B-4550-88E7-5B640DE7E352}"/>
+              </a:ext>
+            </a:extLst>
+          </p:cNvPr>
+          <p:cNvPicPr>
+            <a:picLocks noChangeAspect="1"/>
+          </p:cNvPicPr>
+          <p:nvPr/>
+        </p:nvPicPr>
+        <p:blipFill>
+          <a:blip r:embed="rId2">
+            <a:extLst>
+              <a:ext uri="{28A0092B-C50C-407E-A947-70E740481C1C}">
+                <a14:useLocalDpi xmlns:a14="http://schemas.microsoft.com/office/drawing/2010/main" val="0"/>
+              </a:ext>
+            </a:extLst>
+          </a:blip>
+          <a:stretch>
+            <a:fillRect/>
+          </a:stretch>
+        </p:blipFill>
+        <p:spPr>
+          <a:xfrm>
+            <a:off x="590428" y="560763"/>
+            <a:ext cx="930217" cy="930217"/>
+          </a:xfrm>
+          <a:prstGeom prst="rect">
+            <a:avLst/>
+          </a:prstGeom>
+        </p:spPr>
+      </p:pic>
+    </p:spTree>
+    <p:extLst>
+      <p:ext uri="{BB962C8B-B14F-4D97-AF65-F5344CB8AC3E}">
+        <p14:creationId xmlns:p14="http://schemas.microsoft.com/office/powerpoint/2010/main" val="1998753507"/>
+      </p:ext>
+    </p:extLst>
+  </p:cSld>
+  <p:clrMapOvr>
+    <a:masterClrMapping/>
+  </p:clrMapOvr>
+  <mc:AlternateContent xmlns:mc="http://schemas.openxmlformats.org/markup-compatibility/2006">
+    <mc:Choice xmlns:p159="http://schemas.microsoft.com/office/powerpoint/2015/09/main" Requires="p159">
+      <p:transition xmlns:p14="http://schemas.microsoft.com/office/powerpoint/2010/main" spd="slow" p14:dur="2000">
+        <p159:morph option="byChar"/>
+      </p:transition>
+    </mc:Choice>
+    <mc:Fallback>
+      <p:transition spd="slow">
+        <p:fade/>
+      </p:transition>
+    </mc:Fallback>
+  </mc:AlternateContent>
+  <p:timing>
+    <p:tnLst>
+      <p:par>
+        <p:cTn id="1" dur="indefinite" restart="never" nodeType="tmRoot">
+          <p:childTnLst>
+            <p:seq concurrent="1" nextAc="seek">
+              <p:cTn id="2" dur="indefinite" nodeType="mainSeq">
+                <p:childTnLst>
+                  <p:par>
+                    <p:cTn id="3" fill="hold">
+                      <p:stCondLst>
+                        <p:cond delay="indefinite"/>
+                        <p:cond evt="onBegin" delay="0">
+                          <p:tn val="2"/>
+                        </p:cond>
+                      </p:stCondLst>
+                      <p:childTnLst>
+                        <p:par>
+                          <p:cTn id="4" fill="hold">
+                            <p:stCondLst>
+                              <p:cond delay="0"/>
+                            </p:stCondLst>
+                            <p:childTnLst>
+                              <p:par>
+                                <p:cTn id="5" presetID="10" presetClass="entr" presetSubtype="0" fill="hold" nodeType="withEffect">
+                                  <p:stCondLst>
+                                    <p:cond delay="350"/>
+                                  </p:stCondLst>
+                                  <p:childTnLst>
+                                    <p:set>
+                                      <p:cBhvr>
+                                        <p:cTn id="6" dur="1" fill="hold">
+                                          <p:stCondLst>
+                                            <p:cond delay="0"/>
+                                          </p:stCondLst>
+                                        </p:cTn>
+                                        <p:tgtEl>
+                                          <p:spTgt spid="5"/>
+                                        </p:tgtEl>
+                                        <p:attrNameLst>
+                                          <p:attrName>style.visibility</p:attrName>
+                                        </p:attrNameLst>
+                                      </p:cBhvr>
+                                      <p:to>
+                                        <p:strVal val="visible"/>
+                                      </p:to>
+                                    </p:set>
+                                    <p:animEffect transition="in" filter="fade">
+                                      <p:cBhvr>
+                                        <p:cTn id="7" dur="500"/>
+                                        <p:tgtEl>
+                                          <p:spTgt spid="5"/>
+                                        </p:tgtEl>
+                                      </p:cBhvr>
+                                    </p:animEffect>
+                                  </p:childTnLst>
+                                </p:cTn>
+                              </p:par>
+                            </p:childTnLst>
+                          </p:cTn>
+                        </p:par>
+                      </p:childTnLst>
+                    </p:cTn>
+                  </p:par>
+                </p:childTnLst>
+              </p:cTn>
+              <p:prevCondLst>
+                <p:cond evt="onPrev" delay="0">
+                  <p:tgtEl>
+                    <p:sldTgt/>
+                  </p:tgtEl>
+                </p:cond>
+              </p:prevCondLst>
+              <p:nextCondLst>
+                <p:cond evt="onNext" delay="0">
+                  <p:tgtEl>
+                    <p:sldTgt/>
+                  </p:tgtEl>
+                </p:cond>
+              </p:nextCondLst>
+            </p:seq>
+          </p:childTnLst>
+        </p:cTn>
+      </p:par>
+    </p:tnLst>
+  </p:timing>
 </p:sld>
 </file>
 
@@ -6875,13 +11921,163 @@
             <a:pPr algn="ctr"/>
             <a:r>
               <a:rPr lang="de-DE" sz="8000" dirty="0">
+                <a:solidFill>
+                  <a:srgbClr val="FF6123"/>
+                </a:solidFill>
                 <a:latin typeface="Orbitron ExtraBold" pitchFamily="2" charset="0"/>
               </a:rPr>
               <a:t>IDEE</a:t>
             </a:r>
             <a:endParaRPr lang="de-DE" sz="6600" dirty="0">
+              <a:solidFill>
+                <a:srgbClr val="FF6123"/>
+              </a:solidFill>
               <a:latin typeface="Orbitron ExtraBold" pitchFamily="2" charset="0"/>
             </a:endParaRPr>
+          </a:p>
+        </p:txBody>
+      </p:sp>
+      <p:sp>
+        <p:nvSpPr>
+          <p:cNvPr id="3" name="Textfeld 2">
+            <a:extLst>
+              <a:ext uri="{FF2B5EF4-FFF2-40B4-BE49-F238E27FC236}">
+                <a16:creationId xmlns:a16="http://schemas.microsoft.com/office/drawing/2014/main" id="{58F0BF00-28D5-4E3A-A9BD-248DBBB0C797}"/>
+              </a:ext>
+            </a:extLst>
+          </p:cNvPr>
+          <p:cNvSpPr txBox="1"/>
+          <p:nvPr/>
+        </p:nvSpPr>
+        <p:spPr>
+          <a:xfrm>
+            <a:off x="5638800" y="2971800"/>
+            <a:ext cx="914400" cy="914400"/>
+          </a:xfrm>
+          <a:prstGeom prst="rect">
+            <a:avLst/>
+          </a:prstGeom>
+          <a:noFill/>
+        </p:spPr>
+        <p:txBody>
+          <a:bodyPr wrap="square" rtlCol="0">
+            <a:spAutoFit/>
+          </a:bodyPr>
+          <a:lstStyle/>
+          <a:p>
+            <a:endParaRPr lang="de-DE" dirty="0"/>
+          </a:p>
+        </p:txBody>
+      </p:sp>
+      <p:sp>
+        <p:nvSpPr>
+          <p:cNvPr id="5" name="Textfeld 4">
+            <a:extLst>
+              <a:ext uri="{FF2B5EF4-FFF2-40B4-BE49-F238E27FC236}">
+                <a16:creationId xmlns:a16="http://schemas.microsoft.com/office/drawing/2014/main" id="{D13B41AB-DEB6-449C-A5D2-E4EA6E2999EA}"/>
+              </a:ext>
+            </a:extLst>
+          </p:cNvPr>
+          <p:cNvSpPr txBox="1"/>
+          <p:nvPr/>
+        </p:nvSpPr>
+        <p:spPr>
+          <a:xfrm>
+            <a:off x="3747247" y="2033471"/>
+            <a:ext cx="4697506" cy="523220"/>
+          </a:xfrm>
+          <a:prstGeom prst="rect">
+            <a:avLst/>
+          </a:prstGeom>
+          <a:noFill/>
+        </p:spPr>
+        <p:txBody>
+          <a:bodyPr wrap="square" rtlCol="0">
+            <a:spAutoFit/>
+          </a:bodyPr>
+          <a:lstStyle/>
+          <a:p>
+            <a:pPr algn="ctr"/>
+            <a:r>
+              <a:rPr lang="de-DE" sz="2800" dirty="0">
+                <a:latin typeface="Orbitron Medium" pitchFamily="2" charset="0"/>
+              </a:rPr>
+              <a:t>Übersichtlicher Shop</a:t>
+            </a:r>
+          </a:p>
+        </p:txBody>
+      </p:sp>
+      <p:pic>
+        <p:nvPicPr>
+          <p:cNvPr id="6" name="Grafik 5">
+            <a:extLst>
+              <a:ext uri="{FF2B5EF4-FFF2-40B4-BE49-F238E27FC236}">
+                <a16:creationId xmlns:a16="http://schemas.microsoft.com/office/drawing/2014/main" id="{27CF8153-D971-4676-BBDF-24D79AE985A8}"/>
+              </a:ext>
+            </a:extLst>
+          </p:cNvPr>
+          <p:cNvPicPr>
+            <a:picLocks noChangeAspect="1"/>
+          </p:cNvPicPr>
+          <p:nvPr/>
+        </p:nvPicPr>
+        <p:blipFill>
+          <a:blip r:embed="rId2"/>
+          <a:stretch>
+            <a:fillRect/>
+          </a:stretch>
+        </p:blipFill>
+        <p:spPr>
+          <a:xfrm>
+            <a:off x="2348753" y="2766218"/>
+            <a:ext cx="7494493" cy="3587243"/>
+          </a:xfrm>
+          <a:prstGeom prst="rect">
+            <a:avLst/>
+          </a:prstGeom>
+          <a:ln w="38100">
+            <a:solidFill>
+              <a:srgbClr val="FF6123"/>
+            </a:solidFill>
+            <a:prstDash val="lgDash"/>
+          </a:ln>
+        </p:spPr>
+      </p:pic>
+      <p:sp>
+        <p:nvSpPr>
+          <p:cNvPr id="8" name="Textfeld 7">
+            <a:extLst>
+              <a:ext uri="{FF2B5EF4-FFF2-40B4-BE49-F238E27FC236}">
+                <a16:creationId xmlns:a16="http://schemas.microsoft.com/office/drawing/2014/main" id="{3C928669-EE78-4AE2-B474-2EA7C60EA26B}"/>
+              </a:ext>
+            </a:extLst>
+          </p:cNvPr>
+          <p:cNvSpPr txBox="1"/>
+          <p:nvPr/>
+        </p:nvSpPr>
+        <p:spPr>
+          <a:xfrm>
+            <a:off x="3747246" y="3789529"/>
+            <a:ext cx="4697506" cy="523220"/>
+          </a:xfrm>
+          <a:prstGeom prst="rect">
+            <a:avLst/>
+          </a:prstGeom>
+          <a:noFill/>
+        </p:spPr>
+        <p:txBody>
+          <a:bodyPr wrap="square" rtlCol="0">
+            <a:spAutoFit/>
+          </a:bodyPr>
+          <a:lstStyle/>
+          <a:p>
+            <a:pPr algn="ctr"/>
+            <a:r>
+              <a:rPr lang="de-DE" sz="2800" dirty="0">
+                <a:latin typeface="Orbitron Medium" pitchFamily="2" charset="0"/>
+              </a:rPr>
+              <a:t>Bessere UI</a:t>
+            </a:r>
           </a:p>
         </p:txBody>
       </p:sp>
@@ -6898,7 +12094,7 @@
   <mc:AlternateContent xmlns:mc="http://schemas.openxmlformats.org/markup-compatibility/2006">
     <mc:Choice xmlns:p159="http://schemas.microsoft.com/office/powerpoint/2015/09/main" Requires="p159">
       <p:transition xmlns:p14="http://schemas.microsoft.com/office/powerpoint/2010/main" spd="slow" p14:dur="2000">
-        <p159:morph option="byObject"/>
+        <p159:morph option="byChar"/>
       </p:transition>
     </mc:Choice>
     <mc:Fallback>
@@ -6919,6 +12115,9 @@
                     <p:cTn id="3" fill="hold">
                       <p:stCondLst>
                         <p:cond delay="indefinite"/>
+                        <p:cond evt="onBegin" delay="0">
+                          <p:tn val="2"/>
+                        </p:cond>
                       </p:stCondLst>
                       <p:childTnLst>
                         <p:par>
@@ -6928,7 +12127,7 @@
                             </p:stCondLst>
                             <p:childTnLst>
                               <p:par>
-                                <p:cTn id="5" presetID="10" presetClass="entr" presetSubtype="0" fill="hold" grpId="0" nodeType="clickEffect">
+                                <p:cTn id="5" presetID="10" presetClass="entr" presetSubtype="0" fill="hold" grpId="0" nodeType="withEffect">
                                   <p:stCondLst>
                                     <p:cond delay="0"/>
                                   </p:stCondLst>
@@ -7008,6 +12207,218 @@
                       </p:childTnLst>
                     </p:cTn>
                   </p:par>
+                  <p:par>
+                    <p:cTn id="12" fill="hold">
+                      <p:stCondLst>
+                        <p:cond delay="indefinite"/>
+                      </p:stCondLst>
+                      <p:childTnLst>
+                        <p:par>
+                          <p:cTn id="13" fill="hold">
+                            <p:stCondLst>
+                              <p:cond delay="0"/>
+                            </p:stCondLst>
+                            <p:childTnLst>
+                              <p:par>
+                                <p:cTn id="14" presetID="10" presetClass="entr" presetSubtype="0" fill="hold" grpId="0" nodeType="clickEffect">
+                                  <p:stCondLst>
+                                    <p:cond delay="0"/>
+                                  </p:stCondLst>
+                                  <p:childTnLst>
+                                    <p:set>
+                                      <p:cBhvr>
+                                        <p:cTn id="15" dur="1" fill="hold">
+                                          <p:stCondLst>
+                                            <p:cond delay="0"/>
+                                          </p:stCondLst>
+                                        </p:cTn>
+                                        <p:tgtEl>
+                                          <p:spTgt spid="5"/>
+                                        </p:tgtEl>
+                                        <p:attrNameLst>
+                                          <p:attrName>style.visibility</p:attrName>
+                                        </p:attrNameLst>
+                                      </p:cBhvr>
+                                      <p:to>
+                                        <p:strVal val="visible"/>
+                                      </p:to>
+                                    </p:set>
+                                    <p:animEffect transition="in" filter="fade">
+                                      <p:cBhvr>
+                                        <p:cTn id="16" dur="500"/>
+                                        <p:tgtEl>
+                                          <p:spTgt spid="5"/>
+                                        </p:tgtEl>
+                                      </p:cBhvr>
+                                    </p:animEffect>
+                                  </p:childTnLst>
+                                </p:cTn>
+                              </p:par>
+                            </p:childTnLst>
+                          </p:cTn>
+                        </p:par>
+                      </p:childTnLst>
+                    </p:cTn>
+                  </p:par>
+                  <p:par>
+                    <p:cTn id="17" fill="hold">
+                      <p:stCondLst>
+                        <p:cond delay="indefinite"/>
+                      </p:stCondLst>
+                      <p:childTnLst>
+                        <p:par>
+                          <p:cTn id="18" fill="hold">
+                            <p:stCondLst>
+                              <p:cond delay="0"/>
+                            </p:stCondLst>
+                            <p:childTnLst>
+                              <p:par>
+                                <p:cTn id="19" presetID="10" presetClass="entr" presetSubtype="0" fill="hold" nodeType="clickEffect">
+                                  <p:stCondLst>
+                                    <p:cond delay="0"/>
+                                  </p:stCondLst>
+                                  <p:childTnLst>
+                                    <p:set>
+                                      <p:cBhvr>
+                                        <p:cTn id="20" dur="1" fill="hold">
+                                          <p:stCondLst>
+                                            <p:cond delay="0"/>
+                                          </p:stCondLst>
+                                        </p:cTn>
+                                        <p:tgtEl>
+                                          <p:spTgt spid="6"/>
+                                        </p:tgtEl>
+                                        <p:attrNameLst>
+                                          <p:attrName>style.visibility</p:attrName>
+                                        </p:attrNameLst>
+                                      </p:cBhvr>
+                                      <p:to>
+                                        <p:strVal val="visible"/>
+                                      </p:to>
+                                    </p:set>
+                                    <p:animEffect transition="in" filter="fade">
+                                      <p:cBhvr>
+                                        <p:cTn id="21" dur="500"/>
+                                        <p:tgtEl>
+                                          <p:spTgt spid="6"/>
+                                        </p:tgtEl>
+                                      </p:cBhvr>
+                                    </p:animEffect>
+                                  </p:childTnLst>
+                                </p:cTn>
+                              </p:par>
+                            </p:childTnLst>
+                          </p:cTn>
+                        </p:par>
+                      </p:childTnLst>
+                    </p:cTn>
+                  </p:par>
+                  <p:par>
+                    <p:cTn id="22" fill="hold">
+                      <p:stCondLst>
+                        <p:cond delay="indefinite"/>
+                      </p:stCondLst>
+                      <p:childTnLst>
+                        <p:par>
+                          <p:cTn id="23" fill="hold">
+                            <p:stCondLst>
+                              <p:cond delay="0"/>
+                            </p:stCondLst>
+                            <p:childTnLst>
+                              <p:par>
+                                <p:cTn id="24" presetID="10" presetClass="exit" presetSubtype="0" fill="hold" nodeType="clickEffect">
+                                  <p:stCondLst>
+                                    <p:cond delay="0"/>
+                                  </p:stCondLst>
+                                  <p:childTnLst>
+                                    <p:animEffect transition="out" filter="fade">
+                                      <p:cBhvr>
+                                        <p:cTn id="25" dur="500"/>
+                                        <p:tgtEl>
+                                          <p:spTgt spid="6"/>
+                                        </p:tgtEl>
+                                      </p:cBhvr>
+                                    </p:animEffect>
+                                    <p:set>
+                                      <p:cBhvr>
+                                        <p:cTn id="26" dur="1" fill="hold">
+                                          <p:stCondLst>
+                                            <p:cond delay="499"/>
+                                          </p:stCondLst>
+                                        </p:cTn>
+                                        <p:tgtEl>
+                                          <p:spTgt spid="6"/>
+                                        </p:tgtEl>
+                                        <p:attrNameLst>
+                                          <p:attrName>style.visibility</p:attrName>
+                                        </p:attrNameLst>
+                                      </p:cBhvr>
+                                      <p:to>
+                                        <p:strVal val="hidden"/>
+                                      </p:to>
+                                    </p:set>
+                                  </p:childTnLst>
+                                </p:cTn>
+                              </p:par>
+                            </p:childTnLst>
+                          </p:cTn>
+                        </p:par>
+                      </p:childTnLst>
+                    </p:cTn>
+                  </p:par>
+                  <p:par>
+                    <p:cTn id="27" fill="hold">
+                      <p:stCondLst>
+                        <p:cond delay="indefinite"/>
+                      </p:stCondLst>
+                      <p:childTnLst>
+                        <p:par>
+                          <p:cTn id="28" fill="hold">
+                            <p:stCondLst>
+                              <p:cond delay="0"/>
+                            </p:stCondLst>
+                            <p:childTnLst>
+                              <p:par>
+                                <p:cTn id="29" presetID="10" presetClass="entr" presetSubtype="0" fill="hold" grpId="0" nodeType="clickEffect">
+                                  <p:stCondLst>
+                                    <p:cond delay="0"/>
+                                  </p:stCondLst>
+                                  <p:childTnLst>
+                                    <p:set>
+                                      <p:cBhvr>
+                                        <p:cTn id="30" dur="1" fill="hold">
+                                          <p:stCondLst>
+                                            <p:cond delay="0"/>
+                                          </p:stCondLst>
+                                        </p:cTn>
+                                        <p:tgtEl>
+                                          <p:spTgt spid="8"/>
+                                        </p:tgtEl>
+                                        <p:attrNameLst>
+                                          <p:attrName>style.visibility</p:attrName>
+                                        </p:attrNameLst>
+                                      </p:cBhvr>
+                                      <p:to>
+                                        <p:strVal val="visible"/>
+                                      </p:to>
+                                    </p:set>
+                                    <p:animEffect transition="in" filter="fade">
+                                      <p:cBhvr>
+                                        <p:cTn id="31" dur="500"/>
+                                        <p:tgtEl>
+                                          <p:spTgt spid="8"/>
+                                        </p:tgtEl>
+                                      </p:cBhvr>
+                                    </p:animEffect>
+                                  </p:childTnLst>
+                                </p:cTn>
+                              </p:par>
+                            </p:childTnLst>
+                          </p:cTn>
+                        </p:par>
+                      </p:childTnLst>
+                    </p:cTn>
+                  </p:par>
                 </p:childTnLst>
               </p:cTn>
               <p:prevCondLst>
@@ -7032,8 +12443,1758 @@
     <p:bldLst>
       <p:bldP spid="2" grpId="0"/>
       <p:bldP spid="2" grpId="1"/>
+      <p:bldP spid="5" grpId="0"/>
+      <p:bldP spid="8" grpId="0"/>
     </p:bldLst>
   </p:timing>
+</p:sld>
+</file>
+
+<file path=ppt/slides/slide4.xml><?xml version="1.0" encoding="utf-8"?>
+<p:sld xmlns:a="http://schemas.openxmlformats.org/drawingml/2006/main" xmlns:r="http://schemas.openxmlformats.org/officeDocument/2006/relationships" xmlns:p="http://schemas.openxmlformats.org/presentationml/2006/main">
+  <p:cSld>
+    <p:spTree>
+      <p:nvGrpSpPr>
+        <p:cNvPr id="1" name=""/>
+        <p:cNvGrpSpPr/>
+        <p:nvPr/>
+      </p:nvGrpSpPr>
+      <p:grpSpPr>
+        <a:xfrm>
+          <a:off x="0" y="0"/>
+          <a:ext cx="0" cy="0"/>
+          <a:chOff x="0" y="0"/>
+          <a:chExt cx="0" cy="0"/>
+        </a:xfrm>
+      </p:grpSpPr>
+      <p:sp>
+        <p:nvSpPr>
+          <p:cNvPr id="5" name="Titel 1">
+            <a:extLst>
+              <a:ext uri="{FF2B5EF4-FFF2-40B4-BE49-F238E27FC236}">
+                <a16:creationId xmlns:a16="http://schemas.microsoft.com/office/drawing/2014/main" id="{2301FACF-F5E9-4A31-84C1-FEC4A4453E8A}"/>
+              </a:ext>
+            </a:extLst>
+          </p:cNvPr>
+          <p:cNvSpPr txBox="1">
+            <a:spLocks/>
+          </p:cNvSpPr>
+          <p:nvPr/>
+        </p:nvSpPr>
+        <p:spPr>
+          <a:xfrm>
+            <a:off x="3876674" y="432593"/>
+            <a:ext cx="4438650" cy="1325563"/>
+          </a:xfrm>
+          <a:prstGeom prst="rect">
+            <a:avLst/>
+          </a:prstGeom>
+        </p:spPr>
+        <p:txBody>
+          <a:bodyPr vert="horz" lIns="91440" tIns="45720" rIns="91440" bIns="45720" rtlCol="0" anchor="ctr">
+            <a:noAutofit/>
+          </a:bodyPr>
+          <a:lstStyle>
+            <a:lvl1pPr algn="l" defTabSz="914400" rtl="0" eaLnBrk="1" latinLnBrk="0" hangingPunct="1">
+              <a:lnSpc>
+                <a:spcPct val="90000"/>
+              </a:lnSpc>
+              <a:spcBef>
+                <a:spcPct val="0"/>
+              </a:spcBef>
+              <a:buNone/>
+              <a:defRPr sz="4400" kern="1200">
+                <a:solidFill>
+                  <a:schemeClr val="tx1"/>
+                </a:solidFill>
+                <a:latin typeface="+mj-lt"/>
+                <a:ea typeface="+mj-ea"/>
+                <a:cs typeface="+mj-cs"/>
+              </a:defRPr>
+            </a:lvl1pPr>
+          </a:lstStyle>
+          <a:p>
+            <a:pPr algn="ctr"/>
+            <a:r>
+              <a:rPr lang="de-DE" sz="8000" dirty="0">
+                <a:solidFill>
+                  <a:srgbClr val="FF6123"/>
+                </a:solidFill>
+                <a:latin typeface="Orbitron ExtraBold" pitchFamily="2" charset="0"/>
+              </a:rPr>
+              <a:t>Details</a:t>
+            </a:r>
+            <a:endParaRPr lang="de-DE" sz="6600" dirty="0">
+              <a:solidFill>
+                <a:srgbClr val="FF6123"/>
+              </a:solidFill>
+              <a:latin typeface="Orbitron ExtraBold" pitchFamily="2" charset="0"/>
+            </a:endParaRPr>
+          </a:p>
+        </p:txBody>
+      </p:sp>
+      <p:pic>
+        <p:nvPicPr>
+          <p:cNvPr id="7" name="Grafik 6">
+            <a:extLst>
+              <a:ext uri="{FF2B5EF4-FFF2-40B4-BE49-F238E27FC236}">
+                <a16:creationId xmlns:a16="http://schemas.microsoft.com/office/drawing/2014/main" id="{978F0A7A-7AF9-41BD-8226-CA9A9E9791E1}"/>
+              </a:ext>
+            </a:extLst>
+          </p:cNvPr>
+          <p:cNvPicPr>
+            <a:picLocks noChangeAspect="1"/>
+          </p:cNvPicPr>
+          <p:nvPr/>
+        </p:nvPicPr>
+        <p:blipFill>
+          <a:blip r:embed="rId2">
+            <a:extLst>
+              <a:ext uri="{28A0092B-C50C-407E-A947-70E740481C1C}">
+                <a14:useLocalDpi xmlns:a14="http://schemas.microsoft.com/office/drawing/2010/main" val="0"/>
+              </a:ext>
+            </a:extLst>
+          </a:blip>
+          <a:stretch>
+            <a:fillRect/>
+          </a:stretch>
+        </p:blipFill>
+        <p:spPr>
+          <a:xfrm>
+            <a:off x="3876674" y="288252"/>
+            <a:ext cx="4537336" cy="6137155"/>
+          </a:xfrm>
+          <a:prstGeom prst="rect">
+            <a:avLst/>
+          </a:prstGeom>
+          <a:ln w="38100">
+            <a:solidFill>
+              <a:srgbClr val="FF6123"/>
+            </a:solidFill>
+            <a:prstDash val="lgDash"/>
+          </a:ln>
+        </p:spPr>
+      </p:pic>
+      <p:pic>
+        <p:nvPicPr>
+          <p:cNvPr id="4" name="Grafik 3">
+            <a:extLst>
+              <a:ext uri="{FF2B5EF4-FFF2-40B4-BE49-F238E27FC236}">
+                <a16:creationId xmlns:a16="http://schemas.microsoft.com/office/drawing/2014/main" id="{2E3A1E00-C0E8-4337-9C61-A3502FBF5AE4}"/>
+              </a:ext>
+            </a:extLst>
+          </p:cNvPr>
+          <p:cNvPicPr>
+            <a:picLocks noChangeAspect="1"/>
+          </p:cNvPicPr>
+          <p:nvPr/>
+        </p:nvPicPr>
+        <p:blipFill>
+          <a:blip r:embed="rId2"/>
+          <a:stretch>
+            <a:fillRect/>
+          </a:stretch>
+        </p:blipFill>
+        <p:spPr>
+          <a:xfrm>
+            <a:off x="2321220" y="6858000"/>
+            <a:ext cx="7549558" cy="10211455"/>
+          </a:xfrm>
+          <a:prstGeom prst="rect">
+            <a:avLst/>
+          </a:prstGeom>
+          <a:ln w="38100">
+            <a:solidFill>
+              <a:srgbClr val="FF6123"/>
+            </a:solidFill>
+            <a:prstDash val="lgDash"/>
+          </a:ln>
+        </p:spPr>
+      </p:pic>
+    </p:spTree>
+    <p:extLst>
+      <p:ext uri="{BB962C8B-B14F-4D97-AF65-F5344CB8AC3E}">
+        <p14:creationId xmlns:p14="http://schemas.microsoft.com/office/powerpoint/2010/main" val="3135445990"/>
+      </p:ext>
+    </p:extLst>
+  </p:cSld>
+  <p:clrMapOvr>
+    <a:masterClrMapping/>
+  </p:clrMapOvr>
+  <mc:AlternateContent xmlns:mc="http://schemas.openxmlformats.org/markup-compatibility/2006">
+    <mc:Choice xmlns:p159="http://schemas.microsoft.com/office/powerpoint/2015/09/main" Requires="p159">
+      <p:transition xmlns:p14="http://schemas.microsoft.com/office/powerpoint/2010/main" spd="slow" p14:dur="2000">
+        <p159:morph option="byChar"/>
+      </p:transition>
+    </mc:Choice>
+    <mc:Fallback>
+      <p:transition spd="slow">
+        <p:fade/>
+      </p:transition>
+    </mc:Fallback>
+  </mc:AlternateContent>
+  <p:timing>
+    <p:tnLst>
+      <p:par>
+        <p:cTn id="1" dur="indefinite" restart="never" nodeType="tmRoot">
+          <p:childTnLst>
+            <p:seq concurrent="1" nextAc="seek">
+              <p:cTn id="2" dur="indefinite" nodeType="mainSeq">
+                <p:childTnLst>
+                  <p:par>
+                    <p:cTn id="3" fill="hold">
+                      <p:stCondLst>
+                        <p:cond delay="indefinite"/>
+                        <p:cond evt="onBegin" delay="0">
+                          <p:tn val="2"/>
+                        </p:cond>
+                      </p:stCondLst>
+                      <p:childTnLst>
+                        <p:par>
+                          <p:cTn id="4" fill="hold">
+                            <p:stCondLst>
+                              <p:cond delay="0"/>
+                            </p:stCondLst>
+                            <p:childTnLst>
+                              <p:par>
+                                <p:cTn id="5" presetID="10" presetClass="entr" presetSubtype="0" fill="hold" grpId="0" nodeType="withEffect">
+                                  <p:stCondLst>
+                                    <p:cond delay="0"/>
+                                  </p:stCondLst>
+                                  <p:childTnLst>
+                                    <p:set>
+                                      <p:cBhvr>
+                                        <p:cTn id="6" dur="1" fill="hold">
+                                          <p:stCondLst>
+                                            <p:cond delay="0"/>
+                                          </p:stCondLst>
+                                        </p:cTn>
+                                        <p:tgtEl>
+                                          <p:spTgt spid="5"/>
+                                        </p:tgtEl>
+                                        <p:attrNameLst>
+                                          <p:attrName>style.visibility</p:attrName>
+                                        </p:attrNameLst>
+                                      </p:cBhvr>
+                                      <p:to>
+                                        <p:strVal val="visible"/>
+                                      </p:to>
+                                    </p:set>
+                                    <p:animEffect transition="in" filter="fade">
+                                      <p:cBhvr>
+                                        <p:cTn id="7" dur="500"/>
+                                        <p:tgtEl>
+                                          <p:spTgt spid="5"/>
+                                        </p:tgtEl>
+                                      </p:cBhvr>
+                                    </p:animEffect>
+                                  </p:childTnLst>
+                                </p:cTn>
+                              </p:par>
+                            </p:childTnLst>
+                          </p:cTn>
+                        </p:par>
+                      </p:childTnLst>
+                    </p:cTn>
+                  </p:par>
+                  <p:par>
+                    <p:cTn id="8" fill="hold">
+                      <p:stCondLst>
+                        <p:cond delay="indefinite"/>
+                      </p:stCondLst>
+                      <p:childTnLst>
+                        <p:par>
+                          <p:cTn id="9" fill="hold">
+                            <p:stCondLst>
+                              <p:cond delay="0"/>
+                            </p:stCondLst>
+                            <p:childTnLst>
+                              <p:par>
+                                <p:cTn id="10" presetID="42" presetClass="path" presetSubtype="0" accel="14286" decel="7143" fill="hold" nodeType="clickEffect">
+                                  <p:stCondLst>
+                                    <p:cond delay="0"/>
+                                  </p:stCondLst>
+                                  <p:childTnLst>
+                                    <p:animMotion origin="layout" path="M 0 -4.44444E-6 L 0 -1.52338 " pathEditMode="relative" rAng="0" ptsTypes="AA">
+                                      <p:cBhvr>
+                                        <p:cTn id="11" dur="14000" fill="hold"/>
+                                        <p:tgtEl>
+                                          <p:spTgt spid="4"/>
+                                        </p:tgtEl>
+                                        <p:attrNameLst>
+                                          <p:attrName>ppt_x</p:attrName>
+                                          <p:attrName>ppt_y</p:attrName>
+                                        </p:attrNameLst>
+                                      </p:cBhvr>
+                                      <p:rCtr x="0" y="-76181"/>
+                                    </p:animMotion>
+                                  </p:childTnLst>
+                                </p:cTn>
+                              </p:par>
+                            </p:childTnLst>
+                          </p:cTn>
+                        </p:par>
+                        <p:par>
+                          <p:cTn id="12" fill="hold">
+                            <p:stCondLst>
+                              <p:cond delay="14000"/>
+                            </p:stCondLst>
+                            <p:childTnLst>
+                              <p:par>
+                                <p:cTn id="13" presetID="10" presetClass="exit" presetSubtype="0" fill="hold" nodeType="afterEffect">
+                                  <p:stCondLst>
+                                    <p:cond delay="0"/>
+                                  </p:stCondLst>
+                                  <p:childTnLst>
+                                    <p:animEffect transition="out" filter="fade">
+                                      <p:cBhvr>
+                                        <p:cTn id="14" dur="500"/>
+                                        <p:tgtEl>
+                                          <p:spTgt spid="4"/>
+                                        </p:tgtEl>
+                                      </p:cBhvr>
+                                    </p:animEffect>
+                                    <p:set>
+                                      <p:cBhvr>
+                                        <p:cTn id="15" dur="1" fill="hold">
+                                          <p:stCondLst>
+                                            <p:cond delay="499"/>
+                                          </p:stCondLst>
+                                        </p:cTn>
+                                        <p:tgtEl>
+                                          <p:spTgt spid="4"/>
+                                        </p:tgtEl>
+                                        <p:attrNameLst>
+                                          <p:attrName>style.visibility</p:attrName>
+                                        </p:attrNameLst>
+                                      </p:cBhvr>
+                                      <p:to>
+                                        <p:strVal val="hidden"/>
+                                      </p:to>
+                                    </p:set>
+                                  </p:childTnLst>
+                                </p:cTn>
+                              </p:par>
+                            </p:childTnLst>
+                          </p:cTn>
+                        </p:par>
+                      </p:childTnLst>
+                    </p:cTn>
+                  </p:par>
+                  <p:par>
+                    <p:cTn id="16" fill="hold">
+                      <p:stCondLst>
+                        <p:cond delay="indefinite"/>
+                      </p:stCondLst>
+                      <p:childTnLst>
+                        <p:par>
+                          <p:cTn id="17" fill="hold">
+                            <p:stCondLst>
+                              <p:cond delay="0"/>
+                            </p:stCondLst>
+                            <p:childTnLst>
+                              <p:par>
+                                <p:cTn id="18" presetID="10" presetClass="entr" presetSubtype="0" fill="hold" nodeType="clickEffect">
+                                  <p:stCondLst>
+                                    <p:cond delay="0"/>
+                                  </p:stCondLst>
+                                  <p:childTnLst>
+                                    <p:set>
+                                      <p:cBhvr>
+                                        <p:cTn id="19" dur="1" fill="hold">
+                                          <p:stCondLst>
+                                            <p:cond delay="0"/>
+                                          </p:stCondLst>
+                                        </p:cTn>
+                                        <p:tgtEl>
+                                          <p:spTgt spid="7"/>
+                                        </p:tgtEl>
+                                        <p:attrNameLst>
+                                          <p:attrName>style.visibility</p:attrName>
+                                        </p:attrNameLst>
+                                      </p:cBhvr>
+                                      <p:to>
+                                        <p:strVal val="visible"/>
+                                      </p:to>
+                                    </p:set>
+                                    <p:animEffect transition="in" filter="fade">
+                                      <p:cBhvr>
+                                        <p:cTn id="20" dur="500"/>
+                                        <p:tgtEl>
+                                          <p:spTgt spid="7"/>
+                                        </p:tgtEl>
+                                      </p:cBhvr>
+                                    </p:animEffect>
+                                  </p:childTnLst>
+                                </p:cTn>
+                              </p:par>
+                            </p:childTnLst>
+                          </p:cTn>
+                        </p:par>
+                      </p:childTnLst>
+                    </p:cTn>
+                  </p:par>
+                </p:childTnLst>
+              </p:cTn>
+              <p:prevCondLst>
+                <p:cond evt="onPrev" delay="0">
+                  <p:tgtEl>
+                    <p:sldTgt/>
+                  </p:tgtEl>
+                </p:cond>
+              </p:prevCondLst>
+              <p:nextCondLst>
+                <p:cond evt="onNext" delay="0">
+                  <p:tgtEl>
+                    <p:sldTgt/>
+                  </p:tgtEl>
+                </p:cond>
+              </p:nextCondLst>
+            </p:seq>
+          </p:childTnLst>
+        </p:cTn>
+      </p:par>
+    </p:tnLst>
+    <p:bldLst>
+      <p:bldP spid="5" grpId="0"/>
+    </p:bldLst>
+  </p:timing>
+</p:sld>
+</file>
+
+<file path=ppt/slides/slide5.xml><?xml version="1.0" encoding="utf-8"?>
+<p:sld xmlns:a="http://schemas.openxmlformats.org/drawingml/2006/main" xmlns:r="http://schemas.openxmlformats.org/officeDocument/2006/relationships" xmlns:p="http://schemas.openxmlformats.org/presentationml/2006/main">
+  <p:cSld>
+    <p:spTree>
+      <p:nvGrpSpPr>
+        <p:cNvPr id="1" name=""/>
+        <p:cNvGrpSpPr/>
+        <p:nvPr/>
+      </p:nvGrpSpPr>
+      <p:grpSpPr>
+        <a:xfrm>
+          <a:off x="0" y="0"/>
+          <a:ext cx="0" cy="0"/>
+          <a:chOff x="0" y="0"/>
+          <a:chExt cx="0" cy="0"/>
+        </a:xfrm>
+      </p:grpSpPr>
+      <p:sp>
+        <p:nvSpPr>
+          <p:cNvPr id="2" name="Titel 1">
+            <a:extLst>
+              <a:ext uri="{FF2B5EF4-FFF2-40B4-BE49-F238E27FC236}">
+                <a16:creationId xmlns:a16="http://schemas.microsoft.com/office/drawing/2014/main" id="{9D55A6DF-D0BE-4D55-B04A-96DAEA83DC05}"/>
+              </a:ext>
+            </a:extLst>
+          </p:cNvPr>
+          <p:cNvSpPr>
+            <a:spLocks noGrp="1"/>
+          </p:cNvSpPr>
+          <p:nvPr>
+            <p:ph type="title"/>
+          </p:nvPr>
+        </p:nvSpPr>
+        <p:spPr/>
+        <p:txBody>
+          <a:bodyPr/>
+          <a:lstStyle/>
+          <a:p>
+            <a:endParaRPr lang="de-DE"/>
+          </a:p>
+        </p:txBody>
+      </p:sp>
+      <p:sp>
+        <p:nvSpPr>
+          <p:cNvPr id="3" name="Inhaltsplatzhalter 2">
+            <a:extLst>
+              <a:ext uri="{FF2B5EF4-FFF2-40B4-BE49-F238E27FC236}">
+                <a16:creationId xmlns:a16="http://schemas.microsoft.com/office/drawing/2014/main" id="{A822925F-54C4-4F4F-82B5-795E64EBC88A}"/>
+              </a:ext>
+            </a:extLst>
+          </p:cNvPr>
+          <p:cNvSpPr>
+            <a:spLocks noGrp="1"/>
+          </p:cNvSpPr>
+          <p:nvPr>
+            <p:ph idx="1"/>
+          </p:nvPr>
+        </p:nvSpPr>
+        <p:spPr/>
+        <p:txBody>
+          <a:bodyPr/>
+          <a:lstStyle/>
+          <a:p>
+            <a:endParaRPr lang="de-DE" dirty="0"/>
+          </a:p>
+        </p:txBody>
+      </p:sp>
+      <p:sp>
+        <p:nvSpPr>
+          <p:cNvPr id="8" name="Textfeld 7">
+            <a:extLst>
+              <a:ext uri="{FF2B5EF4-FFF2-40B4-BE49-F238E27FC236}">
+                <a16:creationId xmlns:a16="http://schemas.microsoft.com/office/drawing/2014/main" id="{88B0FE70-269A-4201-86A8-CB3D24F3AF0D}"/>
+              </a:ext>
+            </a:extLst>
+          </p:cNvPr>
+          <p:cNvSpPr txBox="1"/>
+          <p:nvPr/>
+        </p:nvSpPr>
+        <p:spPr>
+          <a:xfrm>
+            <a:off x="3747246" y="2331119"/>
+            <a:ext cx="4697506" cy="584775"/>
+          </a:xfrm>
+          <a:prstGeom prst="rect">
+            <a:avLst/>
+          </a:prstGeom>
+          <a:noFill/>
+        </p:spPr>
+        <p:txBody>
+          <a:bodyPr wrap="square" rtlCol="0">
+            <a:spAutoFit/>
+          </a:bodyPr>
+          <a:lstStyle/>
+          <a:p>
+            <a:pPr algn="ctr"/>
+            <a:r>
+              <a:rPr lang="de-DE" sz="3200" b="1" dirty="0">
+                <a:latin typeface="Orbitron Medium" pitchFamily="2" charset="0"/>
+              </a:rPr>
+              <a:t>User/Shop </a:t>
+            </a:r>
+            <a:r>
+              <a:rPr lang="de-DE" sz="3200" b="1" dirty="0" err="1">
+                <a:latin typeface="Orbitron Medium" pitchFamily="2" charset="0"/>
+              </a:rPr>
+              <a:t>base</a:t>
+            </a:r>
+            <a:endParaRPr lang="de-DE" sz="3200" b="1" dirty="0">
+              <a:latin typeface="Orbitron Medium" pitchFamily="2" charset="0"/>
+            </a:endParaRPr>
+          </a:p>
+        </p:txBody>
+      </p:sp>
+      <p:pic>
+        <p:nvPicPr>
+          <p:cNvPr id="4" name="Grafik 3">
+            <a:extLst>
+              <a:ext uri="{FF2B5EF4-FFF2-40B4-BE49-F238E27FC236}">
+                <a16:creationId xmlns:a16="http://schemas.microsoft.com/office/drawing/2014/main" id="{0556D1C7-85C4-401F-81EB-1823F719B4C8}"/>
+              </a:ext>
+            </a:extLst>
+          </p:cNvPr>
+          <p:cNvPicPr>
+            <a:picLocks noChangeAspect="1"/>
+          </p:cNvPicPr>
+          <p:nvPr/>
+        </p:nvPicPr>
+        <p:blipFill>
+          <a:blip r:embed="rId2"/>
+          <a:stretch>
+            <a:fillRect/>
+          </a:stretch>
+        </p:blipFill>
+        <p:spPr>
+          <a:xfrm>
+            <a:off x="352438" y="662900"/>
+            <a:ext cx="11487123" cy="5829975"/>
+          </a:xfrm>
+          <a:prstGeom prst="rect">
+            <a:avLst/>
+          </a:prstGeom>
+          <a:ln w="38100">
+            <a:solidFill>
+              <a:srgbClr val="FF6123"/>
+            </a:solidFill>
+            <a:prstDash val="lgDash"/>
+          </a:ln>
+        </p:spPr>
+      </p:pic>
+      <p:sp>
+        <p:nvSpPr>
+          <p:cNvPr id="7" name="Titel 1">
+            <a:extLst>
+              <a:ext uri="{FF2B5EF4-FFF2-40B4-BE49-F238E27FC236}">
+                <a16:creationId xmlns:a16="http://schemas.microsoft.com/office/drawing/2014/main" id="{BCEB8828-32BF-4D2E-8A3F-12252A98B3EE}"/>
+              </a:ext>
+            </a:extLst>
+          </p:cNvPr>
+          <p:cNvSpPr txBox="1">
+            <a:spLocks/>
+          </p:cNvSpPr>
+          <p:nvPr/>
+        </p:nvSpPr>
+        <p:spPr>
+          <a:xfrm>
+            <a:off x="1935478" y="436972"/>
+            <a:ext cx="8321040" cy="1325563"/>
+          </a:xfrm>
+          <a:prstGeom prst="rect">
+            <a:avLst/>
+          </a:prstGeom>
+        </p:spPr>
+        <p:txBody>
+          <a:bodyPr vert="horz" lIns="91440" tIns="45720" rIns="91440" bIns="45720" rtlCol="0" anchor="ctr">
+            <a:noAutofit/>
+          </a:bodyPr>
+          <a:lstStyle>
+            <a:lvl1pPr algn="l" defTabSz="914400" rtl="0" eaLnBrk="1" latinLnBrk="0" hangingPunct="1">
+              <a:lnSpc>
+                <a:spcPct val="90000"/>
+              </a:lnSpc>
+              <a:spcBef>
+                <a:spcPct val="0"/>
+              </a:spcBef>
+              <a:buNone/>
+              <a:defRPr sz="4400" kern="1200">
+                <a:solidFill>
+                  <a:schemeClr val="tx1"/>
+                </a:solidFill>
+                <a:latin typeface="+mj-lt"/>
+                <a:ea typeface="+mj-ea"/>
+                <a:cs typeface="+mj-cs"/>
+              </a:defRPr>
+            </a:lvl1pPr>
+          </a:lstStyle>
+          <a:p>
+            <a:pPr algn="ctr"/>
+            <a:r>
+              <a:rPr lang="de-DE" sz="6000" dirty="0">
+                <a:solidFill>
+                  <a:srgbClr val="FF6123"/>
+                </a:solidFill>
+                <a:effectLst>
+                  <a:outerShdw blurRad="38100" dist="38100" dir="2700000" algn="tl">
+                    <a:srgbClr val="000000">
+                      <a:alpha val="43137"/>
+                    </a:srgbClr>
+                  </a:outerShdw>
+                </a:effectLst>
+                <a:latin typeface="Orbitron ExtraBold" pitchFamily="2" charset="0"/>
+              </a:rPr>
+              <a:t>User/Shop </a:t>
+            </a:r>
+            <a:r>
+              <a:rPr lang="de-DE" sz="6000" dirty="0" err="1">
+                <a:solidFill>
+                  <a:srgbClr val="FF6123"/>
+                </a:solidFill>
+                <a:effectLst>
+                  <a:outerShdw blurRad="38100" dist="38100" dir="2700000" algn="tl">
+                    <a:srgbClr val="000000">
+                      <a:alpha val="43137"/>
+                    </a:srgbClr>
+                  </a:outerShdw>
+                </a:effectLst>
+                <a:latin typeface="Orbitron ExtraBold" pitchFamily="2" charset="0"/>
+              </a:rPr>
+              <a:t>base</a:t>
+            </a:r>
+            <a:endParaRPr lang="de-DE" sz="4800" dirty="0">
+              <a:solidFill>
+                <a:srgbClr val="FF6123"/>
+              </a:solidFill>
+              <a:effectLst>
+                <a:outerShdw blurRad="38100" dist="38100" dir="2700000" algn="tl">
+                  <a:srgbClr val="000000">
+                    <a:alpha val="43137"/>
+                  </a:srgbClr>
+                </a:outerShdw>
+              </a:effectLst>
+              <a:latin typeface="Orbitron ExtraBold" pitchFamily="2" charset="0"/>
+            </a:endParaRPr>
+          </a:p>
+        </p:txBody>
+      </p:sp>
+    </p:spTree>
+    <p:extLst>
+      <p:ext uri="{BB962C8B-B14F-4D97-AF65-F5344CB8AC3E}">
+        <p14:creationId xmlns:p14="http://schemas.microsoft.com/office/powerpoint/2010/main" val="1346906162"/>
+      </p:ext>
+    </p:extLst>
+  </p:cSld>
+  <p:clrMapOvr>
+    <a:masterClrMapping/>
+  </p:clrMapOvr>
+  <mc:AlternateContent xmlns:mc="http://schemas.openxmlformats.org/markup-compatibility/2006">
+    <mc:Choice xmlns:p159="http://schemas.microsoft.com/office/powerpoint/2015/09/main" Requires="p159">
+      <p:transition xmlns:p14="http://schemas.microsoft.com/office/powerpoint/2010/main" spd="slow" p14:dur="2000">
+        <p159:morph option="byChar"/>
+      </p:transition>
+    </mc:Choice>
+    <mc:Fallback>
+      <p:transition spd="slow">
+        <p:fade/>
+      </p:transition>
+    </mc:Fallback>
+  </mc:AlternateContent>
+  <p:timing>
+    <p:tnLst>
+      <p:par>
+        <p:cTn id="1" dur="indefinite" restart="never" nodeType="tmRoot">
+          <p:childTnLst>
+            <p:seq concurrent="1" nextAc="seek">
+              <p:cTn id="2" dur="indefinite" nodeType="mainSeq">
+                <p:childTnLst>
+                  <p:par>
+                    <p:cTn id="3" fill="hold">
+                      <p:stCondLst>
+                        <p:cond delay="indefinite"/>
+                      </p:stCondLst>
+                      <p:childTnLst>
+                        <p:par>
+                          <p:cTn id="4" fill="hold">
+                            <p:stCondLst>
+                              <p:cond delay="0"/>
+                            </p:stCondLst>
+                            <p:childTnLst>
+                              <p:par>
+                                <p:cTn id="5" presetID="10" presetClass="entr" presetSubtype="0" fill="hold" grpId="0" nodeType="clickEffect">
+                                  <p:stCondLst>
+                                    <p:cond delay="0"/>
+                                  </p:stCondLst>
+                                  <p:childTnLst>
+                                    <p:set>
+                                      <p:cBhvr>
+                                        <p:cTn id="6" dur="1" fill="hold">
+                                          <p:stCondLst>
+                                            <p:cond delay="0"/>
+                                          </p:stCondLst>
+                                        </p:cTn>
+                                        <p:tgtEl>
+                                          <p:spTgt spid="8"/>
+                                        </p:tgtEl>
+                                        <p:attrNameLst>
+                                          <p:attrName>style.visibility</p:attrName>
+                                        </p:attrNameLst>
+                                      </p:cBhvr>
+                                      <p:to>
+                                        <p:strVal val="visible"/>
+                                      </p:to>
+                                    </p:set>
+                                    <p:animEffect transition="in" filter="fade">
+                                      <p:cBhvr>
+                                        <p:cTn id="7" dur="500"/>
+                                        <p:tgtEl>
+                                          <p:spTgt spid="8"/>
+                                        </p:tgtEl>
+                                      </p:cBhvr>
+                                    </p:animEffect>
+                                  </p:childTnLst>
+                                </p:cTn>
+                              </p:par>
+                            </p:childTnLst>
+                          </p:cTn>
+                        </p:par>
+                      </p:childTnLst>
+                    </p:cTn>
+                  </p:par>
+                  <p:par>
+                    <p:cTn id="8" fill="hold">
+                      <p:stCondLst>
+                        <p:cond delay="indefinite"/>
+                      </p:stCondLst>
+                      <p:childTnLst>
+                        <p:par>
+                          <p:cTn id="9" fill="hold">
+                            <p:stCondLst>
+                              <p:cond delay="0"/>
+                            </p:stCondLst>
+                            <p:childTnLst>
+                              <p:par>
+                                <p:cTn id="10" presetID="10" presetClass="entr" presetSubtype="0" fill="hold" nodeType="clickEffect">
+                                  <p:stCondLst>
+                                    <p:cond delay="0"/>
+                                  </p:stCondLst>
+                                  <p:childTnLst>
+                                    <p:set>
+                                      <p:cBhvr>
+                                        <p:cTn id="11" dur="1" fill="hold">
+                                          <p:stCondLst>
+                                            <p:cond delay="0"/>
+                                          </p:stCondLst>
+                                        </p:cTn>
+                                        <p:tgtEl>
+                                          <p:spTgt spid="4"/>
+                                        </p:tgtEl>
+                                        <p:attrNameLst>
+                                          <p:attrName>style.visibility</p:attrName>
+                                        </p:attrNameLst>
+                                      </p:cBhvr>
+                                      <p:to>
+                                        <p:strVal val="visible"/>
+                                      </p:to>
+                                    </p:set>
+                                    <p:animEffect transition="in" filter="fade">
+                                      <p:cBhvr>
+                                        <p:cTn id="12" dur="500"/>
+                                        <p:tgtEl>
+                                          <p:spTgt spid="4"/>
+                                        </p:tgtEl>
+                                      </p:cBhvr>
+                                    </p:animEffect>
+                                  </p:childTnLst>
+                                </p:cTn>
+                              </p:par>
+                            </p:childTnLst>
+                          </p:cTn>
+                        </p:par>
+                      </p:childTnLst>
+                    </p:cTn>
+                  </p:par>
+                </p:childTnLst>
+              </p:cTn>
+              <p:prevCondLst>
+                <p:cond evt="onPrev" delay="0">
+                  <p:tgtEl>
+                    <p:sldTgt/>
+                  </p:tgtEl>
+                </p:cond>
+              </p:prevCondLst>
+              <p:nextCondLst>
+                <p:cond evt="onNext" delay="0">
+                  <p:tgtEl>
+                    <p:sldTgt/>
+                  </p:tgtEl>
+                </p:cond>
+              </p:nextCondLst>
+            </p:seq>
+          </p:childTnLst>
+        </p:cTn>
+      </p:par>
+    </p:tnLst>
+    <p:bldLst>
+      <p:bldP spid="8" grpId="0"/>
+    </p:bldLst>
+  </p:timing>
+</p:sld>
+</file>
+
+<file path=ppt/slides/slide6.xml><?xml version="1.0" encoding="utf-8"?>
+<p:sld xmlns:a="http://schemas.openxmlformats.org/drawingml/2006/main" xmlns:r="http://schemas.openxmlformats.org/officeDocument/2006/relationships" xmlns:p="http://schemas.openxmlformats.org/presentationml/2006/main">
+  <p:cSld>
+    <p:spTree>
+      <p:nvGrpSpPr>
+        <p:cNvPr id="1" name=""/>
+        <p:cNvGrpSpPr/>
+        <p:nvPr/>
+      </p:nvGrpSpPr>
+      <p:grpSpPr>
+        <a:xfrm>
+          <a:off x="0" y="0"/>
+          <a:ext cx="0" cy="0"/>
+          <a:chOff x="0" y="0"/>
+          <a:chExt cx="0" cy="0"/>
+        </a:xfrm>
+      </p:grpSpPr>
+      <p:sp>
+        <p:nvSpPr>
+          <p:cNvPr id="2" name="Titel 1">
+            <a:extLst>
+              <a:ext uri="{FF2B5EF4-FFF2-40B4-BE49-F238E27FC236}">
+                <a16:creationId xmlns:a16="http://schemas.microsoft.com/office/drawing/2014/main" id="{9D55A6DF-D0BE-4D55-B04A-96DAEA83DC05}"/>
+              </a:ext>
+            </a:extLst>
+          </p:cNvPr>
+          <p:cNvSpPr>
+            <a:spLocks noGrp="1"/>
+          </p:cNvSpPr>
+          <p:nvPr>
+            <p:ph type="title"/>
+          </p:nvPr>
+        </p:nvSpPr>
+        <p:spPr/>
+        <p:txBody>
+          <a:bodyPr/>
+          <a:lstStyle/>
+          <a:p>
+            <a:endParaRPr lang="de-DE"/>
+          </a:p>
+        </p:txBody>
+      </p:sp>
+      <p:sp>
+        <p:nvSpPr>
+          <p:cNvPr id="3" name="Inhaltsplatzhalter 2">
+            <a:extLst>
+              <a:ext uri="{FF2B5EF4-FFF2-40B4-BE49-F238E27FC236}">
+                <a16:creationId xmlns:a16="http://schemas.microsoft.com/office/drawing/2014/main" id="{A822925F-54C4-4F4F-82B5-795E64EBC88A}"/>
+              </a:ext>
+            </a:extLst>
+          </p:cNvPr>
+          <p:cNvSpPr>
+            <a:spLocks noGrp="1"/>
+          </p:cNvSpPr>
+          <p:nvPr>
+            <p:ph idx="1"/>
+          </p:nvPr>
+        </p:nvSpPr>
+        <p:spPr/>
+        <p:txBody>
+          <a:bodyPr/>
+          <a:lstStyle/>
+          <a:p>
+            <a:endParaRPr lang="de-DE" dirty="0"/>
+          </a:p>
+        </p:txBody>
+      </p:sp>
+      <p:pic>
+        <p:nvPicPr>
+          <p:cNvPr id="4" name="Grafik 3">
+            <a:extLst>
+              <a:ext uri="{FF2B5EF4-FFF2-40B4-BE49-F238E27FC236}">
+                <a16:creationId xmlns:a16="http://schemas.microsoft.com/office/drawing/2014/main" id="{0556D1C7-85C4-401F-81EB-1823F719B4C8}"/>
+              </a:ext>
+            </a:extLst>
+          </p:cNvPr>
+          <p:cNvPicPr>
+            <a:picLocks noChangeAspect="1"/>
+          </p:cNvPicPr>
+          <p:nvPr/>
+        </p:nvPicPr>
+        <p:blipFill rotWithShape="1">
+          <a:blip r:embed="rId2"/>
+          <a:srcRect t="34602" b="15691"/>
+          <a:stretch/>
+        </p:blipFill>
+        <p:spPr>
+          <a:xfrm>
+            <a:off x="318423" y="1971471"/>
+            <a:ext cx="11555151" cy="2915057"/>
+          </a:xfrm>
+          <a:prstGeom prst="rect">
+            <a:avLst/>
+          </a:prstGeom>
+          <a:ln w="38100">
+            <a:solidFill>
+              <a:srgbClr val="FF6123"/>
+            </a:solidFill>
+            <a:prstDash val="lgDash"/>
+          </a:ln>
+        </p:spPr>
+      </p:pic>
+      <p:sp>
+        <p:nvSpPr>
+          <p:cNvPr id="7" name="Titel 1">
+            <a:extLst>
+              <a:ext uri="{FF2B5EF4-FFF2-40B4-BE49-F238E27FC236}">
+                <a16:creationId xmlns:a16="http://schemas.microsoft.com/office/drawing/2014/main" id="{4122B8C5-1A53-4FC0-9C44-8CFA96C234AB}"/>
+              </a:ext>
+            </a:extLst>
+          </p:cNvPr>
+          <p:cNvSpPr txBox="1">
+            <a:spLocks/>
+          </p:cNvSpPr>
+          <p:nvPr/>
+        </p:nvSpPr>
+        <p:spPr>
+          <a:xfrm>
+            <a:off x="1935478" y="436972"/>
+            <a:ext cx="8321040" cy="1325563"/>
+          </a:xfrm>
+          <a:prstGeom prst="rect">
+            <a:avLst/>
+          </a:prstGeom>
+        </p:spPr>
+        <p:txBody>
+          <a:bodyPr vert="horz" lIns="91440" tIns="45720" rIns="91440" bIns="45720" rtlCol="0" anchor="ctr">
+            <a:noAutofit/>
+          </a:bodyPr>
+          <a:lstStyle>
+            <a:lvl1pPr algn="l" defTabSz="914400" rtl="0" eaLnBrk="1" latinLnBrk="0" hangingPunct="1">
+              <a:lnSpc>
+                <a:spcPct val="90000"/>
+              </a:lnSpc>
+              <a:spcBef>
+                <a:spcPct val="0"/>
+              </a:spcBef>
+              <a:buNone/>
+              <a:defRPr sz="4400" kern="1200">
+                <a:solidFill>
+                  <a:schemeClr val="tx1"/>
+                </a:solidFill>
+                <a:latin typeface="+mj-lt"/>
+                <a:ea typeface="+mj-ea"/>
+                <a:cs typeface="+mj-cs"/>
+              </a:defRPr>
+            </a:lvl1pPr>
+          </a:lstStyle>
+          <a:p>
+            <a:pPr algn="ctr"/>
+            <a:r>
+              <a:rPr lang="de-DE" sz="6000" dirty="0">
+                <a:solidFill>
+                  <a:srgbClr val="FF6123"/>
+                </a:solidFill>
+                <a:effectLst>
+                  <a:outerShdw blurRad="38100" dist="38100" dir="2700000" algn="tl">
+                    <a:srgbClr val="000000">
+                      <a:alpha val="43137"/>
+                    </a:srgbClr>
+                  </a:outerShdw>
+                </a:effectLst>
+                <a:latin typeface="Orbitron ExtraBold" pitchFamily="2" charset="0"/>
+              </a:rPr>
+              <a:t>User/Shop </a:t>
+            </a:r>
+            <a:r>
+              <a:rPr lang="de-DE" sz="6000" dirty="0" err="1">
+                <a:solidFill>
+                  <a:srgbClr val="FF6123"/>
+                </a:solidFill>
+                <a:effectLst>
+                  <a:outerShdw blurRad="38100" dist="38100" dir="2700000" algn="tl">
+                    <a:srgbClr val="000000">
+                      <a:alpha val="43137"/>
+                    </a:srgbClr>
+                  </a:outerShdw>
+                </a:effectLst>
+                <a:latin typeface="Orbitron ExtraBold" pitchFamily="2" charset="0"/>
+              </a:rPr>
+              <a:t>base</a:t>
+            </a:r>
+            <a:endParaRPr lang="de-DE" sz="4800" dirty="0">
+              <a:solidFill>
+                <a:srgbClr val="FF6123"/>
+              </a:solidFill>
+              <a:effectLst>
+                <a:outerShdw blurRad="38100" dist="38100" dir="2700000" algn="tl">
+                  <a:srgbClr val="000000">
+                    <a:alpha val="43137"/>
+                  </a:srgbClr>
+                </a:outerShdw>
+              </a:effectLst>
+              <a:latin typeface="Orbitron ExtraBold" pitchFamily="2" charset="0"/>
+            </a:endParaRPr>
+          </a:p>
+        </p:txBody>
+      </p:sp>
+    </p:spTree>
+    <p:extLst>
+      <p:ext uri="{BB962C8B-B14F-4D97-AF65-F5344CB8AC3E}">
+        <p14:creationId xmlns:p14="http://schemas.microsoft.com/office/powerpoint/2010/main" val="621854647"/>
+      </p:ext>
+    </p:extLst>
+  </p:cSld>
+  <p:clrMapOvr>
+    <a:masterClrMapping/>
+  </p:clrMapOvr>
+  <mc:AlternateContent xmlns:mc="http://schemas.openxmlformats.org/markup-compatibility/2006">
+    <mc:Choice xmlns:p159="http://schemas.microsoft.com/office/powerpoint/2015/09/main" Requires="p159">
+      <p:transition xmlns:p14="http://schemas.microsoft.com/office/powerpoint/2010/main" spd="slow" p14:dur="2000">
+        <p159:morph option="byChar"/>
+      </p:transition>
+    </mc:Choice>
+    <mc:Fallback>
+      <p:transition spd="slow">
+        <p:fade/>
+      </p:transition>
+    </mc:Fallback>
+  </mc:AlternateContent>
+</p:sld>
+</file>
+
+<file path=ppt/slides/slide7.xml><?xml version="1.0" encoding="utf-8"?>
+<p:sld xmlns:a="http://schemas.openxmlformats.org/drawingml/2006/main" xmlns:r="http://schemas.openxmlformats.org/officeDocument/2006/relationships" xmlns:p="http://schemas.openxmlformats.org/presentationml/2006/main">
+  <p:cSld>
+    <p:spTree>
+      <p:nvGrpSpPr>
+        <p:cNvPr id="1" name=""/>
+        <p:cNvGrpSpPr/>
+        <p:nvPr/>
+      </p:nvGrpSpPr>
+      <p:grpSpPr>
+        <a:xfrm>
+          <a:off x="0" y="0"/>
+          <a:ext cx="0" cy="0"/>
+          <a:chOff x="0" y="0"/>
+          <a:chExt cx="0" cy="0"/>
+        </a:xfrm>
+      </p:grpSpPr>
+      <p:sp>
+        <p:nvSpPr>
+          <p:cNvPr id="2" name="Titel 1">
+            <a:extLst>
+              <a:ext uri="{FF2B5EF4-FFF2-40B4-BE49-F238E27FC236}">
+                <a16:creationId xmlns:a16="http://schemas.microsoft.com/office/drawing/2014/main" id="{9D55A6DF-D0BE-4D55-B04A-96DAEA83DC05}"/>
+              </a:ext>
+            </a:extLst>
+          </p:cNvPr>
+          <p:cNvSpPr>
+            <a:spLocks noGrp="1"/>
+          </p:cNvSpPr>
+          <p:nvPr>
+            <p:ph type="title"/>
+          </p:nvPr>
+        </p:nvSpPr>
+        <p:spPr/>
+        <p:txBody>
+          <a:bodyPr/>
+          <a:lstStyle/>
+          <a:p>
+            <a:endParaRPr lang="de-DE" dirty="0"/>
+          </a:p>
+        </p:txBody>
+      </p:sp>
+      <p:sp>
+        <p:nvSpPr>
+          <p:cNvPr id="3" name="Inhaltsplatzhalter 2">
+            <a:extLst>
+              <a:ext uri="{FF2B5EF4-FFF2-40B4-BE49-F238E27FC236}">
+                <a16:creationId xmlns:a16="http://schemas.microsoft.com/office/drawing/2014/main" id="{A822925F-54C4-4F4F-82B5-795E64EBC88A}"/>
+              </a:ext>
+            </a:extLst>
+          </p:cNvPr>
+          <p:cNvSpPr>
+            <a:spLocks noGrp="1"/>
+          </p:cNvSpPr>
+          <p:nvPr>
+            <p:ph idx="1"/>
+          </p:nvPr>
+        </p:nvSpPr>
+        <p:spPr/>
+        <p:txBody>
+          <a:bodyPr/>
+          <a:lstStyle/>
+          <a:p>
+            <a:endParaRPr lang="de-DE" dirty="0"/>
+          </a:p>
+        </p:txBody>
+      </p:sp>
+      <p:sp>
+        <p:nvSpPr>
+          <p:cNvPr id="6" name="Titel 1">
+            <a:extLst>
+              <a:ext uri="{FF2B5EF4-FFF2-40B4-BE49-F238E27FC236}">
+                <a16:creationId xmlns:a16="http://schemas.microsoft.com/office/drawing/2014/main" id="{B21A8961-FF23-448A-9C7D-DC340E645364}"/>
+              </a:ext>
+            </a:extLst>
+          </p:cNvPr>
+          <p:cNvSpPr txBox="1">
+            <a:spLocks/>
+          </p:cNvSpPr>
+          <p:nvPr/>
+        </p:nvSpPr>
+        <p:spPr>
+          <a:xfrm>
+            <a:off x="1935478" y="436972"/>
+            <a:ext cx="8321040" cy="1325563"/>
+          </a:xfrm>
+          <a:prstGeom prst="rect">
+            <a:avLst/>
+          </a:prstGeom>
+        </p:spPr>
+        <p:txBody>
+          <a:bodyPr vert="horz" lIns="91440" tIns="45720" rIns="91440" bIns="45720" rtlCol="0" anchor="ctr">
+            <a:noAutofit/>
+          </a:bodyPr>
+          <a:lstStyle>
+            <a:lvl1pPr algn="l" defTabSz="914400" rtl="0" eaLnBrk="1" latinLnBrk="0" hangingPunct="1">
+              <a:lnSpc>
+                <a:spcPct val="90000"/>
+              </a:lnSpc>
+              <a:spcBef>
+                <a:spcPct val="0"/>
+              </a:spcBef>
+              <a:buNone/>
+              <a:defRPr sz="4400" kern="1200">
+                <a:solidFill>
+                  <a:schemeClr val="tx1"/>
+                </a:solidFill>
+                <a:latin typeface="+mj-lt"/>
+                <a:ea typeface="+mj-ea"/>
+                <a:cs typeface="+mj-cs"/>
+              </a:defRPr>
+            </a:lvl1pPr>
+          </a:lstStyle>
+          <a:p>
+            <a:pPr algn="ctr"/>
+            <a:r>
+              <a:rPr lang="de-DE" sz="6000" dirty="0">
+                <a:solidFill>
+                  <a:srgbClr val="FF6123"/>
+                </a:solidFill>
+                <a:effectLst>
+                  <a:outerShdw blurRad="38100" dist="38100" dir="2700000" algn="tl">
+                    <a:srgbClr val="000000">
+                      <a:alpha val="43137"/>
+                    </a:srgbClr>
+                  </a:outerShdw>
+                </a:effectLst>
+                <a:latin typeface="Orbitron ExtraBold" pitchFamily="2" charset="0"/>
+              </a:rPr>
+              <a:t>User/Shop </a:t>
+            </a:r>
+            <a:r>
+              <a:rPr lang="de-DE" sz="6000" dirty="0" err="1">
+                <a:solidFill>
+                  <a:srgbClr val="FF6123"/>
+                </a:solidFill>
+                <a:effectLst>
+                  <a:outerShdw blurRad="38100" dist="38100" dir="2700000" algn="tl">
+                    <a:srgbClr val="000000">
+                      <a:alpha val="43137"/>
+                    </a:srgbClr>
+                  </a:outerShdw>
+                </a:effectLst>
+                <a:latin typeface="Orbitron ExtraBold" pitchFamily="2" charset="0"/>
+              </a:rPr>
+              <a:t>base</a:t>
+            </a:r>
+            <a:endParaRPr lang="de-DE" sz="4800" dirty="0">
+              <a:solidFill>
+                <a:srgbClr val="FF6123"/>
+              </a:solidFill>
+              <a:effectLst>
+                <a:outerShdw blurRad="38100" dist="38100" dir="2700000" algn="tl">
+                  <a:srgbClr val="000000">
+                    <a:alpha val="43137"/>
+                  </a:srgbClr>
+                </a:outerShdw>
+              </a:effectLst>
+              <a:latin typeface="Orbitron ExtraBold" pitchFamily="2" charset="0"/>
+            </a:endParaRPr>
+          </a:p>
+        </p:txBody>
+      </p:sp>
+      <p:pic>
+        <p:nvPicPr>
+          <p:cNvPr id="5" name="Grafik 4">
+            <a:extLst>
+              <a:ext uri="{FF2B5EF4-FFF2-40B4-BE49-F238E27FC236}">
+                <a16:creationId xmlns:a16="http://schemas.microsoft.com/office/drawing/2014/main" id="{08BA4C9D-F557-414C-8104-D1A6C352FB01}"/>
+              </a:ext>
+            </a:extLst>
+          </p:cNvPr>
+          <p:cNvPicPr>
+            <a:picLocks noChangeAspect="1"/>
+          </p:cNvPicPr>
+          <p:nvPr/>
+        </p:nvPicPr>
+        <p:blipFill>
+          <a:blip r:embed="rId2"/>
+          <a:stretch>
+            <a:fillRect/>
+          </a:stretch>
+        </p:blipFill>
+        <p:spPr>
+          <a:xfrm>
+            <a:off x="1775854" y="1951805"/>
+            <a:ext cx="8640289" cy="4098977"/>
+          </a:xfrm>
+          <a:prstGeom prst="rect">
+            <a:avLst/>
+          </a:prstGeom>
+          <a:ln w="38100">
+            <a:solidFill>
+              <a:srgbClr val="FF6123"/>
+            </a:solidFill>
+            <a:prstDash val="lgDash"/>
+          </a:ln>
+        </p:spPr>
+      </p:pic>
+    </p:spTree>
+    <p:extLst>
+      <p:ext uri="{BB962C8B-B14F-4D97-AF65-F5344CB8AC3E}">
+        <p14:creationId xmlns:p14="http://schemas.microsoft.com/office/powerpoint/2010/main" val="1114305640"/>
+      </p:ext>
+    </p:extLst>
+  </p:cSld>
+  <p:clrMapOvr>
+    <a:masterClrMapping/>
+  </p:clrMapOvr>
+  <mc:AlternateContent xmlns:mc="http://schemas.openxmlformats.org/markup-compatibility/2006">
+    <mc:Choice xmlns:p159="http://schemas.microsoft.com/office/powerpoint/2015/09/main" Requires="p159">
+      <p:transition xmlns:p14="http://schemas.microsoft.com/office/powerpoint/2010/main" spd="slow" p14:dur="2000">
+        <p159:morph option="byChar"/>
+      </p:transition>
+    </mc:Choice>
+    <mc:Fallback>
+      <p:transition spd="slow">
+        <p:fade/>
+      </p:transition>
+    </mc:Fallback>
+  </mc:AlternateContent>
+</p:sld>
+</file>
+
+<file path=ppt/slides/slide8.xml><?xml version="1.0" encoding="utf-8"?>
+<p:sld xmlns:a="http://schemas.openxmlformats.org/drawingml/2006/main" xmlns:r="http://schemas.openxmlformats.org/officeDocument/2006/relationships" xmlns:p="http://schemas.openxmlformats.org/presentationml/2006/main">
+  <p:cSld>
+    <p:spTree>
+      <p:nvGrpSpPr>
+        <p:cNvPr id="1" name=""/>
+        <p:cNvGrpSpPr/>
+        <p:nvPr/>
+      </p:nvGrpSpPr>
+      <p:grpSpPr>
+        <a:xfrm>
+          <a:off x="0" y="0"/>
+          <a:ext cx="0" cy="0"/>
+          <a:chOff x="0" y="0"/>
+          <a:chExt cx="0" cy="0"/>
+        </a:xfrm>
+      </p:grpSpPr>
+      <p:sp>
+        <p:nvSpPr>
+          <p:cNvPr id="2" name="Titel 1">
+            <a:extLst>
+              <a:ext uri="{FF2B5EF4-FFF2-40B4-BE49-F238E27FC236}">
+                <a16:creationId xmlns:a16="http://schemas.microsoft.com/office/drawing/2014/main" id="{A6FD2E3F-BE66-4871-98C4-00113AC2BE47}"/>
+              </a:ext>
+            </a:extLst>
+          </p:cNvPr>
+          <p:cNvSpPr>
+            <a:spLocks noGrp="1"/>
+          </p:cNvSpPr>
+          <p:nvPr>
+            <p:ph type="title"/>
+          </p:nvPr>
+        </p:nvSpPr>
+        <p:spPr/>
+        <p:txBody>
+          <a:bodyPr/>
+          <a:lstStyle/>
+          <a:p>
+            <a:endParaRPr lang="de-DE"/>
+          </a:p>
+        </p:txBody>
+      </p:sp>
+      <p:sp>
+        <p:nvSpPr>
+          <p:cNvPr id="3" name="Inhaltsplatzhalter 2">
+            <a:extLst>
+              <a:ext uri="{FF2B5EF4-FFF2-40B4-BE49-F238E27FC236}">
+                <a16:creationId xmlns:a16="http://schemas.microsoft.com/office/drawing/2014/main" id="{805E8D1F-E313-4642-B69C-AE9D41ED91E5}"/>
+              </a:ext>
+            </a:extLst>
+          </p:cNvPr>
+          <p:cNvSpPr>
+            <a:spLocks noGrp="1"/>
+          </p:cNvSpPr>
+          <p:nvPr>
+            <p:ph idx="1"/>
+          </p:nvPr>
+        </p:nvSpPr>
+        <p:spPr/>
+        <p:txBody>
+          <a:bodyPr/>
+          <a:lstStyle/>
+          <a:p>
+            <a:endParaRPr lang="de-DE"/>
+          </a:p>
+        </p:txBody>
+      </p:sp>
+      <p:pic>
+        <p:nvPicPr>
+          <p:cNvPr id="4" name="Grafik 3">
+            <a:extLst>
+              <a:ext uri="{FF2B5EF4-FFF2-40B4-BE49-F238E27FC236}">
+                <a16:creationId xmlns:a16="http://schemas.microsoft.com/office/drawing/2014/main" id="{44417B06-F636-4EE8-82ED-9B1CC702A994}"/>
+              </a:ext>
+            </a:extLst>
+          </p:cNvPr>
+          <p:cNvPicPr>
+            <a:picLocks noChangeAspect="1"/>
+          </p:cNvPicPr>
+          <p:nvPr/>
+        </p:nvPicPr>
+        <p:blipFill>
+          <a:blip r:embed="rId2"/>
+          <a:stretch>
+            <a:fillRect/>
+          </a:stretch>
+        </p:blipFill>
+        <p:spPr>
+          <a:xfrm>
+            <a:off x="2627360" y="1690688"/>
+            <a:ext cx="6937277" cy="4988314"/>
+          </a:xfrm>
+          <a:prstGeom prst="rect">
+            <a:avLst/>
+          </a:prstGeom>
+          <a:ln w="38100">
+            <a:solidFill>
+              <a:srgbClr val="FF6123"/>
+            </a:solidFill>
+            <a:prstDash val="lgDash"/>
+          </a:ln>
+        </p:spPr>
+      </p:pic>
+      <p:sp>
+        <p:nvSpPr>
+          <p:cNvPr id="8" name="Titel 1">
+            <a:extLst>
+              <a:ext uri="{FF2B5EF4-FFF2-40B4-BE49-F238E27FC236}">
+                <a16:creationId xmlns:a16="http://schemas.microsoft.com/office/drawing/2014/main" id="{1B5843C5-2FBB-441A-ABCB-A97594B14B45}"/>
+              </a:ext>
+            </a:extLst>
+          </p:cNvPr>
+          <p:cNvSpPr txBox="1">
+            <a:spLocks/>
+          </p:cNvSpPr>
+          <p:nvPr/>
+        </p:nvSpPr>
+        <p:spPr>
+          <a:xfrm>
+            <a:off x="1686559" y="432593"/>
+            <a:ext cx="8818880" cy="1325563"/>
+          </a:xfrm>
+          <a:prstGeom prst="rect">
+            <a:avLst/>
+          </a:prstGeom>
+        </p:spPr>
+        <p:txBody>
+          <a:bodyPr vert="horz" lIns="91440" tIns="45720" rIns="91440" bIns="45720" rtlCol="0" anchor="ctr">
+            <a:noAutofit/>
+          </a:bodyPr>
+          <a:lstStyle>
+            <a:lvl1pPr algn="l" defTabSz="914400" rtl="0" eaLnBrk="1" latinLnBrk="0" hangingPunct="1">
+              <a:lnSpc>
+                <a:spcPct val="90000"/>
+              </a:lnSpc>
+              <a:spcBef>
+                <a:spcPct val="0"/>
+              </a:spcBef>
+              <a:buNone/>
+              <a:defRPr sz="4400" kern="1200">
+                <a:solidFill>
+                  <a:schemeClr val="tx1"/>
+                </a:solidFill>
+                <a:latin typeface="+mj-lt"/>
+                <a:ea typeface="+mj-ea"/>
+                <a:cs typeface="+mj-cs"/>
+              </a:defRPr>
+            </a:lvl1pPr>
+          </a:lstStyle>
+          <a:p>
+            <a:pPr algn="ctr"/>
+            <a:r>
+              <a:rPr lang="de-DE" sz="6600" dirty="0" err="1">
+                <a:solidFill>
+                  <a:srgbClr val="FF6123"/>
+                </a:solidFill>
+                <a:effectLst>
+                  <a:outerShdw blurRad="38100" dist="38100" dir="2700000" algn="tl">
+                    <a:srgbClr val="000000">
+                      <a:alpha val="43137"/>
+                    </a:srgbClr>
+                  </a:outerShdw>
+                </a:effectLst>
+                <a:latin typeface="Orbitron ExtraBold" pitchFamily="2" charset="0"/>
+              </a:rPr>
+              <a:t>Warning</a:t>
+            </a:r>
+            <a:r>
+              <a:rPr lang="de-DE" sz="6600" dirty="0">
+                <a:solidFill>
+                  <a:srgbClr val="FF6123"/>
+                </a:solidFill>
+                <a:effectLst>
+                  <a:outerShdw blurRad="38100" dist="38100" dir="2700000" algn="tl">
+                    <a:srgbClr val="000000">
+                      <a:alpha val="43137"/>
+                    </a:srgbClr>
+                  </a:outerShdw>
+                </a:effectLst>
+                <a:latin typeface="Orbitron ExtraBold" pitchFamily="2" charset="0"/>
+              </a:rPr>
+              <a:t> </a:t>
+            </a:r>
+            <a:r>
+              <a:rPr lang="de-DE" sz="6600" dirty="0" err="1">
+                <a:solidFill>
+                  <a:srgbClr val="FF6123"/>
+                </a:solidFill>
+                <a:effectLst>
+                  <a:outerShdw blurRad="38100" dist="38100" dir="2700000" algn="tl">
+                    <a:srgbClr val="000000">
+                      <a:alpha val="43137"/>
+                    </a:srgbClr>
+                  </a:outerShdw>
+                </a:effectLst>
+                <a:latin typeface="Orbitron ExtraBold" pitchFamily="2" charset="0"/>
+              </a:rPr>
+              <a:t>pop-up</a:t>
+            </a:r>
+            <a:endParaRPr lang="de-DE" sz="5400" dirty="0">
+              <a:solidFill>
+                <a:srgbClr val="FF6123"/>
+              </a:solidFill>
+              <a:effectLst>
+                <a:outerShdw blurRad="38100" dist="38100" dir="2700000" algn="tl">
+                  <a:srgbClr val="000000">
+                    <a:alpha val="43137"/>
+                  </a:srgbClr>
+                </a:outerShdw>
+              </a:effectLst>
+              <a:latin typeface="Orbitron ExtraBold" pitchFamily="2" charset="0"/>
+            </a:endParaRPr>
+          </a:p>
+        </p:txBody>
+      </p:sp>
+    </p:spTree>
+    <p:extLst>
+      <p:ext uri="{BB962C8B-B14F-4D97-AF65-F5344CB8AC3E}">
+        <p14:creationId xmlns:p14="http://schemas.microsoft.com/office/powerpoint/2010/main" val="2396812421"/>
+      </p:ext>
+    </p:extLst>
+  </p:cSld>
+  <p:clrMapOvr>
+    <a:masterClrMapping/>
+  </p:clrMapOvr>
+  <mc:AlternateContent xmlns:mc="http://schemas.openxmlformats.org/markup-compatibility/2006">
+    <mc:Choice xmlns:p159="http://schemas.microsoft.com/office/powerpoint/2015/09/main" Requires="p159">
+      <p:transition xmlns:p14="http://schemas.microsoft.com/office/powerpoint/2010/main" spd="slow" p14:dur="2000">
+        <p159:morph option="byWord"/>
+      </p:transition>
+    </mc:Choice>
+    <mc:Fallback>
+      <p:transition spd="slow">
+        <p:fade/>
+      </p:transition>
+    </mc:Fallback>
+  </mc:AlternateContent>
+</p:sld>
+</file>
+
+<file path=ppt/slides/slide9.xml><?xml version="1.0" encoding="utf-8"?>
+<p:sld xmlns:a="http://schemas.openxmlformats.org/drawingml/2006/main" xmlns:r="http://schemas.openxmlformats.org/officeDocument/2006/relationships" xmlns:p="http://schemas.openxmlformats.org/presentationml/2006/main">
+  <p:cSld>
+    <p:spTree>
+      <p:nvGrpSpPr>
+        <p:cNvPr id="1" name=""/>
+        <p:cNvGrpSpPr/>
+        <p:nvPr/>
+      </p:nvGrpSpPr>
+      <p:grpSpPr>
+        <a:xfrm>
+          <a:off x="0" y="0"/>
+          <a:ext cx="0" cy="0"/>
+          <a:chOff x="0" y="0"/>
+          <a:chExt cx="0" cy="0"/>
+        </a:xfrm>
+      </p:grpSpPr>
+      <p:sp>
+        <p:nvSpPr>
+          <p:cNvPr id="2" name="Titel 1">
+            <a:extLst>
+              <a:ext uri="{FF2B5EF4-FFF2-40B4-BE49-F238E27FC236}">
+                <a16:creationId xmlns:a16="http://schemas.microsoft.com/office/drawing/2014/main" id="{A6FD2E3F-BE66-4871-98C4-00113AC2BE47}"/>
+              </a:ext>
+            </a:extLst>
+          </p:cNvPr>
+          <p:cNvSpPr>
+            <a:spLocks noGrp="1"/>
+          </p:cNvSpPr>
+          <p:nvPr>
+            <p:ph type="title"/>
+          </p:nvPr>
+        </p:nvSpPr>
+        <p:spPr/>
+        <p:txBody>
+          <a:bodyPr/>
+          <a:lstStyle/>
+          <a:p>
+            <a:endParaRPr lang="de-DE"/>
+          </a:p>
+        </p:txBody>
+      </p:sp>
+      <p:sp>
+        <p:nvSpPr>
+          <p:cNvPr id="3" name="Inhaltsplatzhalter 2">
+            <a:extLst>
+              <a:ext uri="{FF2B5EF4-FFF2-40B4-BE49-F238E27FC236}">
+                <a16:creationId xmlns:a16="http://schemas.microsoft.com/office/drawing/2014/main" id="{805E8D1F-E313-4642-B69C-AE9D41ED91E5}"/>
+              </a:ext>
+            </a:extLst>
+          </p:cNvPr>
+          <p:cNvSpPr>
+            <a:spLocks noGrp="1"/>
+          </p:cNvSpPr>
+          <p:nvPr>
+            <p:ph idx="1"/>
+          </p:nvPr>
+        </p:nvSpPr>
+        <p:spPr/>
+        <p:txBody>
+          <a:bodyPr/>
+          <a:lstStyle/>
+          <a:p>
+            <a:endParaRPr lang="de-DE" dirty="0"/>
+          </a:p>
+        </p:txBody>
+      </p:sp>
+      <p:pic>
+        <p:nvPicPr>
+          <p:cNvPr id="4" name="Grafik 3">
+            <a:extLst>
+              <a:ext uri="{FF2B5EF4-FFF2-40B4-BE49-F238E27FC236}">
+                <a16:creationId xmlns:a16="http://schemas.microsoft.com/office/drawing/2014/main" id="{44417B06-F636-4EE8-82ED-9B1CC702A994}"/>
+              </a:ext>
+            </a:extLst>
+          </p:cNvPr>
+          <p:cNvPicPr>
+            <a:picLocks noChangeAspect="1"/>
+          </p:cNvPicPr>
+          <p:nvPr/>
+        </p:nvPicPr>
+        <p:blipFill rotWithShape="1">
+          <a:blip r:embed="rId2"/>
+          <a:srcRect b="46720"/>
+          <a:stretch/>
+        </p:blipFill>
+        <p:spPr>
+          <a:xfrm>
+            <a:off x="726882" y="1944291"/>
+            <a:ext cx="10738234" cy="4114005"/>
+          </a:xfrm>
+          <a:prstGeom prst="rect">
+            <a:avLst/>
+          </a:prstGeom>
+          <a:ln w="38100">
+            <a:solidFill>
+              <a:srgbClr val="FF6123"/>
+            </a:solidFill>
+            <a:prstDash val="lgDash"/>
+          </a:ln>
+        </p:spPr>
+      </p:pic>
+      <p:sp>
+        <p:nvSpPr>
+          <p:cNvPr id="7" name="Titel 1">
+            <a:extLst>
+              <a:ext uri="{FF2B5EF4-FFF2-40B4-BE49-F238E27FC236}">
+                <a16:creationId xmlns:a16="http://schemas.microsoft.com/office/drawing/2014/main" id="{D679B8C9-834F-4F71-8DB0-7F36D383470C}"/>
+              </a:ext>
+            </a:extLst>
+          </p:cNvPr>
+          <p:cNvSpPr txBox="1">
+            <a:spLocks/>
+          </p:cNvSpPr>
+          <p:nvPr/>
+        </p:nvSpPr>
+        <p:spPr>
+          <a:xfrm>
+            <a:off x="1686559" y="432593"/>
+            <a:ext cx="8818880" cy="1325563"/>
+          </a:xfrm>
+          <a:prstGeom prst="rect">
+            <a:avLst/>
+          </a:prstGeom>
+        </p:spPr>
+        <p:txBody>
+          <a:bodyPr vert="horz" lIns="91440" tIns="45720" rIns="91440" bIns="45720" rtlCol="0" anchor="ctr">
+            <a:noAutofit/>
+          </a:bodyPr>
+          <a:lstStyle>
+            <a:lvl1pPr algn="l" defTabSz="914400" rtl="0" eaLnBrk="1" latinLnBrk="0" hangingPunct="1">
+              <a:lnSpc>
+                <a:spcPct val="90000"/>
+              </a:lnSpc>
+              <a:spcBef>
+                <a:spcPct val="0"/>
+              </a:spcBef>
+              <a:buNone/>
+              <a:defRPr sz="4400" kern="1200">
+                <a:solidFill>
+                  <a:schemeClr val="tx1"/>
+                </a:solidFill>
+                <a:latin typeface="+mj-lt"/>
+                <a:ea typeface="+mj-ea"/>
+                <a:cs typeface="+mj-cs"/>
+              </a:defRPr>
+            </a:lvl1pPr>
+          </a:lstStyle>
+          <a:p>
+            <a:pPr algn="ctr"/>
+            <a:r>
+              <a:rPr lang="de-DE" sz="6600" dirty="0" err="1">
+                <a:solidFill>
+                  <a:srgbClr val="FF6123"/>
+                </a:solidFill>
+                <a:effectLst>
+                  <a:outerShdw blurRad="38100" dist="38100" dir="2700000" algn="tl">
+                    <a:srgbClr val="000000">
+                      <a:alpha val="43137"/>
+                    </a:srgbClr>
+                  </a:outerShdw>
+                </a:effectLst>
+                <a:latin typeface="Orbitron ExtraBold" pitchFamily="2" charset="0"/>
+              </a:rPr>
+              <a:t>Warning</a:t>
+            </a:r>
+            <a:r>
+              <a:rPr lang="de-DE" sz="6600" dirty="0">
+                <a:solidFill>
+                  <a:srgbClr val="FF6123"/>
+                </a:solidFill>
+                <a:effectLst>
+                  <a:outerShdw blurRad="38100" dist="38100" dir="2700000" algn="tl">
+                    <a:srgbClr val="000000">
+                      <a:alpha val="43137"/>
+                    </a:srgbClr>
+                  </a:outerShdw>
+                </a:effectLst>
+                <a:latin typeface="Orbitron ExtraBold" pitchFamily="2" charset="0"/>
+              </a:rPr>
+              <a:t> </a:t>
+            </a:r>
+            <a:r>
+              <a:rPr lang="de-DE" sz="6600" dirty="0" err="1">
+                <a:solidFill>
+                  <a:srgbClr val="FF6123"/>
+                </a:solidFill>
+                <a:effectLst>
+                  <a:outerShdw blurRad="38100" dist="38100" dir="2700000" algn="tl">
+                    <a:srgbClr val="000000">
+                      <a:alpha val="43137"/>
+                    </a:srgbClr>
+                  </a:outerShdw>
+                </a:effectLst>
+                <a:latin typeface="Orbitron ExtraBold" pitchFamily="2" charset="0"/>
+              </a:rPr>
+              <a:t>pop-up</a:t>
+            </a:r>
+            <a:endParaRPr lang="de-DE" sz="5400" dirty="0">
+              <a:solidFill>
+                <a:srgbClr val="FF6123"/>
+              </a:solidFill>
+              <a:effectLst>
+                <a:outerShdw blurRad="38100" dist="38100" dir="2700000" algn="tl">
+                  <a:srgbClr val="000000">
+                    <a:alpha val="43137"/>
+                  </a:srgbClr>
+                </a:outerShdw>
+              </a:effectLst>
+              <a:latin typeface="Orbitron ExtraBold" pitchFamily="2" charset="0"/>
+            </a:endParaRPr>
+          </a:p>
+        </p:txBody>
+      </p:sp>
+    </p:spTree>
+    <p:extLst>
+      <p:ext uri="{BB962C8B-B14F-4D97-AF65-F5344CB8AC3E}">
+        <p14:creationId xmlns:p14="http://schemas.microsoft.com/office/powerpoint/2010/main" val="1724887587"/>
+      </p:ext>
+    </p:extLst>
+  </p:cSld>
+  <p:clrMapOvr>
+    <a:masterClrMapping/>
+  </p:clrMapOvr>
+  <mc:AlternateContent xmlns:mc="http://schemas.openxmlformats.org/markup-compatibility/2006">
+    <mc:Choice xmlns:p159="http://schemas.microsoft.com/office/powerpoint/2015/09/main" Requires="p159">
+      <p:transition xmlns:p14="http://schemas.microsoft.com/office/powerpoint/2010/main" spd="slow" p14:dur="2000">
+        <p159:morph option="byChar"/>
+      </p:transition>
+    </mc:Choice>
+    <mc:Fallback>
+      <p:transition spd="slow">
+        <p:fade/>
+      </p:transition>
+    </mc:Fallback>
+  </mc:AlternateContent>
 </p:sld>
 </file>
 
@@ -7627,7 +14788,310 @@
 </a:theme>
 </file>
 
+<file path=ppt/theme/theme3.xml><?xml version="1.0" encoding="utf-8"?>
+<a:theme xmlns:a="http://schemas.openxmlformats.org/drawingml/2006/main" name="Office">
+  <a:themeElements>
+    <a:clrScheme name="Office">
+      <a:dk1>
+        <a:sysClr val="windowText" lastClr="000000"/>
+      </a:dk1>
+      <a:lt1>
+        <a:sysClr val="window" lastClr="FFFFFF"/>
+      </a:lt1>
+      <a:dk2>
+        <a:srgbClr val="44546A"/>
+      </a:dk2>
+      <a:lt2>
+        <a:srgbClr val="E7E6E6"/>
+      </a:lt2>
+      <a:accent1>
+        <a:srgbClr val="4472C4"/>
+      </a:accent1>
+      <a:accent2>
+        <a:srgbClr val="ED7D31"/>
+      </a:accent2>
+      <a:accent3>
+        <a:srgbClr val="A5A5A5"/>
+      </a:accent3>
+      <a:accent4>
+        <a:srgbClr val="FFC000"/>
+      </a:accent4>
+      <a:accent5>
+        <a:srgbClr val="5B9BD5"/>
+      </a:accent5>
+      <a:accent6>
+        <a:srgbClr val="70AD47"/>
+      </a:accent6>
+      <a:hlink>
+        <a:srgbClr val="0563C1"/>
+      </a:hlink>
+      <a:folHlink>
+        <a:srgbClr val="954F72"/>
+      </a:folHlink>
+    </a:clrScheme>
+    <a:fontScheme name="Office">
+      <a:majorFont>
+        <a:latin typeface="Calibri Light" panose="020F0302020204030204"/>
+        <a:ea typeface=""/>
+        <a:cs typeface=""/>
+        <a:font script="Jpan" typeface="游ゴシック Light"/>
+        <a:font script="Hang" typeface="맑은 고딕"/>
+        <a:font script="Hans" typeface="等线 Light"/>
+        <a:font script="Hant" typeface="新細明體"/>
+        <a:font script="Arab" typeface="Times New Roman"/>
+        <a:font script="Hebr" typeface="Times New Roman"/>
+        <a:font script="Thai" typeface="Angsana New"/>
+        <a:font script="Ethi" typeface="Nyala"/>
+        <a:font script="Beng" typeface="Vrinda"/>
+        <a:font script="Gujr" typeface="Shruti"/>
+        <a:font script="Khmr" typeface="MoolBoran"/>
+        <a:font script="Knda" typeface="Tunga"/>
+        <a:font script="Guru" typeface="Raavi"/>
+        <a:font script="Cans" typeface="Euphemia"/>
+        <a:font script="Cher" typeface="Plantagenet Cherokee"/>
+        <a:font script="Yiii" typeface="Microsoft Yi Baiti"/>
+        <a:font script="Tibt" typeface="Microsoft Himalaya"/>
+        <a:font script="Thaa" typeface="MV Boli"/>
+        <a:font script="Deva" typeface="Mangal"/>
+        <a:font script="Telu" typeface="Gautami"/>
+        <a:font script="Taml" typeface="Latha"/>
+        <a:font script="Syrc" typeface="Estrangelo Edessa"/>
+        <a:font script="Orya" typeface="Kalinga"/>
+        <a:font script="Mlym" typeface="Kartika"/>
+        <a:font script="Laoo" typeface="DokChampa"/>
+        <a:font script="Sinh" typeface="Iskoola Pota"/>
+        <a:font script="Mong" typeface="Mongolian Baiti"/>
+        <a:font script="Viet" typeface="Times New Roman"/>
+        <a:font script="Uigh" typeface="Microsoft Uighur"/>
+        <a:font script="Geor" typeface="Sylfaen"/>
+        <a:font script="Armn" typeface="Arial"/>
+        <a:font script="Bugi" typeface="Leelawadee UI"/>
+        <a:font script="Bopo" typeface="Microsoft JhengHei"/>
+        <a:font script="Java" typeface="Javanese Text"/>
+        <a:font script="Lisu" typeface="Segoe UI"/>
+        <a:font script="Mymr" typeface="Myanmar Text"/>
+        <a:font script="Nkoo" typeface="Ebrima"/>
+        <a:font script="Olck" typeface="Nirmala UI"/>
+        <a:font script="Osma" typeface="Ebrima"/>
+        <a:font script="Phag" typeface="Phagspa"/>
+        <a:font script="Syrn" typeface="Estrangelo Edessa"/>
+        <a:font script="Syrj" typeface="Estrangelo Edessa"/>
+        <a:font script="Syre" typeface="Estrangelo Edessa"/>
+        <a:font script="Sora" typeface="Nirmala UI"/>
+        <a:font script="Tale" typeface="Microsoft Tai Le"/>
+        <a:font script="Talu" typeface="Microsoft New Tai Lue"/>
+        <a:font script="Tfng" typeface="Ebrima"/>
+      </a:majorFont>
+      <a:minorFont>
+        <a:latin typeface="Calibri" panose="020F0502020204030204"/>
+        <a:ea typeface=""/>
+        <a:cs typeface=""/>
+        <a:font script="Jpan" typeface="游ゴシック"/>
+        <a:font script="Hang" typeface="맑은 고딕"/>
+        <a:font script="Hans" typeface="等线"/>
+        <a:font script="Hant" typeface="新細明體"/>
+        <a:font script="Arab" typeface="Arial"/>
+        <a:font script="Hebr" typeface="Arial"/>
+        <a:font script="Thai" typeface="Cordia New"/>
+        <a:font script="Ethi" typeface="Nyala"/>
+        <a:font script="Beng" typeface="Vrinda"/>
+        <a:font script="Gujr" typeface="Shruti"/>
+        <a:font script="Khmr" typeface="DaunPenh"/>
+        <a:font script="Knda" typeface="Tunga"/>
+        <a:font script="Guru" typeface="Raavi"/>
+        <a:font script="Cans" typeface="Euphemia"/>
+        <a:font script="Cher" typeface="Plantagenet Cherokee"/>
+        <a:font script="Yiii" typeface="Microsoft Yi Baiti"/>
+        <a:font script="Tibt" typeface="Microsoft Himalaya"/>
+        <a:font script="Thaa" typeface="MV Boli"/>
+        <a:font script="Deva" typeface="Mangal"/>
+        <a:font script="Telu" typeface="Gautami"/>
+        <a:font script="Taml" typeface="Latha"/>
+        <a:font script="Syrc" typeface="Estrangelo Edessa"/>
+        <a:font script="Orya" typeface="Kalinga"/>
+        <a:font script="Mlym" typeface="Kartika"/>
+        <a:font script="Laoo" typeface="DokChampa"/>
+        <a:font script="Sinh" typeface="Iskoola Pota"/>
+        <a:font script="Mong" typeface="Mongolian Baiti"/>
+        <a:font script="Viet" typeface="Arial"/>
+        <a:font script="Uigh" typeface="Microsoft Uighur"/>
+        <a:font script="Geor" typeface="Sylfaen"/>
+        <a:font script="Armn" typeface="Arial"/>
+        <a:font script="Bugi" typeface="Leelawadee UI"/>
+        <a:font script="Bopo" typeface="Microsoft JhengHei"/>
+        <a:font script="Java" typeface="Javanese Text"/>
+        <a:font script="Lisu" typeface="Segoe UI"/>
+        <a:font script="Mymr" typeface="Myanmar Text"/>
+        <a:font script="Nkoo" typeface="Ebrima"/>
+        <a:font script="Olck" typeface="Nirmala UI"/>
+        <a:font script="Osma" typeface="Ebrima"/>
+        <a:font script="Phag" typeface="Phagspa"/>
+        <a:font script="Syrn" typeface="Estrangelo Edessa"/>
+        <a:font script="Syrj" typeface="Estrangelo Edessa"/>
+        <a:font script="Syre" typeface="Estrangelo Edessa"/>
+        <a:font script="Sora" typeface="Nirmala UI"/>
+        <a:font script="Tale" typeface="Microsoft Tai Le"/>
+        <a:font script="Talu" typeface="Microsoft New Tai Lue"/>
+        <a:font script="Tfng" typeface="Ebrima"/>
+      </a:minorFont>
+    </a:fontScheme>
+    <a:fmtScheme name="Office">
+      <a:fillStyleLst>
+        <a:solidFill>
+          <a:schemeClr val="phClr"/>
+        </a:solidFill>
+        <a:gradFill rotWithShape="1">
+          <a:gsLst>
+            <a:gs pos="0">
+              <a:schemeClr val="phClr">
+                <a:lumMod val="110000"/>
+                <a:satMod val="105000"/>
+                <a:tint val="67000"/>
+              </a:schemeClr>
+            </a:gs>
+            <a:gs pos="50000">
+              <a:schemeClr val="phClr">
+                <a:lumMod val="105000"/>
+                <a:satMod val="103000"/>
+                <a:tint val="73000"/>
+              </a:schemeClr>
+            </a:gs>
+            <a:gs pos="100000">
+              <a:schemeClr val="phClr">
+                <a:lumMod val="105000"/>
+                <a:satMod val="109000"/>
+                <a:tint val="81000"/>
+              </a:schemeClr>
+            </a:gs>
+          </a:gsLst>
+          <a:lin ang="5400000" scaled="0"/>
+        </a:gradFill>
+        <a:gradFill rotWithShape="1">
+          <a:gsLst>
+            <a:gs pos="0">
+              <a:schemeClr val="phClr">
+                <a:satMod val="103000"/>
+                <a:lumMod val="102000"/>
+                <a:tint val="94000"/>
+              </a:schemeClr>
+            </a:gs>
+            <a:gs pos="50000">
+              <a:schemeClr val="phClr">
+                <a:satMod val="110000"/>
+                <a:lumMod val="100000"/>
+                <a:shade val="100000"/>
+              </a:schemeClr>
+            </a:gs>
+            <a:gs pos="100000">
+              <a:schemeClr val="phClr">
+                <a:lumMod val="99000"/>
+                <a:satMod val="120000"/>
+                <a:shade val="78000"/>
+              </a:schemeClr>
+            </a:gs>
+          </a:gsLst>
+          <a:lin ang="5400000" scaled="0"/>
+        </a:gradFill>
+      </a:fillStyleLst>
+      <a:lnStyleLst>
+        <a:ln w="6350" cap="flat" cmpd="sng" algn="ctr">
+          <a:solidFill>
+            <a:schemeClr val="phClr"/>
+          </a:solidFill>
+          <a:prstDash val="solid"/>
+          <a:miter lim="800000"/>
+        </a:ln>
+        <a:ln w="12700" cap="flat" cmpd="sng" algn="ctr">
+          <a:solidFill>
+            <a:schemeClr val="phClr"/>
+          </a:solidFill>
+          <a:prstDash val="solid"/>
+          <a:miter lim="800000"/>
+        </a:ln>
+        <a:ln w="19050" cap="flat" cmpd="sng" algn="ctr">
+          <a:solidFill>
+            <a:schemeClr val="phClr"/>
+          </a:solidFill>
+          <a:prstDash val="solid"/>
+          <a:miter lim="800000"/>
+        </a:ln>
+      </a:lnStyleLst>
+      <a:effectStyleLst>
+        <a:effectStyle>
+          <a:effectLst/>
+        </a:effectStyle>
+        <a:effectStyle>
+          <a:effectLst/>
+        </a:effectStyle>
+        <a:effectStyle>
+          <a:effectLst>
+            <a:outerShdw blurRad="57150" dist="19050" dir="5400000" algn="ctr" rotWithShape="0">
+              <a:srgbClr val="000000">
+                <a:alpha val="63000"/>
+              </a:srgbClr>
+            </a:outerShdw>
+          </a:effectLst>
+        </a:effectStyle>
+      </a:effectStyleLst>
+      <a:bgFillStyleLst>
+        <a:solidFill>
+          <a:schemeClr val="phClr"/>
+        </a:solidFill>
+        <a:solidFill>
+          <a:schemeClr val="phClr">
+            <a:tint val="95000"/>
+            <a:satMod val="170000"/>
+          </a:schemeClr>
+        </a:solidFill>
+        <a:gradFill rotWithShape="1">
+          <a:gsLst>
+            <a:gs pos="0">
+              <a:schemeClr val="phClr">
+                <a:tint val="93000"/>
+                <a:satMod val="150000"/>
+                <a:shade val="98000"/>
+                <a:lumMod val="102000"/>
+              </a:schemeClr>
+            </a:gs>
+            <a:gs pos="50000">
+              <a:schemeClr val="phClr">
+                <a:tint val="98000"/>
+                <a:satMod val="130000"/>
+                <a:shade val="90000"/>
+                <a:lumMod val="103000"/>
+              </a:schemeClr>
+            </a:gs>
+            <a:gs pos="100000">
+              <a:schemeClr val="phClr">
+                <a:shade val="63000"/>
+                <a:satMod val="120000"/>
+              </a:schemeClr>
+            </a:gs>
+          </a:gsLst>
+          <a:lin ang="5400000" scaled="0"/>
+        </a:gradFill>
+      </a:bgFillStyleLst>
+    </a:fmtScheme>
+  </a:themeElements>
+  <a:objectDefaults/>
+  <a:extraClrSchemeLst/>
+  <a:extLst>
+    <a:ext uri="{05A4C25C-085E-4340-85A3-A5531E510DB2}">
+      <thm15:themeFamily xmlns:thm15="http://schemas.microsoft.com/office/thememl/2012/main" name="Office Theme" id="{62F939B6-93AF-4DB8-9C6B-D6C7DFDC589F}" vid="{4A3C46E8-61CC-4603-A589-7422A47A8E4A}"/>
+    </a:ext>
+  </a:extLst>
+</a:theme>
+</file>
+
 <file path=customXml/item1.xml><?xml version="1.0" encoding="utf-8"?>
+<p:properties xmlns:p="http://schemas.microsoft.com/office/2006/metadata/properties" xmlns:xsi="http://www.w3.org/2001/XMLSchema-instance" xmlns:pc="http://schemas.microsoft.com/office/infopath/2007/PartnerControls">
+  <documentManagement>
+    <_activity xmlns="68d4fa24-27bc-4a2b-8b10-66e8c88ad728" xsi:nil="true"/>
+  </documentManagement>
+</p:properties>
+</file>
+
+<file path=customXml/item2.xml><?xml version="1.0" encoding="utf-8"?>
 <ct:contentTypeSchema xmlns:ct="http://schemas.microsoft.com/office/2006/metadata/contentType" xmlns:ma="http://schemas.microsoft.com/office/2006/metadata/properties/metaAttributes" ct:_="" ma:_="" ma:contentTypeName="Dokument" ma:contentTypeID="0x010100BB7BF5C2C52F2C4AA8EF209DE34A1A0F" ma:contentTypeVersion="16" ma:contentTypeDescription="Ein neues Dokument erstellen." ma:contentTypeScope="" ma:versionID="41d3a6bd83a00385c3d29d1e0d40455b">
   <xsd:schema xmlns:xsd="http://www.w3.org/2001/XMLSchema" xmlns:xs="http://www.w3.org/2001/XMLSchema" xmlns:p="http://schemas.microsoft.com/office/2006/metadata/properties" xmlns:ns3="68d4fa24-27bc-4a2b-8b10-66e8c88ad728" xmlns:ns4="2c986a59-9623-43da-912b-e65b30ca5c76" targetNamespace="http://schemas.microsoft.com/office/2006/metadata/properties" ma:root="true" ma:fieldsID="8e3f2d7600349da5a6f513ad3f583a81" ns3:_="" ns4:_="">
     <xsd:import namespace="68d4fa24-27bc-4a2b-8b10-66e8c88ad728"/>
@@ -7866,7 +15330,7 @@
 </ct:contentTypeSchema>
 </file>
 
-<file path=customXml/item2.xml><?xml version="1.0" encoding="utf-8"?>
+<file path=customXml/item3.xml><?xml version="1.0" encoding="utf-8"?>
 <?mso-contentType ?>
 <FormTemplates xmlns="http://schemas.microsoft.com/sharepoint/v3/contenttype/forms">
   <Display>DocumentLibraryForm</Display>
@@ -7875,15 +15339,24 @@
 </FormTemplates>
 </file>
 
-<file path=customXml/item3.xml><?xml version="1.0" encoding="utf-8"?>
-<p:properties xmlns:p="http://schemas.microsoft.com/office/2006/metadata/properties" xmlns:xsi="http://www.w3.org/2001/XMLSchema-instance" xmlns:pc="http://schemas.microsoft.com/office/infopath/2007/PartnerControls">
-  <documentManagement>
-    <_activity xmlns="68d4fa24-27bc-4a2b-8b10-66e8c88ad728" xsi:nil="true"/>
-  </documentManagement>
-</p:properties>
+<file path=customXml/itemProps1.xml><?xml version="1.0" encoding="utf-8"?>
+<ds:datastoreItem xmlns:ds="http://schemas.openxmlformats.org/officeDocument/2006/customXml" ds:itemID="{DCE6F354-CA42-4C4D-8D88-BD6649210A63}">
+  <ds:schemaRefs>
+    <ds:schemaRef ds:uri="http://schemas.microsoft.com/office/2006/documentManagement/types"/>
+    <ds:schemaRef ds:uri="http://schemas.microsoft.com/office/2006/metadata/properties"/>
+    <ds:schemaRef ds:uri="http://purl.org/dc/dcmitype/"/>
+    <ds:schemaRef ds:uri="http://purl.org/dc/elements/1.1/"/>
+    <ds:schemaRef ds:uri="http://schemas.microsoft.com/office/infopath/2007/PartnerControls"/>
+    <ds:schemaRef ds:uri="http://purl.org/dc/terms/"/>
+    <ds:schemaRef ds:uri="http://www.w3.org/XML/1998/namespace"/>
+    <ds:schemaRef ds:uri="http://schemas.openxmlformats.org/package/2006/metadata/core-properties"/>
+    <ds:schemaRef ds:uri="2c986a59-9623-43da-912b-e65b30ca5c76"/>
+    <ds:schemaRef ds:uri="68d4fa24-27bc-4a2b-8b10-66e8c88ad728"/>
+  </ds:schemaRefs>
+</ds:datastoreItem>
 </file>
 
-<file path=customXml/itemProps1.xml><?xml version="1.0" encoding="utf-8"?>
+<file path=customXml/itemProps2.xml><?xml version="1.0" encoding="utf-8"?>
 <ds:datastoreItem xmlns:ds="http://schemas.openxmlformats.org/officeDocument/2006/customXml" ds:itemID="{B0D99A73-C35D-481F-8BF8-975FC79B8AAA}">
   <ds:schemaRefs>
     <ds:schemaRef ds:uri="http://schemas.microsoft.com/office/2006/metadata/contentType"/>
@@ -7902,27 +15375,10 @@
 </ds:datastoreItem>
 </file>
 
-<file path=customXml/itemProps2.xml><?xml version="1.0" encoding="utf-8"?>
+<file path=customXml/itemProps3.xml><?xml version="1.0" encoding="utf-8"?>
 <ds:datastoreItem xmlns:ds="http://schemas.openxmlformats.org/officeDocument/2006/customXml" ds:itemID="{4056C8C2-6EBD-4C05-BC37-0E44F2CC404E}">
   <ds:schemaRefs>
     <ds:schemaRef ds:uri="http://schemas.microsoft.com/sharepoint/v3/contenttype/forms"/>
   </ds:schemaRefs>
 </ds:datastoreItem>
-</file>
-
-<file path=customXml/itemProps3.xml><?xml version="1.0" encoding="utf-8"?>
-<ds:datastoreItem xmlns:ds="http://schemas.openxmlformats.org/officeDocument/2006/customXml" ds:itemID="{DCE6F354-CA42-4C4D-8D88-BD6649210A63}">
-  <ds:schemaRefs>
-    <ds:schemaRef ds:uri="2c986a59-9623-43da-912b-e65b30ca5c76"/>
-    <ds:schemaRef ds:uri="http://purl.org/dc/elements/1.1/"/>
-    <ds:schemaRef ds:uri="http://www.w3.org/XML/1998/namespace"/>
-    <ds:schemaRef ds:uri="http://schemas.openxmlformats.org/package/2006/metadata/core-properties"/>
-    <ds:schemaRef ds:uri="http://schemas.microsoft.com/office/2006/documentManagement/types"/>
-    <ds:schemaRef ds:uri="http://purl.org/dc/dcmitype/"/>
-    <ds:schemaRef ds:uri="http://schemas.microsoft.com/office/2006/metadata/properties"/>
-    <ds:schemaRef ds:uri="http://schemas.microsoft.com/office/infopath/2007/PartnerControls"/>
-    <ds:schemaRef ds:uri="68d4fa24-27bc-4a2b-8b10-66e8c88ad728"/>
-    <ds:schemaRef ds:uri="http://purl.org/dc/terms/"/>
-  </ds:schemaRefs>
-</ds:datastoreItem>
 </file>